--- a/paper/figures/OverviewSPORES.pptx
+++ b/paper/figures/OverviewSPORES.pptx
@@ -6,13 +6,6 @@
   </p:sldMasterIdLst>
   <p:sldIdLst>
     <p:sldId id="256" r:id="rId2"/>
-    <p:sldId id="263" r:id="rId3"/>
-    <p:sldId id="257" r:id="rId4"/>
-    <p:sldId id="258" r:id="rId5"/>
-    <p:sldId id="259" r:id="rId6"/>
-    <p:sldId id="260" r:id="rId7"/>
-    <p:sldId id="261" r:id="rId8"/>
-    <p:sldId id="262" r:id="rId9"/>
   </p:sldIdLst>
   <p:sldSz cx="9144000" cy="6858000" type="screen4x3"/>
   <p:notesSz cx="6858000" cy="9144000"/>
@@ -7873,7562 +7866,6 @@
     <p:extLst>
       <p:ext uri="{BB962C8B-B14F-4D97-AF65-F5344CB8AC3E}">
         <p14:creationId xmlns:p14="http://schemas.microsoft.com/office/powerpoint/2010/main" val="3774741222"/>
-      </p:ext>
-    </p:extLst>
-  </p:cSld>
-  <p:clrMapOvr>
-    <a:masterClrMapping/>
-  </p:clrMapOvr>
-</p:sld>
-</file>
-
-<file path=ppt/slides/slide2.xml><?xml version="1.0" encoding="utf-8"?>
-<p:sld xmlns:a="http://schemas.openxmlformats.org/drawingml/2006/main" xmlns:r="http://schemas.openxmlformats.org/officeDocument/2006/relationships" xmlns:p="http://schemas.openxmlformats.org/presentationml/2006/main">
-  <p:cSld>
-    <p:spTree>
-      <p:nvGrpSpPr>
-        <p:cNvPr id="1" name=""/>
-        <p:cNvGrpSpPr/>
-        <p:nvPr/>
-      </p:nvGrpSpPr>
-      <p:grpSpPr>
-        <a:xfrm>
-          <a:off x="0" y="0"/>
-          <a:ext cx="0" cy="0"/>
-          <a:chOff x="0" y="0"/>
-          <a:chExt cx="0" cy="0"/>
-        </a:xfrm>
-      </p:grpSpPr>
-      <p:sp>
-        <p:nvSpPr>
-          <p:cNvPr id="88" name="Carré corné 87"/>
-          <p:cNvSpPr/>
-          <p:nvPr/>
-        </p:nvSpPr>
-        <p:spPr>
-          <a:xfrm>
-            <a:off x="5316644" y="1958612"/>
-            <a:ext cx="1038845" cy="1224136"/>
-          </a:xfrm>
-          <a:prstGeom prst="foldedCorner">
-            <a:avLst>
-              <a:gd name="adj" fmla="val 32099"/>
-            </a:avLst>
-          </a:prstGeom>
-          <a:solidFill>
-            <a:schemeClr val="bg1"/>
-          </a:solidFill>
-          <a:ln w="9525" cmpd="sng">
-            <a:solidFill>
-              <a:schemeClr val="tx1"/>
-            </a:solidFill>
-          </a:ln>
-          <a:effectLst/>
-        </p:spPr>
-        <p:style>
-          <a:lnRef idx="1">
-            <a:schemeClr val="accent1"/>
-          </a:lnRef>
-          <a:fillRef idx="3">
-            <a:schemeClr val="accent1"/>
-          </a:fillRef>
-          <a:effectRef idx="2">
-            <a:schemeClr val="accent1"/>
-          </a:effectRef>
-          <a:fontRef idx="minor">
-            <a:schemeClr val="lt1"/>
-          </a:fontRef>
-        </p:style>
-        <p:txBody>
-          <a:bodyPr rtlCol="0" anchor="ctr"/>
-          <a:lstStyle/>
-          <a:p>
-            <a:pPr algn="ctr"/>
-            <a:endParaRPr lang="en-US" sz="1500">
-              <a:solidFill>
-                <a:schemeClr val="tx1"/>
-              </a:solidFill>
-            </a:endParaRPr>
-          </a:p>
-        </p:txBody>
-      </p:sp>
-      <p:sp>
-        <p:nvSpPr>
-          <p:cNvPr id="21" name="Forme libre 20"/>
-          <p:cNvSpPr/>
-          <p:nvPr/>
-        </p:nvSpPr>
-        <p:spPr>
-          <a:xfrm>
-            <a:off x="2843807" y="1628800"/>
-            <a:ext cx="2232249" cy="1656184"/>
-          </a:xfrm>
-          <a:custGeom>
-            <a:avLst/>
-            <a:gdLst>
-              <a:gd name="connsiteX0" fmla="*/ 0 w 2235200"/>
-              <a:gd name="connsiteY0" fmla="*/ 0 h 1657350"/>
-              <a:gd name="connsiteX1" fmla="*/ 2235200 w 2235200"/>
-              <a:gd name="connsiteY1" fmla="*/ 3175 h 1657350"/>
-              <a:gd name="connsiteX2" fmla="*/ 2235200 w 2235200"/>
-              <a:gd name="connsiteY2" fmla="*/ 1657350 h 1657350"/>
-              <a:gd name="connsiteX3" fmla="*/ 1730375 w 2235200"/>
-              <a:gd name="connsiteY3" fmla="*/ 1657350 h 1657350"/>
-              <a:gd name="connsiteX4" fmla="*/ 1730375 w 2235200"/>
-              <a:gd name="connsiteY4" fmla="*/ 504825 h 1657350"/>
-              <a:gd name="connsiteX5" fmla="*/ 0 w 2235200"/>
-              <a:gd name="connsiteY5" fmla="*/ 504825 h 1657350"/>
-              <a:gd name="connsiteX6" fmla="*/ 0 w 2235200"/>
-              <a:gd name="connsiteY6" fmla="*/ 0 h 1657350"/>
-              <a:gd name="connsiteX0" fmla="*/ 0 w 2238375"/>
-              <a:gd name="connsiteY0" fmla="*/ 0 h 1657350"/>
-              <a:gd name="connsiteX1" fmla="*/ 2238375 w 2238375"/>
-              <a:gd name="connsiteY1" fmla="*/ 3175 h 1657350"/>
-              <a:gd name="connsiteX2" fmla="*/ 2238375 w 2238375"/>
-              <a:gd name="connsiteY2" fmla="*/ 1657350 h 1657350"/>
-              <a:gd name="connsiteX3" fmla="*/ 1733550 w 2238375"/>
-              <a:gd name="connsiteY3" fmla="*/ 1657350 h 1657350"/>
-              <a:gd name="connsiteX4" fmla="*/ 1733550 w 2238375"/>
-              <a:gd name="connsiteY4" fmla="*/ 504825 h 1657350"/>
-              <a:gd name="connsiteX5" fmla="*/ 3175 w 2238375"/>
-              <a:gd name="connsiteY5" fmla="*/ 504825 h 1657350"/>
-              <a:gd name="connsiteX6" fmla="*/ 0 w 2238375"/>
-              <a:gd name="connsiteY6" fmla="*/ 0 h 1657350"/>
-              <a:gd name="connsiteX0" fmla="*/ 0 w 2241550"/>
-              <a:gd name="connsiteY0" fmla="*/ 3175 h 1654175"/>
-              <a:gd name="connsiteX1" fmla="*/ 2241550 w 2241550"/>
-              <a:gd name="connsiteY1" fmla="*/ 0 h 1654175"/>
-              <a:gd name="connsiteX2" fmla="*/ 2241550 w 2241550"/>
-              <a:gd name="connsiteY2" fmla="*/ 1654175 h 1654175"/>
-              <a:gd name="connsiteX3" fmla="*/ 1736725 w 2241550"/>
-              <a:gd name="connsiteY3" fmla="*/ 1654175 h 1654175"/>
-              <a:gd name="connsiteX4" fmla="*/ 1736725 w 2241550"/>
-              <a:gd name="connsiteY4" fmla="*/ 501650 h 1654175"/>
-              <a:gd name="connsiteX5" fmla="*/ 6350 w 2241550"/>
-              <a:gd name="connsiteY5" fmla="*/ 501650 h 1654175"/>
-              <a:gd name="connsiteX6" fmla="*/ 0 w 2241550"/>
-              <a:gd name="connsiteY6" fmla="*/ 3175 h 1654175"/>
-              <a:gd name="connsiteX0" fmla="*/ 0 w 2238375"/>
-              <a:gd name="connsiteY0" fmla="*/ 3175 h 1654175"/>
-              <a:gd name="connsiteX1" fmla="*/ 2238375 w 2238375"/>
-              <a:gd name="connsiteY1" fmla="*/ 0 h 1654175"/>
-              <a:gd name="connsiteX2" fmla="*/ 2238375 w 2238375"/>
-              <a:gd name="connsiteY2" fmla="*/ 1654175 h 1654175"/>
-              <a:gd name="connsiteX3" fmla="*/ 1733550 w 2238375"/>
-              <a:gd name="connsiteY3" fmla="*/ 1654175 h 1654175"/>
-              <a:gd name="connsiteX4" fmla="*/ 1733550 w 2238375"/>
-              <a:gd name="connsiteY4" fmla="*/ 501650 h 1654175"/>
-              <a:gd name="connsiteX5" fmla="*/ 3175 w 2238375"/>
-              <a:gd name="connsiteY5" fmla="*/ 501650 h 1654175"/>
-              <a:gd name="connsiteX6" fmla="*/ 0 w 2238375"/>
-              <a:gd name="connsiteY6" fmla="*/ 3175 h 1654175"/>
-              <a:gd name="connsiteX0" fmla="*/ 3175 w 2235200"/>
-              <a:gd name="connsiteY0" fmla="*/ 0 h 1654175"/>
-              <a:gd name="connsiteX1" fmla="*/ 2235200 w 2235200"/>
-              <a:gd name="connsiteY1" fmla="*/ 0 h 1654175"/>
-              <a:gd name="connsiteX2" fmla="*/ 2235200 w 2235200"/>
-              <a:gd name="connsiteY2" fmla="*/ 1654175 h 1654175"/>
-              <a:gd name="connsiteX3" fmla="*/ 1730375 w 2235200"/>
-              <a:gd name="connsiteY3" fmla="*/ 1654175 h 1654175"/>
-              <a:gd name="connsiteX4" fmla="*/ 1730375 w 2235200"/>
-              <a:gd name="connsiteY4" fmla="*/ 501650 h 1654175"/>
-              <a:gd name="connsiteX5" fmla="*/ 0 w 2235200"/>
-              <a:gd name="connsiteY5" fmla="*/ 501650 h 1654175"/>
-              <a:gd name="connsiteX6" fmla="*/ 3175 w 2235200"/>
-              <a:gd name="connsiteY6" fmla="*/ 0 h 1654175"/>
-              <a:gd name="connsiteX0" fmla="*/ 0 w 2241550"/>
-              <a:gd name="connsiteY0" fmla="*/ 0 h 1654175"/>
-              <a:gd name="connsiteX1" fmla="*/ 2241550 w 2241550"/>
-              <a:gd name="connsiteY1" fmla="*/ 0 h 1654175"/>
-              <a:gd name="connsiteX2" fmla="*/ 2241550 w 2241550"/>
-              <a:gd name="connsiteY2" fmla="*/ 1654175 h 1654175"/>
-              <a:gd name="connsiteX3" fmla="*/ 1736725 w 2241550"/>
-              <a:gd name="connsiteY3" fmla="*/ 1654175 h 1654175"/>
-              <a:gd name="connsiteX4" fmla="*/ 1736725 w 2241550"/>
-              <a:gd name="connsiteY4" fmla="*/ 501650 h 1654175"/>
-              <a:gd name="connsiteX5" fmla="*/ 6350 w 2241550"/>
-              <a:gd name="connsiteY5" fmla="*/ 501650 h 1654175"/>
-              <a:gd name="connsiteX6" fmla="*/ 0 w 2241550"/>
-              <a:gd name="connsiteY6" fmla="*/ 0 h 1654175"/>
-              <a:gd name="connsiteX0" fmla="*/ 3175 w 2235200"/>
-              <a:gd name="connsiteY0" fmla="*/ 0 h 1654175"/>
-              <a:gd name="connsiteX1" fmla="*/ 2235200 w 2235200"/>
-              <a:gd name="connsiteY1" fmla="*/ 0 h 1654175"/>
-              <a:gd name="connsiteX2" fmla="*/ 2235200 w 2235200"/>
-              <a:gd name="connsiteY2" fmla="*/ 1654175 h 1654175"/>
-              <a:gd name="connsiteX3" fmla="*/ 1730375 w 2235200"/>
-              <a:gd name="connsiteY3" fmla="*/ 1654175 h 1654175"/>
-              <a:gd name="connsiteX4" fmla="*/ 1730375 w 2235200"/>
-              <a:gd name="connsiteY4" fmla="*/ 501650 h 1654175"/>
-              <a:gd name="connsiteX5" fmla="*/ 0 w 2235200"/>
-              <a:gd name="connsiteY5" fmla="*/ 501650 h 1654175"/>
-              <a:gd name="connsiteX6" fmla="*/ 3175 w 2235200"/>
-              <a:gd name="connsiteY6" fmla="*/ 0 h 1654175"/>
-              <a:gd name="connsiteX0" fmla="*/ 0 w 2238375"/>
-              <a:gd name="connsiteY0" fmla="*/ 0 h 1657350"/>
-              <a:gd name="connsiteX1" fmla="*/ 2238375 w 2238375"/>
-              <a:gd name="connsiteY1" fmla="*/ 3175 h 1657350"/>
-              <a:gd name="connsiteX2" fmla="*/ 2238375 w 2238375"/>
-              <a:gd name="connsiteY2" fmla="*/ 1657350 h 1657350"/>
-              <a:gd name="connsiteX3" fmla="*/ 1733550 w 2238375"/>
-              <a:gd name="connsiteY3" fmla="*/ 1657350 h 1657350"/>
-              <a:gd name="connsiteX4" fmla="*/ 1733550 w 2238375"/>
-              <a:gd name="connsiteY4" fmla="*/ 504825 h 1657350"/>
-              <a:gd name="connsiteX5" fmla="*/ 3175 w 2238375"/>
-              <a:gd name="connsiteY5" fmla="*/ 504825 h 1657350"/>
-              <a:gd name="connsiteX6" fmla="*/ 0 w 2238375"/>
-              <a:gd name="connsiteY6" fmla="*/ 0 h 1657350"/>
-            </a:gdLst>
-            <a:ahLst/>
-            <a:cxnLst>
-              <a:cxn ang="0">
-                <a:pos x="connsiteX0" y="connsiteY0"/>
-              </a:cxn>
-              <a:cxn ang="0">
-                <a:pos x="connsiteX1" y="connsiteY1"/>
-              </a:cxn>
-              <a:cxn ang="0">
-                <a:pos x="connsiteX2" y="connsiteY2"/>
-              </a:cxn>
-              <a:cxn ang="0">
-                <a:pos x="connsiteX3" y="connsiteY3"/>
-              </a:cxn>
-              <a:cxn ang="0">
-                <a:pos x="connsiteX4" y="connsiteY4"/>
-              </a:cxn>
-              <a:cxn ang="0">
-                <a:pos x="connsiteX5" y="connsiteY5"/>
-              </a:cxn>
-              <a:cxn ang="0">
-                <a:pos x="connsiteX6" y="connsiteY6"/>
-              </a:cxn>
-            </a:cxnLst>
-            <a:rect l="l" t="t" r="r" b="b"/>
-            <a:pathLst>
-              <a:path w="2238375" h="1657350">
-                <a:moveTo>
-                  <a:pt x="0" y="0"/>
-                </a:moveTo>
-                <a:lnTo>
-                  <a:pt x="2238375" y="3175"/>
-                </a:lnTo>
-                <a:lnTo>
-                  <a:pt x="2238375" y="1657350"/>
-                </a:lnTo>
-                <a:lnTo>
-                  <a:pt x="1733550" y="1657350"/>
-                </a:lnTo>
-                <a:lnTo>
-                  <a:pt x="1733550" y="504825"/>
-                </a:lnTo>
-                <a:lnTo>
-                  <a:pt x="3175" y="504825"/>
-                </a:lnTo>
-                <a:cubicBezTo>
-                  <a:pt x="4233" y="336550"/>
-                  <a:pt x="2117" y="168275"/>
-                  <a:pt x="0" y="0"/>
-                </a:cubicBezTo>
-                <a:close/>
-              </a:path>
-            </a:pathLst>
-          </a:custGeom>
-          <a:solidFill>
-            <a:schemeClr val="bg1"/>
-          </a:solidFill>
-          <a:ln w="19050" cmpd="sng">
-            <a:solidFill>
-              <a:schemeClr val="tx1"/>
-            </a:solidFill>
-          </a:ln>
-          <a:effectLst/>
-        </p:spPr>
-        <p:style>
-          <a:lnRef idx="1">
-            <a:schemeClr val="accent1"/>
-          </a:lnRef>
-          <a:fillRef idx="3">
-            <a:schemeClr val="accent1"/>
-          </a:fillRef>
-          <a:effectRef idx="2">
-            <a:schemeClr val="accent1"/>
-          </a:effectRef>
-          <a:fontRef idx="minor">
-            <a:schemeClr val="lt1"/>
-          </a:fontRef>
-        </p:style>
-        <p:txBody>
-          <a:bodyPr rtlCol="0" anchor="ctr"/>
-          <a:lstStyle/>
-          <a:p>
-            <a:pPr algn="ctr"/>
-            <a:endParaRPr lang="en-US" sz="1500">
-              <a:solidFill>
-                <a:schemeClr val="tx1"/>
-              </a:solidFill>
-            </a:endParaRPr>
-          </a:p>
-        </p:txBody>
-      </p:sp>
-      <p:sp>
-        <p:nvSpPr>
-          <p:cNvPr id="4" name="Rectangle 3"/>
-          <p:cNvSpPr/>
-          <p:nvPr/>
-        </p:nvSpPr>
-        <p:spPr>
-          <a:xfrm>
-            <a:off x="2843808" y="3933056"/>
-            <a:ext cx="3312368" cy="504056"/>
-          </a:xfrm>
-          <a:prstGeom prst="rect">
-            <a:avLst/>
-          </a:prstGeom>
-          <a:solidFill>
-            <a:schemeClr val="bg1"/>
-          </a:solidFill>
-          <a:ln w="19050" cmpd="sng">
-            <a:solidFill>
-              <a:schemeClr val="tx1"/>
-            </a:solidFill>
-          </a:ln>
-          <a:effectLst/>
-        </p:spPr>
-        <p:style>
-          <a:lnRef idx="1">
-            <a:schemeClr val="accent1"/>
-          </a:lnRef>
-          <a:fillRef idx="3">
-            <a:schemeClr val="accent1"/>
-          </a:fillRef>
-          <a:effectRef idx="2">
-            <a:schemeClr val="accent1"/>
-          </a:effectRef>
-          <a:fontRef idx="minor">
-            <a:schemeClr val="lt1"/>
-          </a:fontRef>
-        </p:style>
-        <p:txBody>
-          <a:bodyPr rtlCol="0" anchor="ctr"/>
-          <a:lstStyle/>
-          <a:p>
-            <a:pPr algn="ctr"/>
-            <a:r>
-              <a:rPr lang="en-US" sz="1500" dirty="0">
-                <a:solidFill>
-                  <a:schemeClr val="tx1"/>
-                </a:solidFill>
-              </a:rPr>
-              <a:t>Global Random Peer Sampling (RPS)</a:t>
-            </a:r>
-          </a:p>
-        </p:txBody>
-      </p:sp>
-      <p:sp>
-        <p:nvSpPr>
-          <p:cNvPr id="15" name="Rectangle 14"/>
-          <p:cNvSpPr/>
-          <p:nvPr/>
-        </p:nvSpPr>
-        <p:spPr>
-          <a:xfrm>
-            <a:off x="2843808" y="3356992"/>
-            <a:ext cx="1656183" cy="504056"/>
-          </a:xfrm>
-          <a:prstGeom prst="rect">
-            <a:avLst/>
-          </a:prstGeom>
-          <a:solidFill>
-            <a:schemeClr val="bg1"/>
-          </a:solidFill>
-          <a:ln w="19050" cmpd="sng">
-            <a:solidFill>
-              <a:schemeClr val="tx1"/>
-            </a:solidFill>
-          </a:ln>
-          <a:effectLst/>
-        </p:spPr>
-        <p:style>
-          <a:lnRef idx="1">
-            <a:schemeClr val="accent1"/>
-          </a:lnRef>
-          <a:fillRef idx="3">
-            <a:schemeClr val="accent1"/>
-          </a:fillRef>
-          <a:effectRef idx="2">
-            <a:schemeClr val="accent1"/>
-          </a:effectRef>
-          <a:fontRef idx="minor">
-            <a:schemeClr val="lt1"/>
-          </a:fontRef>
-        </p:style>
-        <p:txBody>
-          <a:bodyPr rtlCol="0" anchor="ctr"/>
-          <a:lstStyle/>
-          <a:p>
-            <a:pPr algn="ctr"/>
-            <a:r>
-              <a:rPr lang="en-US" sz="1500" dirty="0">
-                <a:solidFill>
-                  <a:schemeClr val="tx1"/>
-                </a:solidFill>
-              </a:rPr>
-              <a:t>Same Shape</a:t>
-            </a:r>
-          </a:p>
-        </p:txBody>
-      </p:sp>
-      <p:sp>
-        <p:nvSpPr>
-          <p:cNvPr id="16" name="Rectangle 15"/>
-          <p:cNvSpPr/>
-          <p:nvPr/>
-        </p:nvSpPr>
-        <p:spPr>
-          <a:xfrm>
-            <a:off x="4572000" y="3356992"/>
-            <a:ext cx="1584176" cy="504056"/>
-          </a:xfrm>
-          <a:prstGeom prst="rect">
-            <a:avLst/>
-          </a:prstGeom>
-          <a:solidFill>
-            <a:schemeClr val="bg1"/>
-          </a:solidFill>
-          <a:ln w="19050" cmpd="sng">
-            <a:solidFill>
-              <a:schemeClr val="tx1"/>
-            </a:solidFill>
-          </a:ln>
-          <a:effectLst/>
-        </p:spPr>
-        <p:style>
-          <a:lnRef idx="1">
-            <a:schemeClr val="accent1"/>
-          </a:lnRef>
-          <a:fillRef idx="3">
-            <a:schemeClr val="accent1"/>
-          </a:fillRef>
-          <a:effectRef idx="2">
-            <a:schemeClr val="accent1"/>
-          </a:effectRef>
-          <a:fontRef idx="minor">
-            <a:schemeClr val="lt1"/>
-          </a:fontRef>
-        </p:style>
-        <p:txBody>
-          <a:bodyPr rtlCol="0" anchor="ctr"/>
-          <a:lstStyle/>
-          <a:p>
-            <a:r>
-              <a:rPr lang="en-US" sz="1500" dirty="0">
-                <a:solidFill>
-                  <a:schemeClr val="tx1"/>
-                </a:solidFill>
-              </a:rPr>
-              <a:t>Remote Shapes</a:t>
-            </a:r>
-          </a:p>
-        </p:txBody>
-      </p:sp>
-      <p:sp>
-        <p:nvSpPr>
-          <p:cNvPr id="18" name="Rectangle 17"/>
-          <p:cNvSpPr/>
-          <p:nvPr/>
-        </p:nvSpPr>
-        <p:spPr>
-          <a:xfrm>
-            <a:off x="2843808" y="2780928"/>
-            <a:ext cx="1080120" cy="504056"/>
-          </a:xfrm>
-          <a:prstGeom prst="rect">
-            <a:avLst/>
-          </a:prstGeom>
-          <a:solidFill>
-            <a:schemeClr val="bg1"/>
-          </a:solidFill>
-          <a:ln w="19050" cmpd="sng">
-            <a:solidFill>
-              <a:schemeClr val="tx1"/>
-            </a:solidFill>
-          </a:ln>
-          <a:effectLst/>
-        </p:spPr>
-        <p:style>
-          <a:lnRef idx="1">
-            <a:schemeClr val="accent1"/>
-          </a:lnRef>
-          <a:fillRef idx="3">
-            <a:schemeClr val="accent1"/>
-          </a:fillRef>
-          <a:effectRef idx="2">
-            <a:schemeClr val="accent1"/>
-          </a:effectRef>
-          <a:fontRef idx="minor">
-            <a:schemeClr val="lt1"/>
-          </a:fontRef>
-        </p:style>
-        <p:txBody>
-          <a:bodyPr rtlCol="0" anchor="ctr"/>
-          <a:lstStyle/>
-          <a:p>
-            <a:pPr algn="ctr"/>
-            <a:r>
-              <a:rPr lang="en-US" sz="1500" dirty="0">
-                <a:solidFill>
-                  <a:schemeClr val="tx1"/>
-                </a:solidFill>
-              </a:rPr>
-              <a:t>Shape Building</a:t>
-            </a:r>
-          </a:p>
-        </p:txBody>
-      </p:sp>
-      <p:sp>
-        <p:nvSpPr>
-          <p:cNvPr id="19" name="Forme libre 18"/>
-          <p:cNvSpPr/>
-          <p:nvPr/>
-        </p:nvSpPr>
-        <p:spPr>
-          <a:xfrm>
-            <a:off x="2843808" y="2204864"/>
-            <a:ext cx="1656185" cy="1080120"/>
-          </a:xfrm>
-          <a:custGeom>
-            <a:avLst/>
-            <a:gdLst>
-              <a:gd name="connsiteX0" fmla="*/ 0 w 1660525"/>
-              <a:gd name="connsiteY0" fmla="*/ 0 h 1079500"/>
-              <a:gd name="connsiteX1" fmla="*/ 1660525 w 1660525"/>
-              <a:gd name="connsiteY1" fmla="*/ 0 h 1079500"/>
-              <a:gd name="connsiteX2" fmla="*/ 1657350 w 1660525"/>
-              <a:gd name="connsiteY2" fmla="*/ 1079500 h 1079500"/>
-              <a:gd name="connsiteX3" fmla="*/ 1149350 w 1660525"/>
-              <a:gd name="connsiteY3" fmla="*/ 1079500 h 1079500"/>
-              <a:gd name="connsiteX4" fmla="*/ 1152525 w 1660525"/>
-              <a:gd name="connsiteY4" fmla="*/ 504825 h 1079500"/>
-              <a:gd name="connsiteX5" fmla="*/ 3175 w 1660525"/>
-              <a:gd name="connsiteY5" fmla="*/ 504825 h 1079500"/>
-              <a:gd name="connsiteX6" fmla="*/ 0 w 1660525"/>
-              <a:gd name="connsiteY6" fmla="*/ 0 h 1079500"/>
-            </a:gdLst>
-            <a:ahLst/>
-            <a:cxnLst>
-              <a:cxn ang="0">
-                <a:pos x="connsiteX0" y="connsiteY0"/>
-              </a:cxn>
-              <a:cxn ang="0">
-                <a:pos x="connsiteX1" y="connsiteY1"/>
-              </a:cxn>
-              <a:cxn ang="0">
-                <a:pos x="connsiteX2" y="connsiteY2"/>
-              </a:cxn>
-              <a:cxn ang="0">
-                <a:pos x="connsiteX3" y="connsiteY3"/>
-              </a:cxn>
-              <a:cxn ang="0">
-                <a:pos x="connsiteX4" y="connsiteY4"/>
-              </a:cxn>
-              <a:cxn ang="0">
-                <a:pos x="connsiteX5" y="connsiteY5"/>
-              </a:cxn>
-              <a:cxn ang="0">
-                <a:pos x="connsiteX6" y="connsiteY6"/>
-              </a:cxn>
-            </a:cxnLst>
-            <a:rect l="l" t="t" r="r" b="b"/>
-            <a:pathLst>
-              <a:path w="1660525" h="1079500">
-                <a:moveTo>
-                  <a:pt x="0" y="0"/>
-                </a:moveTo>
-                <a:lnTo>
-                  <a:pt x="1660525" y="0"/>
-                </a:lnTo>
-                <a:cubicBezTo>
-                  <a:pt x="1659467" y="359833"/>
-                  <a:pt x="1658408" y="719667"/>
-                  <a:pt x="1657350" y="1079500"/>
-                </a:cubicBezTo>
-                <a:lnTo>
-                  <a:pt x="1149350" y="1079500"/>
-                </a:lnTo>
-                <a:cubicBezTo>
-                  <a:pt x="1150408" y="887942"/>
-                  <a:pt x="1151467" y="696383"/>
-                  <a:pt x="1152525" y="504825"/>
-                </a:cubicBezTo>
-                <a:lnTo>
-                  <a:pt x="3175" y="504825"/>
-                </a:lnTo>
-                <a:cubicBezTo>
-                  <a:pt x="2117" y="336550"/>
-                  <a:pt x="1058" y="168275"/>
-                  <a:pt x="0" y="0"/>
-                </a:cubicBezTo>
-                <a:close/>
-              </a:path>
-            </a:pathLst>
-          </a:custGeom>
-          <a:solidFill>
-            <a:schemeClr val="bg1"/>
-          </a:solidFill>
-          <a:ln w="19050" cmpd="sng">
-            <a:solidFill>
-              <a:schemeClr val="tx1"/>
-            </a:solidFill>
-          </a:ln>
-          <a:effectLst/>
-        </p:spPr>
-        <p:style>
-          <a:lnRef idx="1">
-            <a:schemeClr val="accent1"/>
-          </a:lnRef>
-          <a:fillRef idx="3">
-            <a:schemeClr val="accent1"/>
-          </a:fillRef>
-          <a:effectRef idx="2">
-            <a:schemeClr val="accent1"/>
-          </a:effectRef>
-          <a:fontRef idx="minor">
-            <a:schemeClr val="lt1"/>
-          </a:fontRef>
-        </p:style>
-        <p:txBody>
-          <a:bodyPr rtlCol="0" anchor="ctr"/>
-          <a:lstStyle/>
-          <a:p>
-            <a:pPr algn="ctr"/>
-            <a:endParaRPr lang="en-US" sz="1500">
-              <a:solidFill>
-                <a:schemeClr val="tx1"/>
-              </a:solidFill>
-            </a:endParaRPr>
-          </a:p>
-        </p:txBody>
-      </p:sp>
-      <p:sp>
-        <p:nvSpPr>
-          <p:cNvPr id="22" name="Rectangle 21"/>
-          <p:cNvSpPr/>
-          <p:nvPr/>
-        </p:nvSpPr>
-        <p:spPr>
-          <a:xfrm>
-            <a:off x="2987824" y="2276872"/>
-            <a:ext cx="1368152" cy="360040"/>
-          </a:xfrm>
-          <a:prstGeom prst="rect">
-            <a:avLst/>
-          </a:prstGeom>
-          <a:noFill/>
-          <a:ln w="19050" cmpd="sng">
-            <a:noFill/>
-          </a:ln>
-          <a:effectLst/>
-        </p:spPr>
-        <p:style>
-          <a:lnRef idx="1">
-            <a:schemeClr val="accent1"/>
-          </a:lnRef>
-          <a:fillRef idx="3">
-            <a:schemeClr val="accent1"/>
-          </a:fillRef>
-          <a:effectRef idx="2">
-            <a:schemeClr val="accent1"/>
-          </a:effectRef>
-          <a:fontRef idx="minor">
-            <a:schemeClr val="lt1"/>
-          </a:fontRef>
-        </p:style>
-        <p:txBody>
-          <a:bodyPr rtlCol="0" anchor="ctr"/>
-          <a:lstStyle/>
-          <a:p>
-            <a:pPr algn="ctr"/>
-            <a:r>
-              <a:rPr lang="en-US" sz="1500" dirty="0">
-                <a:solidFill>
-                  <a:schemeClr val="tx1"/>
-                </a:solidFill>
-              </a:rPr>
-              <a:t>Port Selection</a:t>
-            </a:r>
-          </a:p>
-        </p:txBody>
-      </p:sp>
-      <p:sp>
-        <p:nvSpPr>
-          <p:cNvPr id="23" name="Rectangle 22"/>
-          <p:cNvSpPr/>
-          <p:nvPr/>
-        </p:nvSpPr>
-        <p:spPr>
-          <a:xfrm>
-            <a:off x="2987824" y="1700808"/>
-            <a:ext cx="1944216" cy="360040"/>
-          </a:xfrm>
-          <a:prstGeom prst="rect">
-            <a:avLst/>
-          </a:prstGeom>
-          <a:noFill/>
-          <a:ln w="19050" cmpd="sng">
-            <a:noFill/>
-          </a:ln>
-          <a:effectLst/>
-        </p:spPr>
-        <p:style>
-          <a:lnRef idx="1">
-            <a:schemeClr val="accent1"/>
-          </a:lnRef>
-          <a:fillRef idx="3">
-            <a:schemeClr val="accent1"/>
-          </a:fillRef>
-          <a:effectRef idx="2">
-            <a:schemeClr val="accent1"/>
-          </a:effectRef>
-          <a:fontRef idx="minor">
-            <a:schemeClr val="lt1"/>
-          </a:fontRef>
-        </p:style>
-        <p:txBody>
-          <a:bodyPr rtlCol="0" anchor="ctr"/>
-          <a:lstStyle/>
-          <a:p>
-            <a:pPr algn="ctr"/>
-            <a:r>
-              <a:rPr lang="en-US" sz="1500" dirty="0">
-                <a:solidFill>
-                  <a:schemeClr val="tx1"/>
-                </a:solidFill>
-              </a:rPr>
-              <a:t>Port Connection</a:t>
-            </a:r>
-          </a:p>
-        </p:txBody>
-      </p:sp>
-      <p:pic>
-        <p:nvPicPr>
-          <p:cNvPr id="26" name="Image 25"/>
-          <p:cNvPicPr>
-            <a:picLocks noChangeAspect="1"/>
-          </p:cNvPicPr>
-          <p:nvPr/>
-        </p:nvPicPr>
-        <p:blipFill>
-          <a:blip r:embed="rId2"/>
-          <a:stretch>
-            <a:fillRect/>
-          </a:stretch>
-        </p:blipFill>
-        <p:spPr>
-          <a:xfrm>
-            <a:off x="2068348" y="3479862"/>
-            <a:ext cx="574036" cy="258316"/>
-          </a:xfrm>
-          <a:prstGeom prst="rect">
-            <a:avLst/>
-          </a:prstGeom>
-        </p:spPr>
-      </p:pic>
-      <p:pic>
-        <p:nvPicPr>
-          <p:cNvPr id="27" name="Image 26"/>
-          <p:cNvPicPr>
-            <a:picLocks noChangeAspect="1"/>
-          </p:cNvPicPr>
-          <p:nvPr/>
-        </p:nvPicPr>
-        <p:blipFill>
-          <a:blip r:embed="rId3"/>
-          <a:stretch>
-            <a:fillRect/>
-          </a:stretch>
-        </p:blipFill>
-        <p:spPr>
-          <a:xfrm>
-            <a:off x="2068348" y="4055925"/>
-            <a:ext cx="516636" cy="258318"/>
-          </a:xfrm>
-          <a:prstGeom prst="rect">
-            <a:avLst/>
-          </a:prstGeom>
-        </p:spPr>
-      </p:pic>
-      <p:pic>
-        <p:nvPicPr>
-          <p:cNvPr id="29" name="Image 28"/>
-          <p:cNvPicPr>
-            <a:picLocks noChangeAspect="1"/>
-          </p:cNvPicPr>
-          <p:nvPr/>
-        </p:nvPicPr>
-        <p:blipFill>
-          <a:blip r:embed="rId4"/>
-          <a:stretch>
-            <a:fillRect/>
-          </a:stretch>
-        </p:blipFill>
-        <p:spPr>
-          <a:xfrm>
-            <a:off x="6274020" y="3479861"/>
-            <a:ext cx="746252" cy="258318"/>
-          </a:xfrm>
-          <a:prstGeom prst="rect">
-            <a:avLst/>
-          </a:prstGeom>
-        </p:spPr>
-      </p:pic>
-      <p:pic>
-        <p:nvPicPr>
-          <p:cNvPr id="30" name="Image 29"/>
-          <p:cNvPicPr>
-            <a:picLocks noChangeAspect="1"/>
-          </p:cNvPicPr>
-          <p:nvPr/>
-        </p:nvPicPr>
-        <p:blipFill>
-          <a:blip r:embed="rId5"/>
-          <a:stretch>
-            <a:fillRect/>
-          </a:stretch>
-        </p:blipFill>
-        <p:spPr>
-          <a:xfrm>
-            <a:off x="2068348" y="2889446"/>
-            <a:ext cx="631444" cy="287020"/>
-          </a:xfrm>
-          <a:prstGeom prst="rect">
-            <a:avLst/>
-          </a:prstGeom>
-        </p:spPr>
-      </p:pic>
-      <p:sp>
-        <p:nvSpPr>
-          <p:cNvPr id="39" name="ZoneTexte 38"/>
-          <p:cNvSpPr txBox="1"/>
-          <p:nvPr/>
-        </p:nvSpPr>
-        <p:spPr>
-          <a:xfrm>
-            <a:off x="5364088" y="1628800"/>
-            <a:ext cx="967257" cy="323165"/>
-          </a:xfrm>
-          <a:prstGeom prst="rect">
-            <a:avLst/>
-          </a:prstGeom>
-          <a:noFill/>
-        </p:spPr>
-        <p:txBody>
-          <a:bodyPr wrap="none" rtlCol="0">
-            <a:spAutoFit/>
-          </a:bodyPr>
-          <a:lstStyle/>
-          <a:p>
-            <a:r>
-              <a:rPr lang="en-US" sz="1500" dirty="0" err="1"/>
-              <a:t>Config</a:t>
-            </a:r>
-            <a:r>
-              <a:rPr lang="en-US" sz="1500" dirty="0"/>
-              <a:t> file</a:t>
-            </a:r>
-          </a:p>
-        </p:txBody>
-      </p:sp>
-      <p:sp>
-        <p:nvSpPr>
-          <p:cNvPr id="40" name="Accolade fermante 39"/>
-          <p:cNvSpPr/>
-          <p:nvPr/>
-        </p:nvSpPr>
-        <p:spPr>
-          <a:xfrm>
-            <a:off x="7020272" y="1556792"/>
-            <a:ext cx="216024" cy="2952328"/>
-          </a:xfrm>
-          <a:prstGeom prst="rightBrace">
-            <a:avLst>
-              <a:gd name="adj1" fmla="val 66037"/>
-              <a:gd name="adj2" fmla="val 49245"/>
-            </a:avLst>
-          </a:prstGeom>
-          <a:noFill/>
-          <a:ln w="19050" cmpd="sng">
-            <a:solidFill>
-              <a:schemeClr val="tx1"/>
-            </a:solidFill>
-          </a:ln>
-          <a:effectLst/>
-        </p:spPr>
-        <p:style>
-          <a:lnRef idx="1">
-            <a:schemeClr val="accent1"/>
-          </a:lnRef>
-          <a:fillRef idx="3">
-            <a:schemeClr val="accent1"/>
-          </a:fillRef>
-          <a:effectRef idx="2">
-            <a:schemeClr val="accent1"/>
-          </a:effectRef>
-          <a:fontRef idx="minor">
-            <a:schemeClr val="lt1"/>
-          </a:fontRef>
-        </p:style>
-        <p:txBody>
-          <a:bodyPr rtlCol="0" anchor="ctr"/>
-          <a:lstStyle/>
-          <a:p>
-            <a:pPr algn="ctr"/>
-            <a:endParaRPr lang="en-US" sz="1500"/>
-          </a:p>
-        </p:txBody>
-      </p:sp>
-      <p:sp>
-        <p:nvSpPr>
-          <p:cNvPr id="41" name="ZoneTexte 40"/>
-          <p:cNvSpPr txBox="1"/>
-          <p:nvPr/>
-        </p:nvSpPr>
-        <p:spPr>
-          <a:xfrm rot="5400000">
-            <a:off x="6930294" y="2834966"/>
-            <a:ext cx="1106768" cy="369332"/>
-          </a:xfrm>
-          <a:prstGeom prst="rect">
-            <a:avLst/>
-          </a:prstGeom>
-          <a:noFill/>
-        </p:spPr>
-        <p:txBody>
-          <a:bodyPr wrap="none" rtlCol="0">
-            <a:spAutoFit/>
-          </a:bodyPr>
-          <a:lstStyle/>
-          <a:p>
-            <a:r>
-              <a:rPr lang="en-US" i="1" dirty="0"/>
-              <a:t>one node</a:t>
-            </a:r>
-          </a:p>
-        </p:txBody>
-      </p:sp>
-      <p:sp>
-        <p:nvSpPr>
-          <p:cNvPr id="42" name="ZoneTexte 41"/>
-          <p:cNvSpPr txBox="1"/>
-          <p:nvPr/>
-        </p:nvSpPr>
-        <p:spPr>
-          <a:xfrm>
-            <a:off x="1126172" y="2267580"/>
-            <a:ext cx="1645628" cy="369332"/>
-          </a:xfrm>
-          <a:prstGeom prst="rect">
-            <a:avLst/>
-          </a:prstGeom>
-          <a:noFill/>
-        </p:spPr>
-        <p:txBody>
-          <a:bodyPr wrap="none" rtlCol="0">
-            <a:spAutoFit/>
-          </a:bodyPr>
-          <a:lstStyle/>
-          <a:p>
-            <a:pPr algn="r"/>
-            <a:r>
-              <a:rPr lang="en-US" i="1" noProof="1">
-                <a:latin typeface="Times"/>
-                <a:cs typeface="Times"/>
-              </a:rPr>
-              <a:t>towards_port</a:t>
-            </a:r>
-            <a:r>
-              <a:rPr lang="en-US" noProof="1">
-                <a:latin typeface="Times"/>
-                <a:cs typeface="Times"/>
-              </a:rPr>
-              <a:t>[</a:t>
-            </a:r>
-            <a:r>
-              <a:rPr lang="en-US" i="1" noProof="1">
-                <a:latin typeface="Times"/>
-                <a:cs typeface="Times"/>
-              </a:rPr>
-              <a:t> </a:t>
-            </a:r>
-            <a:r>
-              <a:rPr lang="en-US" noProof="1">
-                <a:latin typeface="Times"/>
-                <a:cs typeface="Times"/>
-              </a:rPr>
-              <a:t>]</a:t>
-            </a:r>
-          </a:p>
-        </p:txBody>
-      </p:sp>
-      <p:sp>
-        <p:nvSpPr>
-          <p:cNvPr id="43" name="ZoneTexte 42"/>
-          <p:cNvSpPr txBox="1"/>
-          <p:nvPr/>
-        </p:nvSpPr>
-        <p:spPr>
-          <a:xfrm>
-            <a:off x="1131357" y="1691516"/>
-            <a:ext cx="1640443" cy="369332"/>
-          </a:xfrm>
-          <a:prstGeom prst="rect">
-            <a:avLst/>
-          </a:prstGeom>
-          <a:noFill/>
-        </p:spPr>
-        <p:txBody>
-          <a:bodyPr wrap="none" rtlCol="0">
-            <a:spAutoFit/>
-          </a:bodyPr>
-          <a:lstStyle/>
-          <a:p>
-            <a:pPr algn="r"/>
-            <a:r>
-              <a:rPr lang="en-US" i="1" noProof="1">
-                <a:latin typeface="Times"/>
-                <a:cs typeface="Times"/>
-              </a:rPr>
-              <a:t>connected_to</a:t>
-            </a:r>
-            <a:r>
-              <a:rPr lang="en-US" noProof="1">
-                <a:latin typeface="Times"/>
-                <a:cs typeface="Times"/>
-              </a:rPr>
-              <a:t>[</a:t>
-            </a:r>
-            <a:r>
-              <a:rPr lang="en-US" i="1" noProof="1">
-                <a:latin typeface="Times"/>
-                <a:cs typeface="Times"/>
-              </a:rPr>
-              <a:t> </a:t>
-            </a:r>
-            <a:r>
-              <a:rPr lang="en-US" noProof="1">
-                <a:latin typeface="Times"/>
-                <a:cs typeface="Times"/>
-              </a:rPr>
-              <a:t>]</a:t>
-            </a:r>
-          </a:p>
-        </p:txBody>
-      </p:sp>
-      <p:sp>
-        <p:nvSpPr>
-          <p:cNvPr id="28" name="Accolade fermante 27"/>
-          <p:cNvSpPr/>
-          <p:nvPr/>
-        </p:nvSpPr>
-        <p:spPr>
-          <a:xfrm rot="16200000">
-            <a:off x="1907704" y="692696"/>
-            <a:ext cx="216024" cy="1368152"/>
-          </a:xfrm>
-          <a:prstGeom prst="rightBrace">
-            <a:avLst>
-              <a:gd name="adj1" fmla="val 66037"/>
-              <a:gd name="adj2" fmla="val 49245"/>
-            </a:avLst>
-          </a:prstGeom>
-          <a:solidFill>
-            <a:schemeClr val="bg1"/>
-          </a:solidFill>
-          <a:ln w="19050" cmpd="sng">
-            <a:solidFill>
-              <a:schemeClr val="tx1"/>
-            </a:solidFill>
-          </a:ln>
-          <a:effectLst/>
-        </p:spPr>
-        <p:style>
-          <a:lnRef idx="1">
-            <a:schemeClr val="accent1"/>
-          </a:lnRef>
-          <a:fillRef idx="3">
-            <a:schemeClr val="accent1"/>
-          </a:fillRef>
-          <a:effectRef idx="2">
-            <a:schemeClr val="accent1"/>
-          </a:effectRef>
-          <a:fontRef idx="minor">
-            <a:schemeClr val="lt1"/>
-          </a:fontRef>
-        </p:style>
-        <p:txBody>
-          <a:bodyPr rtlCol="0" anchor="ctr"/>
-          <a:lstStyle/>
-          <a:p>
-            <a:pPr algn="ctr"/>
-            <a:endParaRPr lang="en-US" sz="1500"/>
-          </a:p>
-        </p:txBody>
-      </p:sp>
-      <p:sp>
-        <p:nvSpPr>
-          <p:cNvPr id="33" name="Accolade fermante 32"/>
-          <p:cNvSpPr/>
-          <p:nvPr/>
-        </p:nvSpPr>
-        <p:spPr>
-          <a:xfrm rot="16200000">
-            <a:off x="3851920" y="260648"/>
-            <a:ext cx="216024" cy="2232248"/>
-          </a:xfrm>
-          <a:prstGeom prst="rightBrace">
-            <a:avLst>
-              <a:gd name="adj1" fmla="val 66037"/>
-              <a:gd name="adj2" fmla="val 49245"/>
-            </a:avLst>
-          </a:prstGeom>
-          <a:solidFill>
-            <a:schemeClr val="bg1"/>
-          </a:solidFill>
-          <a:ln w="19050" cmpd="sng">
-            <a:solidFill>
-              <a:schemeClr val="tx1"/>
-            </a:solidFill>
-          </a:ln>
-          <a:effectLst/>
-        </p:spPr>
-        <p:style>
-          <a:lnRef idx="1">
-            <a:schemeClr val="accent1"/>
-          </a:lnRef>
-          <a:fillRef idx="3">
-            <a:schemeClr val="accent1"/>
-          </a:fillRef>
-          <a:effectRef idx="2">
-            <a:schemeClr val="accent1"/>
-          </a:effectRef>
-          <a:fontRef idx="minor">
-            <a:schemeClr val="lt1"/>
-          </a:fontRef>
-        </p:style>
-        <p:txBody>
-          <a:bodyPr rtlCol="0" anchor="ctr"/>
-          <a:lstStyle/>
-          <a:p>
-            <a:pPr algn="ctr"/>
-            <a:endParaRPr lang="en-US" sz="1500"/>
-          </a:p>
-        </p:txBody>
-      </p:sp>
-      <p:sp>
-        <p:nvSpPr>
-          <p:cNvPr id="44" name="ZoneTexte 43"/>
-          <p:cNvSpPr txBox="1"/>
-          <p:nvPr/>
-        </p:nvSpPr>
-        <p:spPr>
-          <a:xfrm>
-            <a:off x="1634667" y="908720"/>
-            <a:ext cx="762098" cy="369332"/>
-          </a:xfrm>
-          <a:prstGeom prst="rect">
-            <a:avLst/>
-          </a:prstGeom>
-          <a:noFill/>
-        </p:spPr>
-        <p:txBody>
-          <a:bodyPr wrap="none" rtlCol="0">
-            <a:spAutoFit/>
-          </a:bodyPr>
-          <a:lstStyle/>
-          <a:p>
-            <a:pPr algn="ctr"/>
-            <a:r>
-              <a:rPr lang="en-US" i="1" dirty="0"/>
-              <a:t>views</a:t>
-            </a:r>
-          </a:p>
-        </p:txBody>
-      </p:sp>
-      <p:sp>
-        <p:nvSpPr>
-          <p:cNvPr id="45" name="ZoneTexte 44"/>
-          <p:cNvSpPr txBox="1"/>
-          <p:nvPr/>
-        </p:nvSpPr>
-        <p:spPr>
-          <a:xfrm>
-            <a:off x="3419872" y="908720"/>
-            <a:ext cx="1110488" cy="369332"/>
-          </a:xfrm>
-          <a:prstGeom prst="rect">
-            <a:avLst/>
-          </a:prstGeom>
-          <a:noFill/>
-        </p:spPr>
-        <p:txBody>
-          <a:bodyPr wrap="none" rtlCol="0">
-            <a:spAutoFit/>
-          </a:bodyPr>
-          <a:lstStyle/>
-          <a:p>
-            <a:pPr algn="ctr"/>
-            <a:r>
-              <a:rPr lang="en-US" i="1" dirty="0"/>
-              <a:t>protocols</a:t>
-            </a:r>
-          </a:p>
-        </p:txBody>
-      </p:sp>
-      <p:grpSp>
-        <p:nvGrpSpPr>
-          <p:cNvPr id="7" name="Grouper 6"/>
-          <p:cNvGrpSpPr/>
-          <p:nvPr/>
-        </p:nvGrpSpPr>
-        <p:grpSpPr>
-          <a:xfrm>
-            <a:off x="4283968" y="3429000"/>
-            <a:ext cx="144016" cy="144016"/>
-            <a:chOff x="6156176" y="476672"/>
-            <a:chExt cx="360040" cy="360040"/>
-          </a:xfrm>
-          <a:solidFill>
-            <a:schemeClr val="accent1"/>
-          </a:solidFill>
-          <a:effectLst/>
-        </p:grpSpPr>
-        <p:sp>
-          <p:nvSpPr>
-            <p:cNvPr id="3" name="Ellipse 2"/>
-            <p:cNvSpPr/>
-            <p:nvPr/>
-          </p:nvSpPr>
-          <p:spPr>
-            <a:xfrm>
-              <a:off x="6264188" y="476672"/>
-              <a:ext cx="144016" cy="144016"/>
-            </a:xfrm>
-            <a:prstGeom prst="ellipse">
-              <a:avLst/>
-            </a:prstGeom>
-            <a:grpFill/>
-            <a:effectLst/>
-          </p:spPr>
-          <p:style>
-            <a:lnRef idx="1">
-              <a:schemeClr val="accent1"/>
-            </a:lnRef>
-            <a:fillRef idx="3">
-              <a:schemeClr val="accent1"/>
-            </a:fillRef>
-            <a:effectRef idx="2">
-              <a:schemeClr val="accent1"/>
-            </a:effectRef>
-            <a:fontRef idx="minor">
-              <a:schemeClr val="lt1"/>
-            </a:fontRef>
-          </p:style>
-          <p:txBody>
-            <a:bodyPr rtlCol="0" anchor="ctr"/>
-            <a:lstStyle/>
-            <a:p>
-              <a:pPr algn="ctr"/>
-              <a:endParaRPr lang="en-US"/>
-            </a:p>
-          </p:txBody>
-        </p:sp>
-        <p:sp>
-          <p:nvSpPr>
-            <p:cNvPr id="46" name="Ellipse 45"/>
-            <p:cNvSpPr/>
-            <p:nvPr/>
-          </p:nvSpPr>
-          <p:spPr>
-            <a:xfrm>
-              <a:off x="6372200" y="692696"/>
-              <a:ext cx="144016" cy="144016"/>
-            </a:xfrm>
-            <a:prstGeom prst="ellipse">
-              <a:avLst/>
-            </a:prstGeom>
-            <a:grpFill/>
-            <a:effectLst/>
-          </p:spPr>
-          <p:style>
-            <a:lnRef idx="1">
-              <a:schemeClr val="accent1"/>
-            </a:lnRef>
-            <a:fillRef idx="3">
-              <a:schemeClr val="accent1"/>
-            </a:fillRef>
-            <a:effectRef idx="2">
-              <a:schemeClr val="accent1"/>
-            </a:effectRef>
-            <a:fontRef idx="minor">
-              <a:schemeClr val="lt1"/>
-            </a:fontRef>
-          </p:style>
-          <p:txBody>
-            <a:bodyPr rtlCol="0" anchor="ctr"/>
-            <a:lstStyle/>
-            <a:p>
-              <a:pPr algn="ctr"/>
-              <a:endParaRPr lang="en-US"/>
-            </a:p>
-          </p:txBody>
-        </p:sp>
-        <p:sp>
-          <p:nvSpPr>
-            <p:cNvPr id="47" name="Ellipse 46"/>
-            <p:cNvSpPr/>
-            <p:nvPr/>
-          </p:nvSpPr>
-          <p:spPr>
-            <a:xfrm>
-              <a:off x="6156176" y="692696"/>
-              <a:ext cx="144016" cy="144016"/>
-            </a:xfrm>
-            <a:prstGeom prst="ellipse">
-              <a:avLst/>
-            </a:prstGeom>
-            <a:grpFill/>
-            <a:effectLst/>
-          </p:spPr>
-          <p:style>
-            <a:lnRef idx="1">
-              <a:schemeClr val="accent1"/>
-            </a:lnRef>
-            <a:fillRef idx="3">
-              <a:schemeClr val="accent1"/>
-            </a:fillRef>
-            <a:effectRef idx="2">
-              <a:schemeClr val="accent1"/>
-            </a:effectRef>
-            <a:fontRef idx="minor">
-              <a:schemeClr val="lt1"/>
-            </a:fontRef>
-          </p:style>
-          <p:txBody>
-            <a:bodyPr rtlCol="0" anchor="ctr"/>
-            <a:lstStyle/>
-            <a:p>
-              <a:pPr algn="ctr"/>
-              <a:endParaRPr lang="en-US"/>
-            </a:p>
-          </p:txBody>
-        </p:sp>
-      </p:grpSp>
-      <p:grpSp>
-        <p:nvGrpSpPr>
-          <p:cNvPr id="48" name="Grouper 47"/>
-          <p:cNvGrpSpPr/>
-          <p:nvPr/>
-        </p:nvGrpSpPr>
-        <p:grpSpPr>
-          <a:xfrm>
-            <a:off x="5940152" y="3429000"/>
-            <a:ext cx="144016" cy="144016"/>
-            <a:chOff x="6156176" y="476672"/>
-            <a:chExt cx="360040" cy="360040"/>
-          </a:xfrm>
-          <a:solidFill>
-            <a:srgbClr val="4F81BD"/>
-          </a:solidFill>
-          <a:effectLst/>
-        </p:grpSpPr>
-        <p:sp>
-          <p:nvSpPr>
-            <p:cNvPr id="49" name="Ellipse 48"/>
-            <p:cNvSpPr/>
-            <p:nvPr/>
-          </p:nvSpPr>
-          <p:spPr>
-            <a:xfrm>
-              <a:off x="6264188" y="476672"/>
-              <a:ext cx="144016" cy="144016"/>
-            </a:xfrm>
-            <a:prstGeom prst="ellipse">
-              <a:avLst/>
-            </a:prstGeom>
-            <a:grpFill/>
-            <a:effectLst/>
-          </p:spPr>
-          <p:style>
-            <a:lnRef idx="1">
-              <a:schemeClr val="accent1"/>
-            </a:lnRef>
-            <a:fillRef idx="3">
-              <a:schemeClr val="accent1"/>
-            </a:fillRef>
-            <a:effectRef idx="2">
-              <a:schemeClr val="accent1"/>
-            </a:effectRef>
-            <a:fontRef idx="minor">
-              <a:schemeClr val="lt1"/>
-            </a:fontRef>
-          </p:style>
-          <p:txBody>
-            <a:bodyPr rtlCol="0" anchor="ctr"/>
-            <a:lstStyle/>
-            <a:p>
-              <a:pPr algn="ctr"/>
-              <a:endParaRPr lang="en-US"/>
-            </a:p>
-          </p:txBody>
-        </p:sp>
-        <p:sp>
-          <p:nvSpPr>
-            <p:cNvPr id="50" name="Ellipse 49"/>
-            <p:cNvSpPr/>
-            <p:nvPr/>
-          </p:nvSpPr>
-          <p:spPr>
-            <a:xfrm>
-              <a:off x="6372200" y="692696"/>
-              <a:ext cx="144016" cy="144016"/>
-            </a:xfrm>
-            <a:prstGeom prst="ellipse">
-              <a:avLst/>
-            </a:prstGeom>
-            <a:grpFill/>
-            <a:effectLst/>
-          </p:spPr>
-          <p:style>
-            <a:lnRef idx="1">
-              <a:schemeClr val="accent1"/>
-            </a:lnRef>
-            <a:fillRef idx="3">
-              <a:schemeClr val="accent1"/>
-            </a:fillRef>
-            <a:effectRef idx="2">
-              <a:schemeClr val="accent1"/>
-            </a:effectRef>
-            <a:fontRef idx="minor">
-              <a:schemeClr val="lt1"/>
-            </a:fontRef>
-          </p:style>
-          <p:txBody>
-            <a:bodyPr rtlCol="0" anchor="ctr"/>
-            <a:lstStyle/>
-            <a:p>
-              <a:pPr algn="ctr"/>
-              <a:endParaRPr lang="en-US"/>
-            </a:p>
-          </p:txBody>
-        </p:sp>
-        <p:sp>
-          <p:nvSpPr>
-            <p:cNvPr id="51" name="Ellipse 50"/>
-            <p:cNvSpPr/>
-            <p:nvPr/>
-          </p:nvSpPr>
-          <p:spPr>
-            <a:xfrm>
-              <a:off x="6156176" y="692696"/>
-              <a:ext cx="144016" cy="144016"/>
-            </a:xfrm>
-            <a:prstGeom prst="ellipse">
-              <a:avLst/>
-            </a:prstGeom>
-            <a:grpFill/>
-            <a:effectLst/>
-          </p:spPr>
-          <p:style>
-            <a:lnRef idx="1">
-              <a:schemeClr val="accent1"/>
-            </a:lnRef>
-            <a:fillRef idx="3">
-              <a:schemeClr val="accent1"/>
-            </a:fillRef>
-            <a:effectRef idx="2">
-              <a:schemeClr val="accent1"/>
-            </a:effectRef>
-            <a:fontRef idx="minor">
-              <a:schemeClr val="lt1"/>
-            </a:fontRef>
-          </p:style>
-          <p:txBody>
-            <a:bodyPr rtlCol="0" anchor="ctr"/>
-            <a:lstStyle/>
-            <a:p>
-              <a:pPr algn="ctr"/>
-              <a:endParaRPr lang="en-US"/>
-            </a:p>
-          </p:txBody>
-        </p:sp>
-      </p:grpSp>
-      <p:grpSp>
-        <p:nvGrpSpPr>
-          <p:cNvPr id="12" name="Grouper 11"/>
-          <p:cNvGrpSpPr/>
-          <p:nvPr/>
-        </p:nvGrpSpPr>
-        <p:grpSpPr>
-          <a:xfrm>
-            <a:off x="4816826" y="1700809"/>
-            <a:ext cx="187222" cy="72008"/>
-            <a:chOff x="4816826" y="1700809"/>
-            <a:chExt cx="187222" cy="72008"/>
-          </a:xfrm>
-          <a:solidFill>
-            <a:srgbClr val="4F81BD"/>
-          </a:solidFill>
-          <a:effectLst/>
-        </p:grpSpPr>
-        <p:grpSp>
-          <p:nvGrpSpPr>
-            <p:cNvPr id="11" name="Grouper 10"/>
-            <p:cNvGrpSpPr>
-              <a:grpSpLocks noChangeAspect="1"/>
-            </p:cNvGrpSpPr>
-            <p:nvPr/>
-          </p:nvGrpSpPr>
-          <p:grpSpPr>
-            <a:xfrm>
-              <a:off x="4816826" y="1700809"/>
-              <a:ext cx="187222" cy="72008"/>
-              <a:chOff x="7596336" y="692696"/>
-              <a:chExt cx="936104" cy="360040"/>
-            </a:xfrm>
-            <a:grpFill/>
-          </p:grpSpPr>
-          <p:sp>
-            <p:nvSpPr>
-              <p:cNvPr id="8" name="Rectangle 7"/>
-              <p:cNvSpPr/>
-              <p:nvPr/>
-            </p:nvSpPr>
-            <p:spPr>
-              <a:xfrm>
-                <a:off x="7596336" y="692696"/>
-                <a:ext cx="360040" cy="360040"/>
-              </a:xfrm>
-              <a:prstGeom prst="rect">
-                <a:avLst/>
-              </a:prstGeom>
-              <a:grpFill/>
-              <a:effectLst/>
-            </p:spPr>
-            <p:style>
-              <a:lnRef idx="1">
-                <a:schemeClr val="accent1"/>
-              </a:lnRef>
-              <a:fillRef idx="3">
-                <a:schemeClr val="accent1"/>
-              </a:fillRef>
-              <a:effectRef idx="2">
-                <a:schemeClr val="accent1"/>
-              </a:effectRef>
-              <a:fontRef idx="minor">
-                <a:schemeClr val="lt1"/>
-              </a:fontRef>
-            </p:style>
-            <p:txBody>
-              <a:bodyPr rtlCol="0" anchor="ctr"/>
-              <a:lstStyle/>
-              <a:p>
-                <a:pPr algn="ctr"/>
-                <a:endParaRPr lang="en-US"/>
-              </a:p>
-            </p:txBody>
-          </p:sp>
-          <p:sp>
-            <p:nvSpPr>
-              <p:cNvPr id="56" name="Rectangle 55"/>
-              <p:cNvSpPr/>
-              <p:nvPr/>
-            </p:nvSpPr>
-            <p:spPr>
-              <a:xfrm>
-                <a:off x="8172400" y="692696"/>
-                <a:ext cx="360040" cy="360040"/>
-              </a:xfrm>
-              <a:prstGeom prst="rect">
-                <a:avLst/>
-              </a:prstGeom>
-              <a:grpFill/>
-              <a:effectLst/>
-            </p:spPr>
-            <p:style>
-              <a:lnRef idx="1">
-                <a:schemeClr val="accent1"/>
-              </a:lnRef>
-              <a:fillRef idx="3">
-                <a:schemeClr val="accent1"/>
-              </a:fillRef>
-              <a:effectRef idx="2">
-                <a:schemeClr val="accent1"/>
-              </a:effectRef>
-              <a:fontRef idx="minor">
-                <a:schemeClr val="lt1"/>
-              </a:fontRef>
-            </p:style>
-            <p:txBody>
-              <a:bodyPr rtlCol="0" anchor="ctr"/>
-              <a:lstStyle/>
-              <a:p>
-                <a:pPr algn="ctr"/>
-                <a:endParaRPr lang="en-US"/>
-              </a:p>
-            </p:txBody>
-          </p:sp>
-        </p:grpSp>
-        <p:cxnSp>
-          <p:nvCxnSpPr>
-            <p:cNvPr id="10" name="Connecteur droit 9"/>
-            <p:cNvCxnSpPr>
-              <a:stCxn id="8" idx="3"/>
-              <a:endCxn id="56" idx="1"/>
-            </p:cNvCxnSpPr>
-            <p:nvPr/>
-          </p:nvCxnSpPr>
-          <p:spPr>
-            <a:xfrm>
-              <a:off x="4888834" y="1736813"/>
-              <a:ext cx="43206" cy="0"/>
-            </a:xfrm>
-            <a:prstGeom prst="line">
-              <a:avLst/>
-            </a:prstGeom>
-            <a:grpFill/>
-            <a:effectLst/>
-          </p:spPr>
-          <p:style>
-            <a:lnRef idx="2">
-              <a:schemeClr val="accent1"/>
-            </a:lnRef>
-            <a:fillRef idx="0">
-              <a:schemeClr val="accent1"/>
-            </a:fillRef>
-            <a:effectRef idx="1">
-              <a:schemeClr val="accent1"/>
-            </a:effectRef>
-            <a:fontRef idx="minor">
-              <a:schemeClr val="tx1"/>
-            </a:fontRef>
-          </p:style>
-        </p:cxnSp>
-      </p:grpSp>
-      <p:grpSp>
-        <p:nvGrpSpPr>
-          <p:cNvPr id="66" name="Grouper 65"/>
-          <p:cNvGrpSpPr/>
-          <p:nvPr/>
-        </p:nvGrpSpPr>
-        <p:grpSpPr>
-          <a:xfrm>
-            <a:off x="4240762" y="2276872"/>
-            <a:ext cx="187222" cy="72008"/>
-            <a:chOff x="4816826" y="1700809"/>
-            <a:chExt cx="187222" cy="72008"/>
-          </a:xfrm>
-          <a:solidFill>
-            <a:srgbClr val="4F81BD"/>
-          </a:solidFill>
-          <a:effectLst/>
-        </p:grpSpPr>
-        <p:grpSp>
-          <p:nvGrpSpPr>
-            <p:cNvPr id="67" name="Grouper 66"/>
-            <p:cNvGrpSpPr>
-              <a:grpSpLocks noChangeAspect="1"/>
-            </p:cNvGrpSpPr>
-            <p:nvPr/>
-          </p:nvGrpSpPr>
-          <p:grpSpPr>
-            <a:xfrm>
-              <a:off x="4816826" y="1700809"/>
-              <a:ext cx="187222" cy="72008"/>
-              <a:chOff x="7596336" y="692696"/>
-              <a:chExt cx="936104" cy="360040"/>
-            </a:xfrm>
-            <a:grpFill/>
-          </p:grpSpPr>
-          <p:sp>
-            <p:nvSpPr>
-              <p:cNvPr id="69" name="Rectangle 68"/>
-              <p:cNvSpPr/>
-              <p:nvPr/>
-            </p:nvSpPr>
-            <p:spPr>
-              <a:xfrm>
-                <a:off x="7596336" y="692696"/>
-                <a:ext cx="360040" cy="360040"/>
-              </a:xfrm>
-              <a:prstGeom prst="rect">
-                <a:avLst/>
-              </a:prstGeom>
-              <a:grpFill/>
-              <a:effectLst/>
-            </p:spPr>
-            <p:style>
-              <a:lnRef idx="1">
-                <a:schemeClr val="accent1"/>
-              </a:lnRef>
-              <a:fillRef idx="3">
-                <a:schemeClr val="accent1"/>
-              </a:fillRef>
-              <a:effectRef idx="2">
-                <a:schemeClr val="accent1"/>
-              </a:effectRef>
-              <a:fontRef idx="minor">
-                <a:schemeClr val="lt1"/>
-              </a:fontRef>
-            </p:style>
-            <p:txBody>
-              <a:bodyPr rtlCol="0" anchor="ctr"/>
-              <a:lstStyle/>
-              <a:p>
-                <a:pPr algn="ctr"/>
-                <a:endParaRPr lang="en-US"/>
-              </a:p>
-            </p:txBody>
-          </p:sp>
-          <p:sp>
-            <p:nvSpPr>
-              <p:cNvPr id="70" name="Rectangle 69"/>
-              <p:cNvSpPr/>
-              <p:nvPr/>
-            </p:nvSpPr>
-            <p:spPr>
-              <a:xfrm>
-                <a:off x="8172400" y="692696"/>
-                <a:ext cx="360040" cy="360040"/>
-              </a:xfrm>
-              <a:prstGeom prst="rect">
-                <a:avLst/>
-              </a:prstGeom>
-              <a:grpFill/>
-              <a:effectLst/>
-            </p:spPr>
-            <p:style>
-              <a:lnRef idx="1">
-                <a:schemeClr val="accent1"/>
-              </a:lnRef>
-              <a:fillRef idx="3">
-                <a:schemeClr val="accent1"/>
-              </a:fillRef>
-              <a:effectRef idx="2">
-                <a:schemeClr val="accent1"/>
-              </a:effectRef>
-              <a:fontRef idx="minor">
-                <a:schemeClr val="lt1"/>
-              </a:fontRef>
-            </p:style>
-            <p:txBody>
-              <a:bodyPr rtlCol="0" anchor="ctr"/>
-              <a:lstStyle/>
-              <a:p>
-                <a:pPr algn="ctr"/>
-                <a:endParaRPr lang="en-US"/>
-              </a:p>
-            </p:txBody>
-          </p:sp>
-        </p:grpSp>
-        <p:cxnSp>
-          <p:nvCxnSpPr>
-            <p:cNvPr id="68" name="Connecteur droit 67"/>
-            <p:cNvCxnSpPr>
-              <a:stCxn id="69" idx="3"/>
-              <a:endCxn id="70" idx="1"/>
-            </p:cNvCxnSpPr>
-            <p:nvPr/>
-          </p:nvCxnSpPr>
-          <p:spPr>
-            <a:xfrm>
-              <a:off x="4888834" y="1736813"/>
-              <a:ext cx="43206" cy="0"/>
-            </a:xfrm>
-            <a:prstGeom prst="line">
-              <a:avLst/>
-            </a:prstGeom>
-            <a:grpFill/>
-            <a:effectLst/>
-          </p:spPr>
-          <p:style>
-            <a:lnRef idx="2">
-              <a:schemeClr val="accent1"/>
-            </a:lnRef>
-            <a:fillRef idx="0">
-              <a:schemeClr val="accent1"/>
-            </a:fillRef>
-            <a:effectRef idx="1">
-              <a:schemeClr val="accent1"/>
-            </a:effectRef>
-            <a:fontRef idx="minor">
-              <a:schemeClr val="tx1"/>
-            </a:fontRef>
-          </p:style>
-        </p:cxnSp>
-      </p:grpSp>
-      <p:sp>
-        <p:nvSpPr>
-          <p:cNvPr id="13" name="Ellipse 12"/>
-          <p:cNvSpPr/>
-          <p:nvPr/>
-        </p:nvSpPr>
-        <p:spPr>
-          <a:xfrm>
-            <a:off x="3707904" y="2852936"/>
-            <a:ext cx="144016" cy="144016"/>
-          </a:xfrm>
-          <a:prstGeom prst="ellipse">
-            <a:avLst/>
-          </a:prstGeom>
-          <a:noFill/>
-          <a:ln w="38100" cmpd="sng"/>
-          <a:effectLst/>
-        </p:spPr>
-        <p:style>
-          <a:lnRef idx="1">
-            <a:schemeClr val="accent1"/>
-          </a:lnRef>
-          <a:fillRef idx="3">
-            <a:schemeClr val="accent1"/>
-          </a:fillRef>
-          <a:effectRef idx="2">
-            <a:schemeClr val="accent1"/>
-          </a:effectRef>
-          <a:fontRef idx="minor">
-            <a:schemeClr val="lt1"/>
-          </a:fontRef>
-        </p:style>
-        <p:txBody>
-          <a:bodyPr rtlCol="0" anchor="ctr"/>
-          <a:lstStyle/>
-          <a:p>
-            <a:pPr algn="ctr"/>
-            <a:endParaRPr lang="en-US"/>
-          </a:p>
-        </p:txBody>
-      </p:sp>
-      <p:grpSp>
-        <p:nvGrpSpPr>
-          <p:cNvPr id="71" name="Grouper 70"/>
-          <p:cNvGrpSpPr/>
-          <p:nvPr/>
-        </p:nvGrpSpPr>
-        <p:grpSpPr>
-          <a:xfrm>
-            <a:off x="7128284" y="4673638"/>
-            <a:ext cx="144016" cy="144016"/>
-            <a:chOff x="6156176" y="476672"/>
-            <a:chExt cx="360040" cy="360040"/>
-          </a:xfrm>
-          <a:solidFill>
-            <a:srgbClr val="4F81BD"/>
-          </a:solidFill>
-          <a:effectLst/>
-        </p:grpSpPr>
-        <p:sp>
-          <p:nvSpPr>
-            <p:cNvPr id="72" name="Ellipse 71"/>
-            <p:cNvSpPr/>
-            <p:nvPr/>
-          </p:nvSpPr>
-          <p:spPr>
-            <a:xfrm>
-              <a:off x="6264188" y="476672"/>
-              <a:ext cx="144016" cy="144016"/>
-            </a:xfrm>
-            <a:prstGeom prst="ellipse">
-              <a:avLst/>
-            </a:prstGeom>
-            <a:grpFill/>
-            <a:effectLst/>
-          </p:spPr>
-          <p:style>
-            <a:lnRef idx="1">
-              <a:schemeClr val="accent1"/>
-            </a:lnRef>
-            <a:fillRef idx="3">
-              <a:schemeClr val="accent1"/>
-            </a:fillRef>
-            <a:effectRef idx="2">
-              <a:schemeClr val="accent1"/>
-            </a:effectRef>
-            <a:fontRef idx="minor">
-              <a:schemeClr val="lt1"/>
-            </a:fontRef>
-          </p:style>
-          <p:txBody>
-            <a:bodyPr rtlCol="0" anchor="ctr"/>
-            <a:lstStyle/>
-            <a:p>
-              <a:pPr algn="ctr"/>
-              <a:endParaRPr lang="en-US"/>
-            </a:p>
-          </p:txBody>
-        </p:sp>
-        <p:sp>
-          <p:nvSpPr>
-            <p:cNvPr id="73" name="Ellipse 72"/>
-            <p:cNvSpPr/>
-            <p:nvPr/>
-          </p:nvSpPr>
-          <p:spPr>
-            <a:xfrm>
-              <a:off x="6372200" y="692696"/>
-              <a:ext cx="144016" cy="144016"/>
-            </a:xfrm>
-            <a:prstGeom prst="ellipse">
-              <a:avLst/>
-            </a:prstGeom>
-            <a:grpFill/>
-            <a:effectLst/>
-          </p:spPr>
-          <p:style>
-            <a:lnRef idx="1">
-              <a:schemeClr val="accent1"/>
-            </a:lnRef>
-            <a:fillRef idx="3">
-              <a:schemeClr val="accent1"/>
-            </a:fillRef>
-            <a:effectRef idx="2">
-              <a:schemeClr val="accent1"/>
-            </a:effectRef>
-            <a:fontRef idx="minor">
-              <a:schemeClr val="lt1"/>
-            </a:fontRef>
-          </p:style>
-          <p:txBody>
-            <a:bodyPr rtlCol="0" anchor="ctr"/>
-            <a:lstStyle/>
-            <a:p>
-              <a:pPr algn="ctr"/>
-              <a:endParaRPr lang="en-US"/>
-            </a:p>
-          </p:txBody>
-        </p:sp>
-        <p:sp>
-          <p:nvSpPr>
-            <p:cNvPr id="74" name="Ellipse 73"/>
-            <p:cNvSpPr/>
-            <p:nvPr/>
-          </p:nvSpPr>
-          <p:spPr>
-            <a:xfrm>
-              <a:off x="6156176" y="692696"/>
-              <a:ext cx="144016" cy="144016"/>
-            </a:xfrm>
-            <a:prstGeom prst="ellipse">
-              <a:avLst/>
-            </a:prstGeom>
-            <a:grpFill/>
-            <a:effectLst/>
-          </p:spPr>
-          <p:style>
-            <a:lnRef idx="1">
-              <a:schemeClr val="accent1"/>
-            </a:lnRef>
-            <a:fillRef idx="3">
-              <a:schemeClr val="accent1"/>
-            </a:fillRef>
-            <a:effectRef idx="2">
-              <a:schemeClr val="accent1"/>
-            </a:effectRef>
-            <a:fontRef idx="minor">
-              <a:schemeClr val="lt1"/>
-            </a:fontRef>
-          </p:style>
-          <p:txBody>
-            <a:bodyPr rtlCol="0" anchor="ctr"/>
-            <a:lstStyle/>
-            <a:p>
-              <a:pPr algn="ctr"/>
-              <a:endParaRPr lang="en-US"/>
-            </a:p>
-          </p:txBody>
-        </p:sp>
-      </p:grpSp>
-      <p:sp>
-        <p:nvSpPr>
-          <p:cNvPr id="14" name="ZoneTexte 13"/>
-          <p:cNvSpPr txBox="1"/>
-          <p:nvPr/>
-        </p:nvSpPr>
-        <p:spPr>
-          <a:xfrm>
-            <a:off x="1691680" y="4653136"/>
-            <a:ext cx="5112568" cy="369332"/>
-          </a:xfrm>
-          <a:prstGeom prst="rect">
-            <a:avLst/>
-          </a:prstGeom>
-          <a:noFill/>
-        </p:spPr>
-        <p:txBody>
-          <a:bodyPr wrap="square" rtlCol="0">
-            <a:spAutoFit/>
-          </a:bodyPr>
-          <a:lstStyle/>
-          <a:p>
-            <a:r>
-              <a:rPr lang="en-US" i="1" dirty="0"/>
-              <a:t>Key: 		membership	     shape	        connection</a:t>
-            </a:r>
-          </a:p>
-        </p:txBody>
-      </p:sp>
-      <p:grpSp>
-        <p:nvGrpSpPr>
-          <p:cNvPr id="75" name="Grouper 74"/>
-          <p:cNvGrpSpPr/>
-          <p:nvPr/>
-        </p:nvGrpSpPr>
-        <p:grpSpPr>
-          <a:xfrm>
-            <a:off x="2483768" y="4797152"/>
-            <a:ext cx="144016" cy="144016"/>
-            <a:chOff x="6156176" y="476672"/>
-            <a:chExt cx="360040" cy="360040"/>
-          </a:xfrm>
-          <a:solidFill>
-            <a:schemeClr val="accent1"/>
-          </a:solidFill>
-          <a:effectLst/>
-        </p:grpSpPr>
-        <p:sp>
-          <p:nvSpPr>
-            <p:cNvPr id="76" name="Ellipse 75"/>
-            <p:cNvSpPr/>
-            <p:nvPr/>
-          </p:nvSpPr>
-          <p:spPr>
-            <a:xfrm>
-              <a:off x="6264188" y="476672"/>
-              <a:ext cx="144016" cy="144016"/>
-            </a:xfrm>
-            <a:prstGeom prst="ellipse">
-              <a:avLst/>
-            </a:prstGeom>
-            <a:grpFill/>
-            <a:effectLst/>
-          </p:spPr>
-          <p:style>
-            <a:lnRef idx="1">
-              <a:schemeClr val="accent1"/>
-            </a:lnRef>
-            <a:fillRef idx="3">
-              <a:schemeClr val="accent1"/>
-            </a:fillRef>
-            <a:effectRef idx="2">
-              <a:schemeClr val="accent1"/>
-            </a:effectRef>
-            <a:fontRef idx="minor">
-              <a:schemeClr val="lt1"/>
-            </a:fontRef>
-          </p:style>
-          <p:txBody>
-            <a:bodyPr rtlCol="0" anchor="ctr"/>
-            <a:lstStyle/>
-            <a:p>
-              <a:pPr algn="ctr"/>
-              <a:endParaRPr lang="en-US"/>
-            </a:p>
-          </p:txBody>
-        </p:sp>
-        <p:sp>
-          <p:nvSpPr>
-            <p:cNvPr id="77" name="Ellipse 76"/>
-            <p:cNvSpPr/>
-            <p:nvPr/>
-          </p:nvSpPr>
-          <p:spPr>
-            <a:xfrm>
-              <a:off x="6372200" y="692696"/>
-              <a:ext cx="144016" cy="144016"/>
-            </a:xfrm>
-            <a:prstGeom prst="ellipse">
-              <a:avLst/>
-            </a:prstGeom>
-            <a:grpFill/>
-            <a:effectLst/>
-          </p:spPr>
-          <p:style>
-            <a:lnRef idx="1">
-              <a:schemeClr val="accent1"/>
-            </a:lnRef>
-            <a:fillRef idx="3">
-              <a:schemeClr val="accent1"/>
-            </a:fillRef>
-            <a:effectRef idx="2">
-              <a:schemeClr val="accent1"/>
-            </a:effectRef>
-            <a:fontRef idx="minor">
-              <a:schemeClr val="lt1"/>
-            </a:fontRef>
-          </p:style>
-          <p:txBody>
-            <a:bodyPr rtlCol="0" anchor="ctr"/>
-            <a:lstStyle/>
-            <a:p>
-              <a:pPr algn="ctr"/>
-              <a:endParaRPr lang="en-US"/>
-            </a:p>
-          </p:txBody>
-        </p:sp>
-        <p:sp>
-          <p:nvSpPr>
-            <p:cNvPr id="78" name="Ellipse 77"/>
-            <p:cNvSpPr/>
-            <p:nvPr/>
-          </p:nvSpPr>
-          <p:spPr>
-            <a:xfrm>
-              <a:off x="6156176" y="692696"/>
-              <a:ext cx="144016" cy="144016"/>
-            </a:xfrm>
-            <a:prstGeom prst="ellipse">
-              <a:avLst/>
-            </a:prstGeom>
-            <a:grpFill/>
-            <a:effectLst/>
-          </p:spPr>
-          <p:style>
-            <a:lnRef idx="1">
-              <a:schemeClr val="accent1"/>
-            </a:lnRef>
-            <a:fillRef idx="3">
-              <a:schemeClr val="accent1"/>
-            </a:fillRef>
-            <a:effectRef idx="2">
-              <a:schemeClr val="accent1"/>
-            </a:effectRef>
-            <a:fontRef idx="minor">
-              <a:schemeClr val="lt1"/>
-            </a:fontRef>
-          </p:style>
-          <p:txBody>
-            <a:bodyPr rtlCol="0" anchor="ctr"/>
-            <a:lstStyle/>
-            <a:p>
-              <a:pPr algn="ctr"/>
-              <a:endParaRPr lang="en-US"/>
-            </a:p>
-          </p:txBody>
-        </p:sp>
-      </p:grpSp>
-      <p:sp>
-        <p:nvSpPr>
-          <p:cNvPr id="79" name="Ellipse 78"/>
-          <p:cNvSpPr/>
-          <p:nvPr/>
-        </p:nvSpPr>
-        <p:spPr>
-          <a:xfrm>
-            <a:off x="4139952" y="4797152"/>
-            <a:ext cx="144016" cy="144016"/>
-          </a:xfrm>
-          <a:prstGeom prst="ellipse">
-            <a:avLst/>
-          </a:prstGeom>
-          <a:noFill/>
-          <a:ln w="38100" cmpd="sng"/>
-          <a:effectLst/>
-        </p:spPr>
-        <p:style>
-          <a:lnRef idx="1">
-            <a:schemeClr val="accent1"/>
-          </a:lnRef>
-          <a:fillRef idx="3">
-            <a:schemeClr val="accent1"/>
-          </a:fillRef>
-          <a:effectRef idx="2">
-            <a:schemeClr val="accent1"/>
-          </a:effectRef>
-          <a:fontRef idx="minor">
-            <a:schemeClr val="lt1"/>
-          </a:fontRef>
-        </p:style>
-        <p:txBody>
-          <a:bodyPr rtlCol="0" anchor="ctr"/>
-          <a:lstStyle/>
-          <a:p>
-            <a:pPr algn="ctr"/>
-            <a:endParaRPr lang="en-US"/>
-          </a:p>
-        </p:txBody>
-      </p:sp>
-      <p:grpSp>
-        <p:nvGrpSpPr>
-          <p:cNvPr id="25" name="Grouper 24"/>
-          <p:cNvGrpSpPr/>
-          <p:nvPr/>
-        </p:nvGrpSpPr>
-        <p:grpSpPr>
-          <a:xfrm>
-            <a:off x="5148064" y="4833156"/>
-            <a:ext cx="187222" cy="72008"/>
-            <a:chOff x="4960842" y="4833156"/>
-            <a:chExt cx="187222" cy="72008"/>
-          </a:xfrm>
-        </p:grpSpPr>
-        <p:grpSp>
-          <p:nvGrpSpPr>
-            <p:cNvPr id="81" name="Grouper 80"/>
-            <p:cNvGrpSpPr>
-              <a:grpSpLocks noChangeAspect="1"/>
-            </p:cNvGrpSpPr>
-            <p:nvPr/>
-          </p:nvGrpSpPr>
-          <p:grpSpPr>
-            <a:xfrm>
-              <a:off x="4960842" y="4833156"/>
-              <a:ext cx="187222" cy="72008"/>
-              <a:chOff x="7596336" y="692696"/>
-              <a:chExt cx="936104" cy="360040"/>
-            </a:xfrm>
-            <a:solidFill>
-              <a:srgbClr val="4F81BD"/>
-            </a:solidFill>
-          </p:grpSpPr>
-          <p:sp>
-            <p:nvSpPr>
-              <p:cNvPr id="83" name="Rectangle 82"/>
-              <p:cNvSpPr/>
-              <p:nvPr/>
-            </p:nvSpPr>
-            <p:spPr>
-              <a:xfrm>
-                <a:off x="7596336" y="692696"/>
-                <a:ext cx="360040" cy="360040"/>
-              </a:xfrm>
-              <a:prstGeom prst="rect">
-                <a:avLst/>
-              </a:prstGeom>
-              <a:grpFill/>
-              <a:effectLst/>
-            </p:spPr>
-            <p:style>
-              <a:lnRef idx="1">
-                <a:schemeClr val="accent1"/>
-              </a:lnRef>
-              <a:fillRef idx="3">
-                <a:schemeClr val="accent1"/>
-              </a:fillRef>
-              <a:effectRef idx="2">
-                <a:schemeClr val="accent1"/>
-              </a:effectRef>
-              <a:fontRef idx="minor">
-                <a:schemeClr val="lt1"/>
-              </a:fontRef>
-            </p:style>
-            <p:txBody>
-              <a:bodyPr rtlCol="0" anchor="ctr"/>
-              <a:lstStyle/>
-              <a:p>
-                <a:pPr algn="ctr"/>
-                <a:endParaRPr lang="en-US"/>
-              </a:p>
-            </p:txBody>
-          </p:sp>
-          <p:sp>
-            <p:nvSpPr>
-              <p:cNvPr id="84" name="Rectangle 83"/>
-              <p:cNvSpPr/>
-              <p:nvPr/>
-            </p:nvSpPr>
-            <p:spPr>
-              <a:xfrm>
-                <a:off x="8172400" y="692696"/>
-                <a:ext cx="360040" cy="360040"/>
-              </a:xfrm>
-              <a:prstGeom prst="rect">
-                <a:avLst/>
-              </a:prstGeom>
-              <a:grpFill/>
-              <a:effectLst/>
-            </p:spPr>
-            <p:style>
-              <a:lnRef idx="1">
-                <a:schemeClr val="accent1"/>
-              </a:lnRef>
-              <a:fillRef idx="3">
-                <a:schemeClr val="accent1"/>
-              </a:fillRef>
-              <a:effectRef idx="2">
-                <a:schemeClr val="accent1"/>
-              </a:effectRef>
-              <a:fontRef idx="minor">
-                <a:schemeClr val="lt1"/>
-              </a:fontRef>
-            </p:style>
-            <p:txBody>
-              <a:bodyPr rtlCol="0" anchor="ctr"/>
-              <a:lstStyle/>
-              <a:p>
-                <a:pPr algn="ctr"/>
-                <a:endParaRPr lang="en-US"/>
-              </a:p>
-            </p:txBody>
-          </p:sp>
-        </p:grpSp>
-        <p:cxnSp>
-          <p:nvCxnSpPr>
-            <p:cNvPr id="82" name="Connecteur droit 81"/>
-            <p:cNvCxnSpPr/>
-            <p:nvPr/>
-          </p:nvCxnSpPr>
-          <p:spPr>
-            <a:xfrm>
-              <a:off x="5032850" y="4869160"/>
-              <a:ext cx="43206" cy="0"/>
-            </a:xfrm>
-            <a:prstGeom prst="line">
-              <a:avLst/>
-            </a:prstGeom>
-            <a:solidFill>
-              <a:srgbClr val="4F81BD"/>
-            </a:solidFill>
-            <a:effectLst/>
-          </p:spPr>
-          <p:style>
-            <a:lnRef idx="2">
-              <a:schemeClr val="accent1"/>
-            </a:lnRef>
-            <a:fillRef idx="0">
-              <a:schemeClr val="accent1"/>
-            </a:fillRef>
-            <a:effectRef idx="1">
-              <a:schemeClr val="accent1"/>
-            </a:effectRef>
-            <a:fontRef idx="minor">
-              <a:schemeClr val="tx1"/>
-            </a:fontRef>
-          </p:style>
-        </p:cxnSp>
-      </p:grpSp>
-      <p:sp>
-        <p:nvSpPr>
-          <p:cNvPr id="31" name="Ellipse 30"/>
-          <p:cNvSpPr/>
-          <p:nvPr/>
-        </p:nvSpPr>
-        <p:spPr>
-          <a:xfrm rot="5400000">
-            <a:off x="5619290" y="2060852"/>
-            <a:ext cx="432050" cy="432048"/>
-          </a:xfrm>
-          <a:prstGeom prst="ellipse">
-            <a:avLst/>
-          </a:prstGeom>
-          <a:solidFill>
-            <a:schemeClr val="bg1"/>
-          </a:solidFill>
-          <a:ln w="9525" cmpd="sng">
-            <a:solidFill>
-              <a:schemeClr val="tx1"/>
-            </a:solidFill>
-            <a:prstDash val="solid"/>
-          </a:ln>
-          <a:effectLst/>
-        </p:spPr>
-        <p:style>
-          <a:lnRef idx="1">
-            <a:schemeClr val="accent1"/>
-          </a:lnRef>
-          <a:fillRef idx="3">
-            <a:schemeClr val="accent1"/>
-          </a:fillRef>
-          <a:effectRef idx="2">
-            <a:schemeClr val="accent1"/>
-          </a:effectRef>
-          <a:fontRef idx="minor">
-            <a:schemeClr val="lt1"/>
-          </a:fontRef>
-        </p:style>
-        <p:txBody>
-          <a:bodyPr rtlCol="0" anchor="ctr"/>
-          <a:lstStyle/>
-          <a:p>
-            <a:pPr algn="ctr"/>
-            <a:endParaRPr lang="en-US" sz="1500">
-              <a:solidFill>
-                <a:schemeClr val="tx1"/>
-              </a:solidFill>
-            </a:endParaRPr>
-          </a:p>
-        </p:txBody>
-      </p:sp>
-      <p:sp>
-        <p:nvSpPr>
-          <p:cNvPr id="32" name="Ellipse 31"/>
-          <p:cNvSpPr/>
-          <p:nvPr/>
-        </p:nvSpPr>
-        <p:spPr>
-          <a:xfrm rot="5400000">
-            <a:off x="5619290" y="2636912"/>
-            <a:ext cx="432047" cy="432048"/>
-          </a:xfrm>
-          <a:prstGeom prst="ellipse">
-            <a:avLst/>
-          </a:prstGeom>
-          <a:solidFill>
-            <a:schemeClr val="bg1"/>
-          </a:solidFill>
-          <a:ln w="9525" cmpd="sng">
-            <a:solidFill>
-              <a:schemeClr val="tx1"/>
-            </a:solidFill>
-            <a:prstDash val="solid"/>
-          </a:ln>
-          <a:effectLst/>
-        </p:spPr>
-        <p:style>
-          <a:lnRef idx="1">
-            <a:schemeClr val="accent1"/>
-          </a:lnRef>
-          <a:fillRef idx="3">
-            <a:schemeClr val="accent1"/>
-          </a:fillRef>
-          <a:effectRef idx="2">
-            <a:schemeClr val="accent1"/>
-          </a:effectRef>
-          <a:fontRef idx="minor">
-            <a:schemeClr val="lt1"/>
-          </a:fontRef>
-        </p:style>
-        <p:txBody>
-          <a:bodyPr rtlCol="0" anchor="ctr"/>
-          <a:lstStyle/>
-          <a:p>
-            <a:pPr algn="ctr"/>
-            <a:endParaRPr lang="en-US" sz="1500">
-              <a:solidFill>
-                <a:schemeClr val="tx1"/>
-              </a:solidFill>
-            </a:endParaRPr>
-          </a:p>
-        </p:txBody>
-      </p:sp>
-      <p:cxnSp>
-        <p:nvCxnSpPr>
-          <p:cNvPr id="34" name="Connecteur droit 33"/>
-          <p:cNvCxnSpPr>
-            <a:stCxn id="31" idx="0"/>
-            <a:endCxn id="32" idx="0"/>
-          </p:cNvCxnSpPr>
-          <p:nvPr/>
-        </p:nvCxnSpPr>
-        <p:spPr>
-          <a:xfrm flipH="1">
-            <a:off x="6051338" y="2276876"/>
-            <a:ext cx="1" cy="576061"/>
-          </a:xfrm>
-          <a:prstGeom prst="curvedConnector3">
-            <a:avLst>
-              <a:gd name="adj1" fmla="val -22860100000"/>
-            </a:avLst>
-          </a:prstGeom>
-          <a:solidFill>
-            <a:schemeClr val="bg1"/>
-          </a:solidFill>
-          <a:ln w="9525" cmpd="sng">
-            <a:solidFill>
-              <a:schemeClr val="tx1"/>
-            </a:solidFill>
-            <a:prstDash val="solid"/>
-          </a:ln>
-          <a:effectLst/>
-        </p:spPr>
-        <p:style>
-          <a:lnRef idx="1">
-            <a:schemeClr val="accent1"/>
-          </a:lnRef>
-          <a:fillRef idx="3">
-            <a:schemeClr val="accent1"/>
-          </a:fillRef>
-          <a:effectRef idx="2">
-            <a:schemeClr val="accent1"/>
-          </a:effectRef>
-          <a:fontRef idx="minor">
-            <a:schemeClr val="lt1"/>
-          </a:fontRef>
-        </p:style>
-      </p:cxnSp>
-      <p:cxnSp>
-        <p:nvCxnSpPr>
-          <p:cNvPr id="86" name="Connecteur droit 33"/>
-          <p:cNvCxnSpPr>
-            <a:stCxn id="31" idx="4"/>
-            <a:endCxn id="32" idx="4"/>
-          </p:cNvCxnSpPr>
-          <p:nvPr/>
-        </p:nvCxnSpPr>
-        <p:spPr>
-          <a:xfrm rot="10800000" flipV="1">
-            <a:off x="5619291" y="2276875"/>
-            <a:ext cx="1" cy="576061"/>
-          </a:xfrm>
-          <a:prstGeom prst="curvedConnector3">
-            <a:avLst>
-              <a:gd name="adj1" fmla="val 22860100000"/>
-            </a:avLst>
-          </a:prstGeom>
-          <a:solidFill>
-            <a:schemeClr val="bg1"/>
-          </a:solidFill>
-          <a:ln w="9525" cmpd="sng">
-            <a:solidFill>
-              <a:schemeClr val="tx1"/>
-            </a:solidFill>
-            <a:prstDash val="solid"/>
-          </a:ln>
-          <a:effectLst/>
-        </p:spPr>
-        <p:style>
-          <a:lnRef idx="1">
-            <a:schemeClr val="accent1"/>
-          </a:lnRef>
-          <a:fillRef idx="3">
-            <a:schemeClr val="accent1"/>
-          </a:fillRef>
-          <a:effectRef idx="2">
-            <a:schemeClr val="accent1"/>
-          </a:effectRef>
-          <a:fontRef idx="minor">
-            <a:schemeClr val="lt1"/>
-          </a:fontRef>
-        </p:style>
-      </p:cxnSp>
-      <p:sp>
-        <p:nvSpPr>
-          <p:cNvPr id="36" name="Rectangle 35"/>
-          <p:cNvSpPr/>
-          <p:nvPr/>
-        </p:nvSpPr>
-        <p:spPr>
-          <a:xfrm rot="5400000">
-            <a:off x="6022984" y="2244529"/>
-            <a:ext cx="46805" cy="48005"/>
-          </a:xfrm>
-          <a:prstGeom prst="rect">
-            <a:avLst/>
-          </a:prstGeom>
-          <a:solidFill>
-            <a:srgbClr val="3366FF"/>
-          </a:solidFill>
-          <a:ln>
-            <a:solidFill>
-              <a:srgbClr val="3366FF"/>
-            </a:solidFill>
-          </a:ln>
-          <a:effectLst/>
-        </p:spPr>
-        <p:style>
-          <a:lnRef idx="1">
-            <a:schemeClr val="accent1"/>
-          </a:lnRef>
-          <a:fillRef idx="3">
-            <a:schemeClr val="accent1"/>
-          </a:fillRef>
-          <a:effectRef idx="2">
-            <a:schemeClr val="accent1"/>
-          </a:effectRef>
-          <a:fontRef idx="minor">
-            <a:schemeClr val="lt1"/>
-          </a:fontRef>
-        </p:style>
-        <p:txBody>
-          <a:bodyPr rtlCol="0" anchor="ctr"/>
-          <a:lstStyle/>
-          <a:p>
-            <a:pPr algn="ctr"/>
-            <a:endParaRPr lang="en-US"/>
-          </a:p>
-        </p:txBody>
-      </p:sp>
-      <p:sp>
-        <p:nvSpPr>
-          <p:cNvPr id="37" name="Rectangle 36"/>
-          <p:cNvSpPr/>
-          <p:nvPr/>
-        </p:nvSpPr>
-        <p:spPr>
-          <a:xfrm rot="5400000">
-            <a:off x="5594116" y="2244528"/>
-            <a:ext cx="46805" cy="48006"/>
-          </a:xfrm>
-          <a:prstGeom prst="rect">
-            <a:avLst/>
-          </a:prstGeom>
-          <a:solidFill>
-            <a:srgbClr val="3366FF"/>
-          </a:solidFill>
-          <a:ln>
-            <a:solidFill>
-              <a:srgbClr val="3366FF"/>
-            </a:solidFill>
-          </a:ln>
-          <a:effectLst/>
-        </p:spPr>
-        <p:style>
-          <a:lnRef idx="1">
-            <a:schemeClr val="accent1"/>
-          </a:lnRef>
-          <a:fillRef idx="3">
-            <a:schemeClr val="accent1"/>
-          </a:fillRef>
-          <a:effectRef idx="2">
-            <a:schemeClr val="accent1"/>
-          </a:effectRef>
-          <a:fontRef idx="minor">
-            <a:schemeClr val="lt1"/>
-          </a:fontRef>
-        </p:style>
-        <p:txBody>
-          <a:bodyPr rtlCol="0" anchor="ctr"/>
-          <a:lstStyle/>
-          <a:p>
-            <a:pPr algn="ctr"/>
-            <a:endParaRPr lang="en-US"/>
-          </a:p>
-        </p:txBody>
-      </p:sp>
-      <p:sp>
-        <p:nvSpPr>
-          <p:cNvPr id="80" name="Rectangle 79"/>
-          <p:cNvSpPr/>
-          <p:nvPr/>
-        </p:nvSpPr>
-        <p:spPr>
-          <a:xfrm rot="5400000">
-            <a:off x="6027598" y="2834699"/>
-            <a:ext cx="46805" cy="48005"/>
-          </a:xfrm>
-          <a:prstGeom prst="rect">
-            <a:avLst/>
-          </a:prstGeom>
-          <a:solidFill>
-            <a:srgbClr val="3366FF"/>
-          </a:solidFill>
-          <a:ln>
-            <a:solidFill>
-              <a:srgbClr val="3366FF"/>
-            </a:solidFill>
-          </a:ln>
-          <a:effectLst/>
-        </p:spPr>
-        <p:style>
-          <a:lnRef idx="1">
-            <a:schemeClr val="accent1"/>
-          </a:lnRef>
-          <a:fillRef idx="3">
-            <a:schemeClr val="accent1"/>
-          </a:fillRef>
-          <a:effectRef idx="2">
-            <a:schemeClr val="accent1"/>
-          </a:effectRef>
-          <a:fontRef idx="minor">
-            <a:schemeClr val="lt1"/>
-          </a:fontRef>
-        </p:style>
-        <p:txBody>
-          <a:bodyPr rtlCol="0" anchor="ctr"/>
-          <a:lstStyle/>
-          <a:p>
-            <a:pPr algn="ctr"/>
-            <a:endParaRPr lang="en-US"/>
-          </a:p>
-        </p:txBody>
-      </p:sp>
-      <p:sp>
-        <p:nvSpPr>
-          <p:cNvPr id="85" name="Rectangle 84"/>
-          <p:cNvSpPr/>
-          <p:nvPr/>
-        </p:nvSpPr>
-        <p:spPr>
-          <a:xfrm rot="5400000">
-            <a:off x="5598730" y="2834698"/>
-            <a:ext cx="46805" cy="48006"/>
-          </a:xfrm>
-          <a:prstGeom prst="rect">
-            <a:avLst/>
-          </a:prstGeom>
-          <a:solidFill>
-            <a:srgbClr val="3366FF"/>
-          </a:solidFill>
-          <a:ln>
-            <a:solidFill>
-              <a:srgbClr val="3366FF"/>
-            </a:solidFill>
-          </a:ln>
-          <a:effectLst/>
-        </p:spPr>
-        <p:style>
-          <a:lnRef idx="1">
-            <a:schemeClr val="accent1"/>
-          </a:lnRef>
-          <a:fillRef idx="3">
-            <a:schemeClr val="accent1"/>
-          </a:fillRef>
-          <a:effectRef idx="2">
-            <a:schemeClr val="accent1"/>
-          </a:effectRef>
-          <a:fontRef idx="minor">
-            <a:schemeClr val="lt1"/>
-          </a:fontRef>
-        </p:style>
-        <p:txBody>
-          <a:bodyPr rtlCol="0" anchor="ctr"/>
-          <a:lstStyle/>
-          <a:p>
-            <a:pPr algn="ctr"/>
-            <a:endParaRPr lang="en-US"/>
-          </a:p>
-        </p:txBody>
-      </p:sp>
-      <p:pic>
-        <p:nvPicPr>
-          <p:cNvPr id="2" name="Image 1"/>
-          <p:cNvPicPr>
-            <a:picLocks noChangeAspect="1"/>
-          </p:cNvPicPr>
-          <p:nvPr/>
-        </p:nvPicPr>
-        <p:blipFill>
-          <a:blip r:embed="rId6"/>
-          <a:stretch>
-            <a:fillRect/>
-          </a:stretch>
-        </p:blipFill>
-        <p:spPr>
-          <a:xfrm>
-            <a:off x="6228184" y="1844824"/>
-            <a:ext cx="504056" cy="504056"/>
-          </a:xfrm>
-          <a:prstGeom prst="rect">
-            <a:avLst/>
-          </a:prstGeom>
-        </p:spPr>
-      </p:pic>
-      <p:pic>
-        <p:nvPicPr>
-          <p:cNvPr id="87" name="Image 86" descr="Screen Shot 2013-03-28 at 16.55.04.png"/>
-          <p:cNvPicPr>
-            <a:picLocks noChangeAspect="1"/>
-          </p:cNvPicPr>
-          <p:nvPr/>
-        </p:nvPicPr>
-        <p:blipFill>
-          <a:blip r:embed="rId7">
-            <a:clrChange>
-              <a:clrFrom>
-                <a:srgbClr val="FFFFFF"/>
-              </a:clrFrom>
-              <a:clrTo>
-                <a:srgbClr val="FFFFFF">
-                  <a:alpha val="0"/>
-                </a:srgbClr>
-              </a:clrTo>
-            </a:clrChange>
-            <a:extLst>
-              <a:ext uri="{28A0092B-C50C-407E-A947-70E740481C1C}">
-                <a14:useLocalDpi xmlns:a14="http://schemas.microsoft.com/office/drawing/2010/main" val="0"/>
-              </a:ext>
-            </a:extLst>
-          </a:blip>
-          <a:stretch>
-            <a:fillRect/>
-          </a:stretch>
-        </p:blipFill>
-        <p:spPr>
-          <a:xfrm flipH="1">
-            <a:off x="7164288" y="3501008"/>
-            <a:ext cx="593539" cy="360040"/>
-          </a:xfrm>
-          <a:prstGeom prst="rect">
-            <a:avLst/>
-          </a:prstGeom>
-        </p:spPr>
-      </p:pic>
-    </p:spTree>
-    <p:extLst>
-      <p:ext uri="{BB962C8B-B14F-4D97-AF65-F5344CB8AC3E}">
-        <p14:creationId xmlns:p14="http://schemas.microsoft.com/office/powerpoint/2010/main" val="3527597553"/>
-      </p:ext>
-    </p:extLst>
-  </p:cSld>
-  <p:clrMapOvr>
-    <a:masterClrMapping/>
-  </p:clrMapOvr>
-</p:sld>
-</file>
-
-<file path=ppt/slides/slide3.xml><?xml version="1.0" encoding="utf-8"?>
-<p:sld xmlns:a="http://schemas.openxmlformats.org/drawingml/2006/main" xmlns:r="http://schemas.openxmlformats.org/officeDocument/2006/relationships" xmlns:p="http://schemas.openxmlformats.org/presentationml/2006/main">
-  <p:cSld>
-    <p:spTree>
-      <p:nvGrpSpPr>
-        <p:cNvPr id="1" name=""/>
-        <p:cNvGrpSpPr/>
-        <p:nvPr/>
-      </p:nvGrpSpPr>
-      <p:grpSpPr>
-        <a:xfrm>
-          <a:off x="0" y="0"/>
-          <a:ext cx="0" cy="0"/>
-          <a:chOff x="0" y="0"/>
-          <a:chExt cx="0" cy="0"/>
-        </a:xfrm>
-      </p:grpSpPr>
-      <p:grpSp>
-        <p:nvGrpSpPr>
-          <p:cNvPr id="2" name="Grouper 1"/>
-          <p:cNvGrpSpPr>
-            <a:grpSpLocks noChangeAspect="1"/>
-          </p:cNvGrpSpPr>
-          <p:nvPr/>
-        </p:nvGrpSpPr>
-        <p:grpSpPr>
-          <a:xfrm>
-            <a:off x="3968416" y="3002328"/>
-            <a:ext cx="745855" cy="675749"/>
-            <a:chOff x="3970161" y="2996952"/>
-            <a:chExt cx="476873" cy="432050"/>
-          </a:xfrm>
-        </p:grpSpPr>
-        <p:sp>
-          <p:nvSpPr>
-            <p:cNvPr id="6" name="Ellipse 5"/>
-            <p:cNvSpPr/>
-            <p:nvPr/>
-          </p:nvSpPr>
-          <p:spPr>
-            <a:xfrm rot="5400000">
-              <a:off x="3995935" y="2996953"/>
-              <a:ext cx="432050" cy="432048"/>
-            </a:xfrm>
-            <a:prstGeom prst="ellipse">
-              <a:avLst/>
-            </a:prstGeom>
-            <a:solidFill>
-              <a:schemeClr val="bg1"/>
-            </a:solidFill>
-            <a:ln w="12700" cmpd="sng">
-              <a:solidFill>
-                <a:schemeClr val="tx1"/>
-              </a:solidFill>
-              <a:prstDash val="solid"/>
-            </a:ln>
-            <a:effectLst/>
-          </p:spPr>
-          <p:style>
-            <a:lnRef idx="1">
-              <a:schemeClr val="accent1"/>
-            </a:lnRef>
-            <a:fillRef idx="3">
-              <a:schemeClr val="accent1"/>
-            </a:fillRef>
-            <a:effectRef idx="2">
-              <a:schemeClr val="accent1"/>
-            </a:effectRef>
-            <a:fontRef idx="minor">
-              <a:schemeClr val="lt1"/>
-            </a:fontRef>
-          </p:style>
-          <p:txBody>
-            <a:bodyPr rtlCol="0" anchor="ctr"/>
-            <a:lstStyle/>
-            <a:p>
-              <a:pPr algn="ctr"/>
-              <a:endParaRPr lang="en-US" sz="1500" dirty="0">
-                <a:solidFill>
-                  <a:schemeClr val="tx1"/>
-                </a:solidFill>
-              </a:endParaRPr>
-            </a:p>
-          </p:txBody>
-        </p:sp>
-        <p:sp>
-          <p:nvSpPr>
-            <p:cNvPr id="10" name="Rectangle 9"/>
-            <p:cNvSpPr/>
-            <p:nvPr/>
-          </p:nvSpPr>
-          <p:spPr>
-            <a:xfrm rot="5400000">
-              <a:off x="4399629" y="3188975"/>
-              <a:ext cx="46805" cy="48005"/>
-            </a:xfrm>
-            <a:prstGeom prst="rect">
-              <a:avLst/>
-            </a:prstGeom>
-            <a:solidFill>
-              <a:srgbClr val="3366FF"/>
-            </a:solidFill>
-            <a:ln w="12700" cmpd="sng">
-              <a:solidFill>
-                <a:srgbClr val="3366FF"/>
-              </a:solidFill>
-            </a:ln>
-            <a:effectLst/>
-          </p:spPr>
-          <p:style>
-            <a:lnRef idx="1">
-              <a:schemeClr val="accent1"/>
-            </a:lnRef>
-            <a:fillRef idx="3">
-              <a:schemeClr val="accent1"/>
-            </a:fillRef>
-            <a:effectRef idx="2">
-              <a:schemeClr val="accent1"/>
-            </a:effectRef>
-            <a:fontRef idx="minor">
-              <a:schemeClr val="lt1"/>
-            </a:fontRef>
-          </p:style>
-          <p:txBody>
-            <a:bodyPr rtlCol="0" anchor="ctr"/>
-            <a:lstStyle/>
-            <a:p>
-              <a:pPr algn="ctr"/>
-              <a:endParaRPr lang="en-US"/>
-            </a:p>
-          </p:txBody>
-        </p:sp>
-        <p:sp>
-          <p:nvSpPr>
-            <p:cNvPr id="11" name="Rectangle 10"/>
-            <p:cNvSpPr/>
-            <p:nvPr/>
-          </p:nvSpPr>
-          <p:spPr>
-            <a:xfrm rot="5400000">
-              <a:off x="3970761" y="3188974"/>
-              <a:ext cx="46805" cy="48006"/>
-            </a:xfrm>
-            <a:prstGeom prst="rect">
-              <a:avLst/>
-            </a:prstGeom>
-            <a:solidFill>
-              <a:srgbClr val="3366FF"/>
-            </a:solidFill>
-            <a:ln w="12700" cmpd="sng">
-              <a:solidFill>
-                <a:srgbClr val="3366FF"/>
-              </a:solidFill>
-            </a:ln>
-            <a:effectLst/>
-          </p:spPr>
-          <p:style>
-            <a:lnRef idx="1">
-              <a:schemeClr val="accent1"/>
-            </a:lnRef>
-            <a:fillRef idx="3">
-              <a:schemeClr val="accent1"/>
-            </a:fillRef>
-            <a:effectRef idx="2">
-              <a:schemeClr val="accent1"/>
-            </a:effectRef>
-            <a:fontRef idx="minor">
-              <a:schemeClr val="lt1"/>
-            </a:fontRef>
-          </p:style>
-          <p:txBody>
-            <a:bodyPr rtlCol="0" anchor="ctr"/>
-            <a:lstStyle/>
-            <a:p>
-              <a:pPr algn="ctr"/>
-              <a:endParaRPr lang="en-US"/>
-            </a:p>
-          </p:txBody>
-        </p:sp>
-      </p:grpSp>
-      <p:sp>
-        <p:nvSpPr>
-          <p:cNvPr id="4" name="ZoneTexte 3"/>
-          <p:cNvSpPr txBox="1"/>
-          <p:nvPr/>
-        </p:nvSpPr>
-        <p:spPr>
-          <a:xfrm>
-            <a:off x="3454377" y="3173213"/>
-            <a:ext cx="556563" cy="276999"/>
-          </a:xfrm>
-          <a:prstGeom prst="rect">
-            <a:avLst/>
-          </a:prstGeom>
-          <a:noFill/>
-        </p:spPr>
-        <p:txBody>
-          <a:bodyPr wrap="none" rtlCol="0">
-            <a:spAutoFit/>
-          </a:bodyPr>
-          <a:lstStyle/>
-          <a:p>
-            <a:pPr algn="r"/>
-            <a:r>
-              <a:rPr lang="en-US" sz="1200" dirty="0">
-                <a:latin typeface="Courier"/>
-                <a:cs typeface="Courier"/>
-              </a:rPr>
-              <a:t>left</a:t>
-            </a:r>
-          </a:p>
-        </p:txBody>
-      </p:sp>
-      <p:sp>
-        <p:nvSpPr>
-          <p:cNvPr id="12" name="ZoneTexte 11"/>
-          <p:cNvSpPr txBox="1"/>
-          <p:nvPr/>
-        </p:nvSpPr>
-        <p:spPr>
-          <a:xfrm>
-            <a:off x="4668446" y="3173213"/>
-            <a:ext cx="646406" cy="276999"/>
-          </a:xfrm>
-          <a:prstGeom prst="rect">
-            <a:avLst/>
-          </a:prstGeom>
-          <a:noFill/>
-        </p:spPr>
-        <p:txBody>
-          <a:bodyPr wrap="none" rtlCol="0">
-            <a:spAutoFit/>
-          </a:bodyPr>
-          <a:lstStyle/>
-          <a:p>
-            <a:r>
-              <a:rPr lang="en-US" sz="1200" dirty="0">
-                <a:latin typeface="Courier"/>
-                <a:cs typeface="Courier"/>
-              </a:rPr>
-              <a:t>right</a:t>
-            </a:r>
-          </a:p>
-        </p:txBody>
-      </p:sp>
-      <p:sp>
-        <p:nvSpPr>
-          <p:cNvPr id="5" name="ZoneTexte 4"/>
-          <p:cNvSpPr txBox="1"/>
-          <p:nvPr/>
-        </p:nvSpPr>
-        <p:spPr>
-          <a:xfrm>
-            <a:off x="4215364" y="2780928"/>
-            <a:ext cx="255449" cy="369332"/>
-          </a:xfrm>
-          <a:prstGeom prst="rect">
-            <a:avLst/>
-          </a:prstGeom>
-          <a:noFill/>
-        </p:spPr>
-        <p:txBody>
-          <a:bodyPr wrap="none" rtlCol="0">
-            <a:spAutoFit/>
-          </a:bodyPr>
-          <a:lstStyle/>
-          <a:p>
-            <a:r>
-              <a:rPr lang="en-US" dirty="0"/>
-              <a:t>[</a:t>
-            </a:r>
-          </a:p>
-        </p:txBody>
-      </p:sp>
-      <p:grpSp>
-        <p:nvGrpSpPr>
-          <p:cNvPr id="15" name="Grouper 14"/>
-          <p:cNvGrpSpPr/>
-          <p:nvPr/>
-        </p:nvGrpSpPr>
-        <p:grpSpPr>
-          <a:xfrm>
-            <a:off x="4107955" y="2780928"/>
-            <a:ext cx="470267" cy="276999"/>
-            <a:chOff x="4139952" y="2780928"/>
-            <a:chExt cx="470267" cy="276999"/>
-          </a:xfrm>
-        </p:grpSpPr>
-        <p:sp>
-          <p:nvSpPr>
-            <p:cNvPr id="13" name="ZoneTexte 12"/>
-            <p:cNvSpPr txBox="1"/>
-            <p:nvPr/>
-          </p:nvSpPr>
-          <p:spPr>
-            <a:xfrm>
-              <a:off x="4347557" y="2780928"/>
-              <a:ext cx="262662" cy="276999"/>
-            </a:xfrm>
-            <a:prstGeom prst="rect">
-              <a:avLst/>
-            </a:prstGeom>
-            <a:noFill/>
-          </p:spPr>
-          <p:txBody>
-            <a:bodyPr wrap="none" rtlCol="0">
-              <a:spAutoFit/>
-            </a:bodyPr>
-            <a:lstStyle/>
-            <a:p>
-              <a:r>
-                <a:rPr lang="en-US" sz="1200" dirty="0"/>
-                <a:t>0</a:t>
-              </a:r>
-            </a:p>
-          </p:txBody>
-        </p:sp>
-        <p:sp>
-          <p:nvSpPr>
-            <p:cNvPr id="14" name="ZoneTexte 13"/>
-            <p:cNvSpPr txBox="1"/>
-            <p:nvPr/>
-          </p:nvSpPr>
-          <p:spPr>
-            <a:xfrm>
-              <a:off x="4139952" y="2780928"/>
-              <a:ext cx="262662" cy="276999"/>
-            </a:xfrm>
-            <a:prstGeom prst="rect">
-              <a:avLst/>
-            </a:prstGeom>
-            <a:noFill/>
-          </p:spPr>
-          <p:txBody>
-            <a:bodyPr wrap="none" rtlCol="0">
-              <a:spAutoFit/>
-            </a:bodyPr>
-            <a:lstStyle/>
-            <a:p>
-              <a:r>
-                <a:rPr lang="en-US" sz="1200" dirty="0"/>
-                <a:t>1</a:t>
-              </a:r>
-            </a:p>
-          </p:txBody>
-        </p:sp>
-      </p:grpSp>
-      <p:sp>
-        <p:nvSpPr>
-          <p:cNvPr id="16" name="Arc 15"/>
-          <p:cNvSpPr/>
-          <p:nvPr/>
-        </p:nvSpPr>
-        <p:spPr>
-          <a:xfrm rot="10800000">
-            <a:off x="3881965" y="2878665"/>
-            <a:ext cx="918757" cy="923073"/>
-          </a:xfrm>
-          <a:prstGeom prst="arc">
-            <a:avLst>
-              <a:gd name="adj1" fmla="val 14020092"/>
-              <a:gd name="adj2" fmla="val 18287782"/>
-            </a:avLst>
-          </a:prstGeom>
-          <a:ln w="9525" cmpd="sng">
-            <a:solidFill>
-              <a:schemeClr val="tx1"/>
-            </a:solidFill>
-            <a:headEnd type="none"/>
-            <a:tailEnd type="triangle"/>
-          </a:ln>
-          <a:effectLst/>
-        </p:spPr>
-        <p:style>
-          <a:lnRef idx="2">
-            <a:schemeClr val="accent1"/>
-          </a:lnRef>
-          <a:fillRef idx="0">
-            <a:schemeClr val="accent1"/>
-          </a:fillRef>
-          <a:effectRef idx="1">
-            <a:schemeClr val="accent1"/>
-          </a:effectRef>
-          <a:fontRef idx="minor">
-            <a:schemeClr val="tx1"/>
-          </a:fontRef>
-        </p:style>
-        <p:txBody>
-          <a:bodyPr rtlCol="0" anchor="ctr"/>
-          <a:lstStyle/>
-          <a:p>
-            <a:pPr algn="ctr"/>
-            <a:endParaRPr lang="en-US"/>
-          </a:p>
-        </p:txBody>
-      </p:sp>
-      <p:sp>
-        <p:nvSpPr>
-          <p:cNvPr id="17" name="ZoneTexte 16"/>
-          <p:cNvSpPr txBox="1"/>
-          <p:nvPr/>
-        </p:nvSpPr>
-        <p:spPr>
-          <a:xfrm>
-            <a:off x="3995936" y="3772108"/>
-            <a:ext cx="757653" cy="253916"/>
-          </a:xfrm>
-          <a:prstGeom prst="rect">
-            <a:avLst/>
-          </a:prstGeom>
-          <a:noFill/>
-        </p:spPr>
-        <p:txBody>
-          <a:bodyPr wrap="none" rtlCol="0">
-            <a:spAutoFit/>
-          </a:bodyPr>
-          <a:lstStyle/>
-          <a:p>
-            <a:pPr algn="ctr"/>
-            <a:r>
-              <a:rPr lang="en-US" sz="1050" i="1" noProof="1">
-                <a:latin typeface="Times"/>
-                <a:cs typeface="Times"/>
-              </a:rPr>
-              <a:t>E</a:t>
-            </a:r>
-            <a:r>
-              <a:rPr lang="en-US" sz="1050" baseline="-25000" noProof="1"/>
-              <a:t>ring</a:t>
-            </a:r>
-            <a:r>
-              <a:rPr lang="en-US" sz="1050" noProof="1">
-                <a:latin typeface="Times"/>
-                <a:cs typeface="Times"/>
-              </a:rPr>
-              <a:t>=[0,1[</a:t>
-            </a:r>
-          </a:p>
-        </p:txBody>
-      </p:sp>
-      <p:sp>
-        <p:nvSpPr>
-          <p:cNvPr id="18" name="ZoneTexte 17"/>
-          <p:cNvSpPr txBox="1"/>
-          <p:nvPr/>
-        </p:nvSpPr>
-        <p:spPr>
-          <a:xfrm>
-            <a:off x="4788024" y="3501008"/>
-            <a:ext cx="892229" cy="261610"/>
-          </a:xfrm>
-          <a:prstGeom prst="rect">
-            <a:avLst/>
-          </a:prstGeom>
-          <a:noFill/>
-        </p:spPr>
-        <p:txBody>
-          <a:bodyPr wrap="none" rtlCol="0">
-            <a:spAutoFit/>
-          </a:bodyPr>
-          <a:lstStyle/>
-          <a:p>
-            <a:r>
-              <a:rPr lang="en-US" sz="1100" i="1" dirty="0"/>
-              <a:t>port at 0.25</a:t>
-            </a:r>
-          </a:p>
-        </p:txBody>
-      </p:sp>
-      <p:sp>
-        <p:nvSpPr>
-          <p:cNvPr id="19" name="ZoneTexte 18"/>
-          <p:cNvSpPr txBox="1"/>
-          <p:nvPr/>
-        </p:nvSpPr>
-        <p:spPr>
-          <a:xfrm>
-            <a:off x="2987824" y="3501008"/>
-            <a:ext cx="892229" cy="261610"/>
-          </a:xfrm>
-          <a:prstGeom prst="rect">
-            <a:avLst/>
-          </a:prstGeom>
-          <a:noFill/>
-        </p:spPr>
-        <p:txBody>
-          <a:bodyPr wrap="none" rtlCol="0">
-            <a:spAutoFit/>
-          </a:bodyPr>
-          <a:lstStyle/>
-          <a:p>
-            <a:r>
-              <a:rPr lang="en-US" sz="1100" i="1" dirty="0"/>
-              <a:t>port at 0.75</a:t>
-            </a:r>
-          </a:p>
-        </p:txBody>
-      </p:sp>
-      <p:cxnSp>
-        <p:nvCxnSpPr>
-          <p:cNvPr id="23" name="Connecteur droit 22"/>
-          <p:cNvCxnSpPr/>
-          <p:nvPr/>
-        </p:nvCxnSpPr>
-        <p:spPr>
-          <a:xfrm flipV="1">
-            <a:off x="3779912" y="3412067"/>
-            <a:ext cx="157088" cy="160949"/>
-          </a:xfrm>
-          <a:prstGeom prst="line">
-            <a:avLst/>
-          </a:prstGeom>
-          <a:ln w="6350" cmpd="sng">
-            <a:solidFill>
-              <a:schemeClr val="tx1"/>
-            </a:solidFill>
-            <a:headEnd type="none"/>
-            <a:tailEnd type="none"/>
-          </a:ln>
-          <a:effectLst/>
-        </p:spPr>
-        <p:style>
-          <a:lnRef idx="2">
-            <a:schemeClr val="accent1"/>
-          </a:lnRef>
-          <a:fillRef idx="0">
-            <a:schemeClr val="accent1"/>
-          </a:fillRef>
-          <a:effectRef idx="1">
-            <a:schemeClr val="accent1"/>
-          </a:effectRef>
-          <a:fontRef idx="minor">
-            <a:schemeClr val="tx1"/>
-          </a:fontRef>
-        </p:style>
-      </p:cxnSp>
-      <p:cxnSp>
-        <p:nvCxnSpPr>
-          <p:cNvPr id="24" name="Connecteur droit 23"/>
-          <p:cNvCxnSpPr/>
-          <p:nvPr/>
-        </p:nvCxnSpPr>
-        <p:spPr>
-          <a:xfrm flipH="1" flipV="1">
-            <a:off x="4716016" y="3429000"/>
-            <a:ext cx="157088" cy="160949"/>
-          </a:xfrm>
-          <a:prstGeom prst="line">
-            <a:avLst/>
-          </a:prstGeom>
-          <a:ln w="6350" cmpd="sng">
-            <a:solidFill>
-              <a:schemeClr val="tx1"/>
-            </a:solidFill>
-            <a:headEnd type="none"/>
-            <a:tailEnd type="none"/>
-          </a:ln>
-          <a:effectLst/>
-        </p:spPr>
-        <p:style>
-          <a:lnRef idx="2">
-            <a:schemeClr val="accent1"/>
-          </a:lnRef>
-          <a:fillRef idx="0">
-            <a:schemeClr val="accent1"/>
-          </a:fillRef>
-          <a:effectRef idx="1">
-            <a:schemeClr val="accent1"/>
-          </a:effectRef>
-          <a:fontRef idx="minor">
-            <a:schemeClr val="tx1"/>
-          </a:fontRef>
-        </p:style>
-      </p:cxnSp>
-    </p:spTree>
-    <p:extLst>
-      <p:ext uri="{BB962C8B-B14F-4D97-AF65-F5344CB8AC3E}">
-        <p14:creationId xmlns:p14="http://schemas.microsoft.com/office/powerpoint/2010/main" val="210954396"/>
-      </p:ext>
-    </p:extLst>
-  </p:cSld>
-  <p:clrMapOvr>
-    <a:masterClrMapping/>
-  </p:clrMapOvr>
-</p:sld>
-</file>
-
-<file path=ppt/slides/slide4.xml><?xml version="1.0" encoding="utf-8"?>
-<p:sld xmlns:a="http://schemas.openxmlformats.org/drawingml/2006/main" xmlns:r="http://schemas.openxmlformats.org/officeDocument/2006/relationships" xmlns:p="http://schemas.openxmlformats.org/presentationml/2006/main">
-  <p:cSld>
-    <p:spTree>
-      <p:nvGrpSpPr>
-        <p:cNvPr id="1" name=""/>
-        <p:cNvGrpSpPr/>
-        <p:nvPr/>
-      </p:nvGrpSpPr>
-      <p:grpSpPr>
-        <a:xfrm>
-          <a:off x="0" y="0"/>
-          <a:ext cx="0" cy="0"/>
-          <a:chOff x="0" y="0"/>
-          <a:chExt cx="0" cy="0"/>
-        </a:xfrm>
-      </p:grpSpPr>
-      <p:grpSp>
-        <p:nvGrpSpPr>
-          <p:cNvPr id="2" name="Grouper 1"/>
-          <p:cNvGrpSpPr/>
-          <p:nvPr/>
-        </p:nvGrpSpPr>
-        <p:grpSpPr>
-          <a:xfrm>
-            <a:off x="4499992" y="3356992"/>
-            <a:ext cx="144016" cy="144016"/>
-            <a:chOff x="6156176" y="476672"/>
-            <a:chExt cx="360040" cy="360040"/>
-          </a:xfrm>
-          <a:solidFill>
-            <a:srgbClr val="4F81BD"/>
-          </a:solidFill>
-          <a:effectLst/>
-        </p:grpSpPr>
-        <p:sp>
-          <p:nvSpPr>
-            <p:cNvPr id="3" name="Ellipse 2"/>
-            <p:cNvSpPr/>
-            <p:nvPr/>
-          </p:nvSpPr>
-          <p:spPr>
-            <a:xfrm>
-              <a:off x="6264188" y="476672"/>
-              <a:ext cx="144016" cy="144016"/>
-            </a:xfrm>
-            <a:prstGeom prst="ellipse">
-              <a:avLst/>
-            </a:prstGeom>
-            <a:grpFill/>
-            <a:effectLst/>
-          </p:spPr>
-          <p:style>
-            <a:lnRef idx="1">
-              <a:schemeClr val="accent1"/>
-            </a:lnRef>
-            <a:fillRef idx="3">
-              <a:schemeClr val="accent1"/>
-            </a:fillRef>
-            <a:effectRef idx="2">
-              <a:schemeClr val="accent1"/>
-            </a:effectRef>
-            <a:fontRef idx="minor">
-              <a:schemeClr val="lt1"/>
-            </a:fontRef>
-          </p:style>
-          <p:txBody>
-            <a:bodyPr rtlCol="0" anchor="ctr"/>
-            <a:lstStyle/>
-            <a:p>
-              <a:pPr algn="ctr"/>
-              <a:endParaRPr lang="en-US"/>
-            </a:p>
-          </p:txBody>
-        </p:sp>
-        <p:sp>
-          <p:nvSpPr>
-            <p:cNvPr id="4" name="Ellipse 3"/>
-            <p:cNvSpPr/>
-            <p:nvPr/>
-          </p:nvSpPr>
-          <p:spPr>
-            <a:xfrm>
-              <a:off x="6372200" y="692696"/>
-              <a:ext cx="144016" cy="144016"/>
-            </a:xfrm>
-            <a:prstGeom prst="ellipse">
-              <a:avLst/>
-            </a:prstGeom>
-            <a:grpFill/>
-            <a:effectLst/>
-          </p:spPr>
-          <p:style>
-            <a:lnRef idx="1">
-              <a:schemeClr val="accent1"/>
-            </a:lnRef>
-            <a:fillRef idx="3">
-              <a:schemeClr val="accent1"/>
-            </a:fillRef>
-            <a:effectRef idx="2">
-              <a:schemeClr val="accent1"/>
-            </a:effectRef>
-            <a:fontRef idx="minor">
-              <a:schemeClr val="lt1"/>
-            </a:fontRef>
-          </p:style>
-          <p:txBody>
-            <a:bodyPr rtlCol="0" anchor="ctr"/>
-            <a:lstStyle/>
-            <a:p>
-              <a:pPr algn="ctr"/>
-              <a:endParaRPr lang="en-US"/>
-            </a:p>
-          </p:txBody>
-        </p:sp>
-        <p:sp>
-          <p:nvSpPr>
-            <p:cNvPr id="5" name="Ellipse 4"/>
-            <p:cNvSpPr/>
-            <p:nvPr/>
-          </p:nvSpPr>
-          <p:spPr>
-            <a:xfrm>
-              <a:off x="6156176" y="692696"/>
-              <a:ext cx="144016" cy="144016"/>
-            </a:xfrm>
-            <a:prstGeom prst="ellipse">
-              <a:avLst/>
-            </a:prstGeom>
-            <a:grpFill/>
-            <a:effectLst/>
-          </p:spPr>
-          <p:style>
-            <a:lnRef idx="1">
-              <a:schemeClr val="accent1"/>
-            </a:lnRef>
-            <a:fillRef idx="3">
-              <a:schemeClr val="accent1"/>
-            </a:fillRef>
-            <a:effectRef idx="2">
-              <a:schemeClr val="accent1"/>
-            </a:effectRef>
-            <a:fontRef idx="minor">
-              <a:schemeClr val="lt1"/>
-            </a:fontRef>
-          </p:style>
-          <p:txBody>
-            <a:bodyPr rtlCol="0" anchor="ctr"/>
-            <a:lstStyle/>
-            <a:p>
-              <a:pPr algn="ctr"/>
-              <a:endParaRPr lang="en-US"/>
-            </a:p>
-          </p:txBody>
-        </p:sp>
-      </p:grpSp>
-    </p:spTree>
-    <p:extLst>
-      <p:ext uri="{BB962C8B-B14F-4D97-AF65-F5344CB8AC3E}">
-        <p14:creationId xmlns:p14="http://schemas.microsoft.com/office/powerpoint/2010/main" val="73623118"/>
-      </p:ext>
-    </p:extLst>
-  </p:cSld>
-  <p:clrMapOvr>
-    <a:masterClrMapping/>
-  </p:clrMapOvr>
-</p:sld>
-</file>
-
-<file path=ppt/slides/slide5.xml><?xml version="1.0" encoding="utf-8"?>
-<p:sld xmlns:a="http://schemas.openxmlformats.org/drawingml/2006/main" xmlns:r="http://schemas.openxmlformats.org/officeDocument/2006/relationships" xmlns:p="http://schemas.openxmlformats.org/presentationml/2006/main">
-  <p:cSld>
-    <p:spTree>
-      <p:nvGrpSpPr>
-        <p:cNvPr id="1" name=""/>
-        <p:cNvGrpSpPr/>
-        <p:nvPr/>
-      </p:nvGrpSpPr>
-      <p:grpSpPr>
-        <a:xfrm>
-          <a:off x="0" y="0"/>
-          <a:ext cx="0" cy="0"/>
-          <a:chOff x="0" y="0"/>
-          <a:chExt cx="0" cy="0"/>
-        </a:xfrm>
-      </p:grpSpPr>
-      <p:grpSp>
-        <p:nvGrpSpPr>
-          <p:cNvPr id="2" name="Grouper 1"/>
-          <p:cNvGrpSpPr/>
-          <p:nvPr/>
-        </p:nvGrpSpPr>
-        <p:grpSpPr>
-          <a:xfrm>
-            <a:off x="4478389" y="3392996"/>
-            <a:ext cx="187222" cy="72008"/>
-            <a:chOff x="4816826" y="1700809"/>
-            <a:chExt cx="187222" cy="72008"/>
-          </a:xfrm>
-          <a:solidFill>
-            <a:srgbClr val="4F81BD"/>
-          </a:solidFill>
-          <a:effectLst/>
-        </p:grpSpPr>
-        <p:grpSp>
-          <p:nvGrpSpPr>
-            <p:cNvPr id="3" name="Grouper 2"/>
-            <p:cNvGrpSpPr>
-              <a:grpSpLocks noChangeAspect="1"/>
-            </p:cNvGrpSpPr>
-            <p:nvPr/>
-          </p:nvGrpSpPr>
-          <p:grpSpPr>
-            <a:xfrm>
-              <a:off x="4816826" y="1700809"/>
-              <a:ext cx="187222" cy="72008"/>
-              <a:chOff x="7596336" y="692696"/>
-              <a:chExt cx="936104" cy="360040"/>
-            </a:xfrm>
-            <a:grpFill/>
-          </p:grpSpPr>
-          <p:sp>
-            <p:nvSpPr>
-              <p:cNvPr id="5" name="Rectangle 4"/>
-              <p:cNvSpPr/>
-              <p:nvPr/>
-            </p:nvSpPr>
-            <p:spPr>
-              <a:xfrm>
-                <a:off x="7596336" y="692696"/>
-                <a:ext cx="360040" cy="360040"/>
-              </a:xfrm>
-              <a:prstGeom prst="rect">
-                <a:avLst/>
-              </a:prstGeom>
-              <a:grpFill/>
-              <a:effectLst/>
-            </p:spPr>
-            <p:style>
-              <a:lnRef idx="1">
-                <a:schemeClr val="accent1"/>
-              </a:lnRef>
-              <a:fillRef idx="3">
-                <a:schemeClr val="accent1"/>
-              </a:fillRef>
-              <a:effectRef idx="2">
-                <a:schemeClr val="accent1"/>
-              </a:effectRef>
-              <a:fontRef idx="minor">
-                <a:schemeClr val="lt1"/>
-              </a:fontRef>
-            </p:style>
-            <p:txBody>
-              <a:bodyPr rtlCol="0" anchor="ctr"/>
-              <a:lstStyle/>
-              <a:p>
-                <a:pPr algn="ctr"/>
-                <a:endParaRPr lang="en-US"/>
-              </a:p>
-            </p:txBody>
-          </p:sp>
-          <p:sp>
-            <p:nvSpPr>
-              <p:cNvPr id="6" name="Rectangle 5"/>
-              <p:cNvSpPr/>
-              <p:nvPr/>
-            </p:nvSpPr>
-            <p:spPr>
-              <a:xfrm>
-                <a:off x="8172400" y="692696"/>
-                <a:ext cx="360040" cy="360040"/>
-              </a:xfrm>
-              <a:prstGeom prst="rect">
-                <a:avLst/>
-              </a:prstGeom>
-              <a:grpFill/>
-              <a:effectLst/>
-            </p:spPr>
-            <p:style>
-              <a:lnRef idx="1">
-                <a:schemeClr val="accent1"/>
-              </a:lnRef>
-              <a:fillRef idx="3">
-                <a:schemeClr val="accent1"/>
-              </a:fillRef>
-              <a:effectRef idx="2">
-                <a:schemeClr val="accent1"/>
-              </a:effectRef>
-              <a:fontRef idx="minor">
-                <a:schemeClr val="lt1"/>
-              </a:fontRef>
-            </p:style>
-            <p:txBody>
-              <a:bodyPr rtlCol="0" anchor="ctr"/>
-              <a:lstStyle/>
-              <a:p>
-                <a:pPr algn="ctr"/>
-                <a:endParaRPr lang="en-US"/>
-              </a:p>
-            </p:txBody>
-          </p:sp>
-        </p:grpSp>
-        <p:cxnSp>
-          <p:nvCxnSpPr>
-            <p:cNvPr id="4" name="Connecteur droit 3"/>
-            <p:cNvCxnSpPr>
-              <a:stCxn id="5" idx="3"/>
-              <a:endCxn id="6" idx="1"/>
-            </p:cNvCxnSpPr>
-            <p:nvPr/>
-          </p:nvCxnSpPr>
-          <p:spPr>
-            <a:xfrm>
-              <a:off x="4888834" y="1736813"/>
-              <a:ext cx="43206" cy="0"/>
-            </a:xfrm>
-            <a:prstGeom prst="line">
-              <a:avLst/>
-            </a:prstGeom>
-            <a:grpFill/>
-            <a:effectLst/>
-          </p:spPr>
-          <p:style>
-            <a:lnRef idx="2">
-              <a:schemeClr val="accent1"/>
-            </a:lnRef>
-            <a:fillRef idx="0">
-              <a:schemeClr val="accent1"/>
-            </a:fillRef>
-            <a:effectRef idx="1">
-              <a:schemeClr val="accent1"/>
-            </a:effectRef>
-            <a:fontRef idx="minor">
-              <a:schemeClr val="tx1"/>
-            </a:fontRef>
-          </p:style>
-        </p:cxnSp>
-      </p:grpSp>
-    </p:spTree>
-    <p:extLst>
-      <p:ext uri="{BB962C8B-B14F-4D97-AF65-F5344CB8AC3E}">
-        <p14:creationId xmlns:p14="http://schemas.microsoft.com/office/powerpoint/2010/main" val="69699750"/>
-      </p:ext>
-    </p:extLst>
-  </p:cSld>
-  <p:clrMapOvr>
-    <a:masterClrMapping/>
-  </p:clrMapOvr>
-</p:sld>
-</file>
-
-<file path=ppt/slides/slide6.xml><?xml version="1.0" encoding="utf-8"?>
-<p:sld xmlns:a="http://schemas.openxmlformats.org/drawingml/2006/main" xmlns:r="http://schemas.openxmlformats.org/officeDocument/2006/relationships" xmlns:p="http://schemas.openxmlformats.org/presentationml/2006/main">
-  <p:cSld>
-    <p:spTree>
-      <p:nvGrpSpPr>
-        <p:cNvPr id="1" name=""/>
-        <p:cNvGrpSpPr/>
-        <p:nvPr/>
-      </p:nvGrpSpPr>
-      <p:grpSpPr>
-        <a:xfrm>
-          <a:off x="0" y="0"/>
-          <a:ext cx="0" cy="0"/>
-          <a:chOff x="0" y="0"/>
-          <a:chExt cx="0" cy="0"/>
-        </a:xfrm>
-      </p:grpSpPr>
-      <p:sp>
-        <p:nvSpPr>
-          <p:cNvPr id="2" name="Ellipse 1"/>
-          <p:cNvSpPr/>
-          <p:nvPr/>
-        </p:nvSpPr>
-        <p:spPr>
-          <a:xfrm>
-            <a:off x="4499992" y="3356992"/>
-            <a:ext cx="144016" cy="144016"/>
-          </a:xfrm>
-          <a:prstGeom prst="ellipse">
-            <a:avLst/>
-          </a:prstGeom>
-          <a:noFill/>
-          <a:ln w="38100" cmpd="sng"/>
-          <a:effectLst/>
-        </p:spPr>
-        <p:style>
-          <a:lnRef idx="1">
-            <a:schemeClr val="accent1"/>
-          </a:lnRef>
-          <a:fillRef idx="3">
-            <a:schemeClr val="accent1"/>
-          </a:fillRef>
-          <a:effectRef idx="2">
-            <a:schemeClr val="accent1"/>
-          </a:effectRef>
-          <a:fontRef idx="minor">
-            <a:schemeClr val="lt1"/>
-          </a:fontRef>
-        </p:style>
-        <p:txBody>
-          <a:bodyPr rtlCol="0" anchor="ctr"/>
-          <a:lstStyle/>
-          <a:p>
-            <a:pPr algn="ctr"/>
-            <a:endParaRPr lang="en-US"/>
-          </a:p>
-        </p:txBody>
-      </p:sp>
-    </p:spTree>
-    <p:extLst>
-      <p:ext uri="{BB962C8B-B14F-4D97-AF65-F5344CB8AC3E}">
-        <p14:creationId xmlns:p14="http://schemas.microsoft.com/office/powerpoint/2010/main" val="1729991409"/>
-      </p:ext>
-    </p:extLst>
-  </p:cSld>
-  <p:clrMapOvr>
-    <a:masterClrMapping/>
-  </p:clrMapOvr>
-</p:sld>
-</file>
-
-<file path=ppt/slides/slide7.xml><?xml version="1.0" encoding="utf-8"?>
-<p:sld xmlns:a="http://schemas.openxmlformats.org/drawingml/2006/main" xmlns:r="http://schemas.openxmlformats.org/officeDocument/2006/relationships" xmlns:p="http://schemas.openxmlformats.org/presentationml/2006/main">
-  <p:cSld>
-    <p:spTree>
-      <p:nvGrpSpPr>
-        <p:cNvPr id="1" name=""/>
-        <p:cNvGrpSpPr/>
-        <p:nvPr/>
-      </p:nvGrpSpPr>
-      <p:grpSpPr>
-        <a:xfrm>
-          <a:off x="0" y="0"/>
-          <a:ext cx="0" cy="0"/>
-          <a:chOff x="0" y="0"/>
-          <a:chExt cx="0" cy="0"/>
-        </a:xfrm>
-      </p:grpSpPr>
-      <p:grpSp>
-        <p:nvGrpSpPr>
-          <p:cNvPr id="131" name="Grouper 130"/>
-          <p:cNvGrpSpPr/>
-          <p:nvPr/>
-        </p:nvGrpSpPr>
-        <p:grpSpPr>
-          <a:xfrm>
-            <a:off x="3707904" y="2312876"/>
-            <a:ext cx="648072" cy="1080120"/>
-            <a:chOff x="3707904" y="2348880"/>
-            <a:chExt cx="648072" cy="1080120"/>
-          </a:xfrm>
-        </p:grpSpPr>
-        <p:sp>
-          <p:nvSpPr>
-            <p:cNvPr id="18" name="Ellipse 17"/>
-            <p:cNvSpPr/>
-            <p:nvPr/>
-          </p:nvSpPr>
-          <p:spPr>
-            <a:xfrm>
-              <a:off x="3707904" y="2780928"/>
-              <a:ext cx="216024" cy="216024"/>
-            </a:xfrm>
-            <a:prstGeom prst="ellipse">
-              <a:avLst/>
-            </a:prstGeom>
-            <a:solidFill>
-              <a:schemeClr val="tx1">
-                <a:lumMod val="50000"/>
-                <a:lumOff val="50000"/>
-              </a:schemeClr>
-            </a:solidFill>
-            <a:ln w="9525" cmpd="sng">
-              <a:solidFill>
-                <a:schemeClr val="tx1"/>
-              </a:solidFill>
-              <a:prstDash val="solid"/>
-            </a:ln>
-            <a:effectLst/>
-          </p:spPr>
-          <p:style>
-            <a:lnRef idx="1">
-              <a:schemeClr val="accent1"/>
-            </a:lnRef>
-            <a:fillRef idx="3">
-              <a:schemeClr val="accent1"/>
-            </a:fillRef>
-            <a:effectRef idx="2">
-              <a:schemeClr val="accent1"/>
-            </a:effectRef>
-            <a:fontRef idx="minor">
-              <a:schemeClr val="lt1"/>
-            </a:fontRef>
-          </p:style>
-          <p:txBody>
-            <a:bodyPr rtlCol="0" anchor="ctr"/>
-            <a:lstStyle/>
-            <a:p>
-              <a:pPr algn="ctr"/>
-              <a:endParaRPr lang="en-US" sz="1500">
-                <a:solidFill>
-                  <a:schemeClr val="tx1"/>
-                </a:solidFill>
-              </a:endParaRPr>
-            </a:p>
-          </p:txBody>
-        </p:sp>
-        <p:sp>
-          <p:nvSpPr>
-            <p:cNvPr id="19" name="Ellipse 18"/>
-            <p:cNvSpPr/>
-            <p:nvPr/>
-          </p:nvSpPr>
-          <p:spPr>
-            <a:xfrm>
-              <a:off x="3995936" y="2348880"/>
-              <a:ext cx="216024" cy="216024"/>
-            </a:xfrm>
-            <a:prstGeom prst="ellipse">
-              <a:avLst/>
-            </a:prstGeom>
-            <a:solidFill>
-              <a:schemeClr val="tx1">
-                <a:lumMod val="50000"/>
-                <a:lumOff val="50000"/>
-              </a:schemeClr>
-            </a:solidFill>
-            <a:ln w="9525" cmpd="sng">
-              <a:solidFill>
-                <a:schemeClr val="tx1"/>
-              </a:solidFill>
-              <a:prstDash val="solid"/>
-            </a:ln>
-            <a:effectLst/>
-          </p:spPr>
-          <p:style>
-            <a:lnRef idx="1">
-              <a:schemeClr val="accent1"/>
-            </a:lnRef>
-            <a:fillRef idx="3">
-              <a:schemeClr val="accent1"/>
-            </a:fillRef>
-            <a:effectRef idx="2">
-              <a:schemeClr val="accent1"/>
-            </a:effectRef>
-            <a:fontRef idx="minor">
-              <a:schemeClr val="lt1"/>
-            </a:fontRef>
-          </p:style>
-          <p:txBody>
-            <a:bodyPr rtlCol="0" anchor="ctr"/>
-            <a:lstStyle/>
-            <a:p>
-              <a:pPr algn="ctr"/>
-              <a:endParaRPr lang="en-US" sz="1500">
-                <a:solidFill>
-                  <a:schemeClr val="tx1"/>
-                </a:solidFill>
-              </a:endParaRPr>
-            </a:p>
-          </p:txBody>
-        </p:sp>
-        <p:sp>
-          <p:nvSpPr>
-            <p:cNvPr id="20" name="Ellipse 19"/>
-            <p:cNvSpPr/>
-            <p:nvPr/>
-          </p:nvSpPr>
-          <p:spPr>
-            <a:xfrm>
-              <a:off x="4139952" y="2636912"/>
-              <a:ext cx="216024" cy="216024"/>
-            </a:xfrm>
-            <a:prstGeom prst="ellipse">
-              <a:avLst/>
-            </a:prstGeom>
-            <a:solidFill>
-              <a:schemeClr val="tx1">
-                <a:lumMod val="50000"/>
-                <a:lumOff val="50000"/>
-              </a:schemeClr>
-            </a:solidFill>
-            <a:ln w="9525" cmpd="sng">
-              <a:solidFill>
-                <a:schemeClr val="tx1"/>
-              </a:solidFill>
-              <a:prstDash val="solid"/>
-            </a:ln>
-            <a:effectLst/>
-          </p:spPr>
-          <p:style>
-            <a:lnRef idx="1">
-              <a:schemeClr val="accent1"/>
-            </a:lnRef>
-            <a:fillRef idx="3">
-              <a:schemeClr val="accent1"/>
-            </a:fillRef>
-            <a:effectRef idx="2">
-              <a:schemeClr val="accent1"/>
-            </a:effectRef>
-            <a:fontRef idx="minor">
-              <a:schemeClr val="lt1"/>
-            </a:fontRef>
-          </p:style>
-          <p:txBody>
-            <a:bodyPr rtlCol="0" anchor="ctr"/>
-            <a:lstStyle/>
-            <a:p>
-              <a:pPr algn="ctr"/>
-              <a:endParaRPr lang="en-US" sz="1500">
-                <a:solidFill>
-                  <a:schemeClr val="tx1"/>
-                </a:solidFill>
-              </a:endParaRPr>
-            </a:p>
-          </p:txBody>
-        </p:sp>
-        <p:sp>
-          <p:nvSpPr>
-            <p:cNvPr id="21" name="Ellipse 20"/>
-            <p:cNvSpPr/>
-            <p:nvPr/>
-          </p:nvSpPr>
-          <p:spPr>
-            <a:xfrm>
-              <a:off x="4139952" y="2924944"/>
-              <a:ext cx="216024" cy="216024"/>
-            </a:xfrm>
-            <a:prstGeom prst="ellipse">
-              <a:avLst/>
-            </a:prstGeom>
-            <a:solidFill>
-              <a:schemeClr val="tx1">
-                <a:lumMod val="50000"/>
-                <a:lumOff val="50000"/>
-              </a:schemeClr>
-            </a:solidFill>
-            <a:ln w="9525" cmpd="sng">
-              <a:solidFill>
-                <a:schemeClr val="tx1"/>
-              </a:solidFill>
-              <a:prstDash val="solid"/>
-            </a:ln>
-            <a:effectLst/>
-          </p:spPr>
-          <p:style>
-            <a:lnRef idx="1">
-              <a:schemeClr val="accent1"/>
-            </a:lnRef>
-            <a:fillRef idx="3">
-              <a:schemeClr val="accent1"/>
-            </a:fillRef>
-            <a:effectRef idx="2">
-              <a:schemeClr val="accent1"/>
-            </a:effectRef>
-            <a:fontRef idx="minor">
-              <a:schemeClr val="lt1"/>
-            </a:fontRef>
-          </p:style>
-          <p:txBody>
-            <a:bodyPr rtlCol="0" anchor="ctr"/>
-            <a:lstStyle/>
-            <a:p>
-              <a:pPr algn="ctr"/>
-              <a:endParaRPr lang="en-US" sz="1500">
-                <a:solidFill>
-                  <a:schemeClr val="tx1"/>
-                </a:solidFill>
-              </a:endParaRPr>
-            </a:p>
-          </p:txBody>
-        </p:sp>
-        <p:sp>
-          <p:nvSpPr>
-            <p:cNvPr id="22" name="Ellipse 21"/>
-            <p:cNvSpPr/>
-            <p:nvPr/>
-          </p:nvSpPr>
-          <p:spPr>
-            <a:xfrm>
-              <a:off x="3995936" y="3212976"/>
-              <a:ext cx="216024" cy="216024"/>
-            </a:xfrm>
-            <a:prstGeom prst="ellipse">
-              <a:avLst/>
-            </a:prstGeom>
-            <a:solidFill>
-              <a:schemeClr val="tx1">
-                <a:lumMod val="50000"/>
-                <a:lumOff val="50000"/>
-              </a:schemeClr>
-            </a:solidFill>
-            <a:ln w="9525" cmpd="sng">
-              <a:solidFill>
-                <a:schemeClr val="tx1"/>
-              </a:solidFill>
-              <a:prstDash val="solid"/>
-            </a:ln>
-            <a:effectLst/>
-          </p:spPr>
-          <p:style>
-            <a:lnRef idx="1">
-              <a:schemeClr val="accent1"/>
-            </a:lnRef>
-            <a:fillRef idx="3">
-              <a:schemeClr val="accent1"/>
-            </a:fillRef>
-            <a:effectRef idx="2">
-              <a:schemeClr val="accent1"/>
-            </a:effectRef>
-            <a:fontRef idx="minor">
-              <a:schemeClr val="lt1"/>
-            </a:fontRef>
-          </p:style>
-          <p:txBody>
-            <a:bodyPr rtlCol="0" anchor="ctr"/>
-            <a:lstStyle/>
-            <a:p>
-              <a:pPr algn="ctr"/>
-              <a:endParaRPr lang="en-US" sz="1500">
-                <a:solidFill>
-                  <a:schemeClr val="tx1"/>
-                </a:solidFill>
-              </a:endParaRPr>
-            </a:p>
-          </p:txBody>
-        </p:sp>
-        <p:cxnSp>
-          <p:nvCxnSpPr>
-            <p:cNvPr id="23" name="Connecteur droit 33"/>
-            <p:cNvCxnSpPr>
-              <a:stCxn id="19" idx="3"/>
-              <a:endCxn id="18" idx="6"/>
-            </p:cNvCxnSpPr>
-            <p:nvPr/>
-          </p:nvCxnSpPr>
-          <p:spPr>
-            <a:xfrm flipH="1">
-              <a:off x="3923928" y="2533268"/>
-              <a:ext cx="103644" cy="355672"/>
-            </a:xfrm>
-            <a:prstGeom prst="straightConnector1">
-              <a:avLst/>
-            </a:prstGeom>
-            <a:solidFill>
-              <a:schemeClr val="bg1"/>
-            </a:solidFill>
-            <a:ln w="9525" cmpd="sng">
-              <a:solidFill>
-                <a:schemeClr val="tx1"/>
-              </a:solidFill>
-              <a:prstDash val="solid"/>
-            </a:ln>
-            <a:effectLst/>
-          </p:spPr>
-          <p:style>
-            <a:lnRef idx="1">
-              <a:schemeClr val="accent1"/>
-            </a:lnRef>
-            <a:fillRef idx="3">
-              <a:schemeClr val="accent1"/>
-            </a:fillRef>
-            <a:effectRef idx="2">
-              <a:schemeClr val="accent1"/>
-            </a:effectRef>
-            <a:fontRef idx="minor">
-              <a:schemeClr val="lt1"/>
-            </a:fontRef>
-          </p:style>
-        </p:cxnSp>
-        <p:cxnSp>
-          <p:nvCxnSpPr>
-            <p:cNvPr id="27" name="Connecteur droit 33"/>
-            <p:cNvCxnSpPr>
-              <a:stCxn id="20" idx="2"/>
-              <a:endCxn id="18" idx="6"/>
-            </p:cNvCxnSpPr>
-            <p:nvPr/>
-          </p:nvCxnSpPr>
-          <p:spPr>
-            <a:xfrm flipH="1">
-              <a:off x="3923928" y="2744924"/>
-              <a:ext cx="216024" cy="144016"/>
-            </a:xfrm>
-            <a:prstGeom prst="straightConnector1">
-              <a:avLst/>
-            </a:prstGeom>
-            <a:solidFill>
-              <a:schemeClr val="bg1"/>
-            </a:solidFill>
-            <a:ln w="9525" cmpd="sng">
-              <a:solidFill>
-                <a:schemeClr val="tx1"/>
-              </a:solidFill>
-              <a:prstDash val="solid"/>
-            </a:ln>
-            <a:effectLst/>
-          </p:spPr>
-          <p:style>
-            <a:lnRef idx="1">
-              <a:schemeClr val="accent1"/>
-            </a:lnRef>
-            <a:fillRef idx="3">
-              <a:schemeClr val="accent1"/>
-            </a:fillRef>
-            <a:effectRef idx="2">
-              <a:schemeClr val="accent1"/>
-            </a:effectRef>
-            <a:fontRef idx="minor">
-              <a:schemeClr val="lt1"/>
-            </a:fontRef>
-          </p:style>
-        </p:cxnSp>
-        <p:cxnSp>
-          <p:nvCxnSpPr>
-            <p:cNvPr id="30" name="Connecteur droit 33"/>
-            <p:cNvCxnSpPr>
-              <a:stCxn id="21" idx="2"/>
-              <a:endCxn id="18" idx="6"/>
-            </p:cNvCxnSpPr>
-            <p:nvPr/>
-          </p:nvCxnSpPr>
-          <p:spPr>
-            <a:xfrm flipH="1" flipV="1">
-              <a:off x="3923928" y="2888940"/>
-              <a:ext cx="216024" cy="144016"/>
-            </a:xfrm>
-            <a:prstGeom prst="straightConnector1">
-              <a:avLst/>
-            </a:prstGeom>
-            <a:solidFill>
-              <a:schemeClr val="bg1"/>
-            </a:solidFill>
-            <a:ln w="9525" cmpd="sng">
-              <a:solidFill>
-                <a:schemeClr val="tx1"/>
-              </a:solidFill>
-              <a:prstDash val="solid"/>
-            </a:ln>
-            <a:effectLst/>
-          </p:spPr>
-          <p:style>
-            <a:lnRef idx="1">
-              <a:schemeClr val="accent1"/>
-            </a:lnRef>
-            <a:fillRef idx="3">
-              <a:schemeClr val="accent1"/>
-            </a:fillRef>
-            <a:effectRef idx="2">
-              <a:schemeClr val="accent1"/>
-            </a:effectRef>
-            <a:fontRef idx="minor">
-              <a:schemeClr val="lt1"/>
-            </a:fontRef>
-          </p:style>
-        </p:cxnSp>
-        <p:cxnSp>
-          <p:nvCxnSpPr>
-            <p:cNvPr id="35" name="Connecteur droit 33"/>
-            <p:cNvCxnSpPr>
-              <a:stCxn id="22" idx="1"/>
-              <a:endCxn id="18" idx="6"/>
-            </p:cNvCxnSpPr>
-            <p:nvPr/>
-          </p:nvCxnSpPr>
-          <p:spPr>
-            <a:xfrm flipH="1" flipV="1">
-              <a:off x="3923928" y="2888940"/>
-              <a:ext cx="103644" cy="355672"/>
-            </a:xfrm>
-            <a:prstGeom prst="straightConnector1">
-              <a:avLst/>
-            </a:prstGeom>
-            <a:solidFill>
-              <a:schemeClr val="bg1"/>
-            </a:solidFill>
-            <a:ln w="9525" cmpd="sng">
-              <a:solidFill>
-                <a:schemeClr val="tx1"/>
-              </a:solidFill>
-              <a:prstDash val="solid"/>
-            </a:ln>
-            <a:effectLst/>
-          </p:spPr>
-          <p:style>
-            <a:lnRef idx="1">
-              <a:schemeClr val="accent1"/>
-            </a:lnRef>
-            <a:fillRef idx="3">
-              <a:schemeClr val="accent1"/>
-            </a:fillRef>
-            <a:effectRef idx="2">
-              <a:schemeClr val="accent1"/>
-            </a:effectRef>
-            <a:fontRef idx="minor">
-              <a:schemeClr val="lt1"/>
-            </a:fontRef>
-          </p:style>
-        </p:cxnSp>
-        <p:sp>
-          <p:nvSpPr>
-            <p:cNvPr id="39" name="Rectangle 38"/>
-            <p:cNvSpPr/>
-            <p:nvPr/>
-          </p:nvSpPr>
-          <p:spPr>
-            <a:xfrm rot="5400000">
-              <a:off x="3898748" y="2865036"/>
-              <a:ext cx="46805" cy="48005"/>
-            </a:xfrm>
-            <a:prstGeom prst="rect">
-              <a:avLst/>
-            </a:prstGeom>
-            <a:solidFill>
-              <a:srgbClr val="3366FF"/>
-            </a:solidFill>
-            <a:ln>
-              <a:solidFill>
-                <a:srgbClr val="3366FF"/>
-              </a:solidFill>
-            </a:ln>
-            <a:effectLst/>
-          </p:spPr>
-          <p:style>
-            <a:lnRef idx="1">
-              <a:schemeClr val="accent1"/>
-            </a:lnRef>
-            <a:fillRef idx="3">
-              <a:schemeClr val="accent1"/>
-            </a:fillRef>
-            <a:effectRef idx="2">
-              <a:schemeClr val="accent1"/>
-            </a:effectRef>
-            <a:fontRef idx="minor">
-              <a:schemeClr val="lt1"/>
-            </a:fontRef>
-          </p:style>
-          <p:txBody>
-            <a:bodyPr rtlCol="0" anchor="ctr"/>
-            <a:lstStyle/>
-            <a:p>
-              <a:pPr algn="ctr"/>
-              <a:endParaRPr lang="en-US"/>
-            </a:p>
-          </p:txBody>
-        </p:sp>
-        <p:sp>
-          <p:nvSpPr>
-            <p:cNvPr id="40" name="Rectangle 39"/>
-            <p:cNvSpPr/>
-            <p:nvPr/>
-          </p:nvSpPr>
-          <p:spPr>
-            <a:xfrm rot="5400000">
-              <a:off x="3996536" y="3212376"/>
-              <a:ext cx="46805" cy="48005"/>
-            </a:xfrm>
-            <a:prstGeom prst="rect">
-              <a:avLst/>
-            </a:prstGeom>
-            <a:solidFill>
-              <a:srgbClr val="3366FF"/>
-            </a:solidFill>
-            <a:ln>
-              <a:solidFill>
-                <a:srgbClr val="3366FF"/>
-              </a:solidFill>
-            </a:ln>
-            <a:effectLst/>
-          </p:spPr>
-          <p:style>
-            <a:lnRef idx="1">
-              <a:schemeClr val="accent1"/>
-            </a:lnRef>
-            <a:fillRef idx="3">
-              <a:schemeClr val="accent1"/>
-            </a:fillRef>
-            <a:effectRef idx="2">
-              <a:schemeClr val="accent1"/>
-            </a:effectRef>
-            <a:fontRef idx="minor">
-              <a:schemeClr val="lt1"/>
-            </a:fontRef>
-          </p:style>
-          <p:txBody>
-            <a:bodyPr rtlCol="0" anchor="ctr"/>
-            <a:lstStyle/>
-            <a:p>
-              <a:pPr algn="ctr"/>
-              <a:endParaRPr lang="en-US"/>
-            </a:p>
-          </p:txBody>
-        </p:sp>
-        <p:sp>
-          <p:nvSpPr>
-            <p:cNvPr id="41" name="Rectangle 40"/>
-            <p:cNvSpPr/>
-            <p:nvPr/>
-          </p:nvSpPr>
-          <p:spPr>
-            <a:xfrm rot="5400000">
-              <a:off x="4002886" y="2511346"/>
-              <a:ext cx="46805" cy="48005"/>
-            </a:xfrm>
-            <a:prstGeom prst="rect">
-              <a:avLst/>
-            </a:prstGeom>
-            <a:solidFill>
-              <a:srgbClr val="3366FF"/>
-            </a:solidFill>
-            <a:ln>
-              <a:solidFill>
-                <a:srgbClr val="3366FF"/>
-              </a:solidFill>
-            </a:ln>
-            <a:effectLst/>
-          </p:spPr>
-          <p:style>
-            <a:lnRef idx="1">
-              <a:schemeClr val="accent1"/>
-            </a:lnRef>
-            <a:fillRef idx="3">
-              <a:schemeClr val="accent1"/>
-            </a:fillRef>
-            <a:effectRef idx="2">
-              <a:schemeClr val="accent1"/>
-            </a:effectRef>
-            <a:fontRef idx="minor">
-              <a:schemeClr val="lt1"/>
-            </a:fontRef>
-          </p:style>
-          <p:txBody>
-            <a:bodyPr rtlCol="0" anchor="ctr"/>
-            <a:lstStyle/>
-            <a:p>
-              <a:pPr algn="ctr"/>
-              <a:endParaRPr lang="en-US"/>
-            </a:p>
-          </p:txBody>
-        </p:sp>
-        <p:sp>
-          <p:nvSpPr>
-            <p:cNvPr id="42" name="Rectangle 41"/>
-            <p:cNvSpPr/>
-            <p:nvPr/>
-          </p:nvSpPr>
-          <p:spPr>
-            <a:xfrm rot="5400000">
-              <a:off x="4124677" y="2724195"/>
-              <a:ext cx="46805" cy="48005"/>
-            </a:xfrm>
-            <a:prstGeom prst="rect">
-              <a:avLst/>
-            </a:prstGeom>
-            <a:solidFill>
-              <a:srgbClr val="3366FF"/>
-            </a:solidFill>
-            <a:ln>
-              <a:solidFill>
-                <a:srgbClr val="3366FF"/>
-              </a:solidFill>
-            </a:ln>
-            <a:effectLst/>
-          </p:spPr>
-          <p:style>
-            <a:lnRef idx="1">
-              <a:schemeClr val="accent1"/>
-            </a:lnRef>
-            <a:fillRef idx="3">
-              <a:schemeClr val="accent1"/>
-            </a:fillRef>
-            <a:effectRef idx="2">
-              <a:schemeClr val="accent1"/>
-            </a:effectRef>
-            <a:fontRef idx="minor">
-              <a:schemeClr val="lt1"/>
-            </a:fontRef>
-          </p:style>
-          <p:txBody>
-            <a:bodyPr rtlCol="0" anchor="ctr"/>
-            <a:lstStyle/>
-            <a:p>
-              <a:pPr algn="ctr"/>
-              <a:endParaRPr lang="en-US"/>
-            </a:p>
-          </p:txBody>
-        </p:sp>
-        <p:sp>
-          <p:nvSpPr>
-            <p:cNvPr id="43" name="Rectangle 42"/>
-            <p:cNvSpPr/>
-            <p:nvPr/>
-          </p:nvSpPr>
-          <p:spPr>
-            <a:xfrm rot="5400000">
-              <a:off x="4124677" y="2996352"/>
-              <a:ext cx="46805" cy="48005"/>
-            </a:xfrm>
-            <a:prstGeom prst="rect">
-              <a:avLst/>
-            </a:prstGeom>
-            <a:solidFill>
-              <a:srgbClr val="3366FF"/>
-            </a:solidFill>
-            <a:ln>
-              <a:solidFill>
-                <a:srgbClr val="3366FF"/>
-              </a:solidFill>
-            </a:ln>
-            <a:effectLst/>
-          </p:spPr>
-          <p:style>
-            <a:lnRef idx="1">
-              <a:schemeClr val="accent1"/>
-            </a:lnRef>
-            <a:fillRef idx="3">
-              <a:schemeClr val="accent1"/>
-            </a:fillRef>
-            <a:effectRef idx="2">
-              <a:schemeClr val="accent1"/>
-            </a:effectRef>
-            <a:fontRef idx="minor">
-              <a:schemeClr val="lt1"/>
-            </a:fontRef>
-          </p:style>
-          <p:txBody>
-            <a:bodyPr rtlCol="0" anchor="ctr"/>
-            <a:lstStyle/>
-            <a:p>
-              <a:pPr algn="ctr"/>
-              <a:endParaRPr lang="en-US"/>
-            </a:p>
-          </p:txBody>
-        </p:sp>
-      </p:grpSp>
-      <p:grpSp>
-        <p:nvGrpSpPr>
-          <p:cNvPr id="132" name="Grouper 131"/>
-          <p:cNvGrpSpPr/>
-          <p:nvPr/>
-        </p:nvGrpSpPr>
-        <p:grpSpPr>
-          <a:xfrm>
-            <a:off x="4572000" y="2456892"/>
-            <a:ext cx="792088" cy="792088"/>
-            <a:chOff x="4644008" y="2348880"/>
-            <a:chExt cx="792088" cy="792088"/>
-          </a:xfrm>
-        </p:grpSpPr>
-        <p:sp>
-          <p:nvSpPr>
-            <p:cNvPr id="45" name="Ellipse 44"/>
-            <p:cNvSpPr/>
-            <p:nvPr/>
-          </p:nvSpPr>
-          <p:spPr>
-            <a:xfrm>
-              <a:off x="5220072" y="2348880"/>
-              <a:ext cx="216024" cy="216024"/>
-            </a:xfrm>
-            <a:prstGeom prst="ellipse">
-              <a:avLst/>
-            </a:prstGeom>
-            <a:solidFill>
-              <a:schemeClr val="tx1">
-                <a:lumMod val="50000"/>
-                <a:lumOff val="50000"/>
-              </a:schemeClr>
-            </a:solidFill>
-            <a:ln w="9525" cmpd="sng">
-              <a:solidFill>
-                <a:schemeClr val="tx1"/>
-              </a:solidFill>
-              <a:prstDash val="solid"/>
-            </a:ln>
-            <a:effectLst/>
-          </p:spPr>
-          <p:style>
-            <a:lnRef idx="1">
-              <a:schemeClr val="accent1"/>
-            </a:lnRef>
-            <a:fillRef idx="3">
-              <a:schemeClr val="accent1"/>
-            </a:fillRef>
-            <a:effectRef idx="2">
-              <a:schemeClr val="accent1"/>
-            </a:effectRef>
-            <a:fontRef idx="minor">
-              <a:schemeClr val="lt1"/>
-            </a:fontRef>
-          </p:style>
-          <p:txBody>
-            <a:bodyPr rtlCol="0" anchor="ctr"/>
-            <a:lstStyle/>
-            <a:p>
-              <a:pPr algn="ctr"/>
-              <a:endParaRPr lang="en-US" sz="1500">
-                <a:solidFill>
-                  <a:schemeClr val="tx1"/>
-                </a:solidFill>
-              </a:endParaRPr>
-            </a:p>
-          </p:txBody>
-        </p:sp>
-        <p:sp>
-          <p:nvSpPr>
-            <p:cNvPr id="46" name="Ellipse 45"/>
-            <p:cNvSpPr/>
-            <p:nvPr/>
-          </p:nvSpPr>
-          <p:spPr>
-            <a:xfrm>
-              <a:off x="5220072" y="2924944"/>
-              <a:ext cx="216024" cy="216024"/>
-            </a:xfrm>
-            <a:prstGeom prst="ellipse">
-              <a:avLst/>
-            </a:prstGeom>
-            <a:solidFill>
-              <a:schemeClr val="tx1">
-                <a:lumMod val="50000"/>
-                <a:lumOff val="50000"/>
-              </a:schemeClr>
-            </a:solidFill>
-            <a:ln w="9525" cmpd="sng">
-              <a:solidFill>
-                <a:schemeClr val="tx1"/>
-              </a:solidFill>
-              <a:prstDash val="solid"/>
-            </a:ln>
-            <a:effectLst/>
-          </p:spPr>
-          <p:style>
-            <a:lnRef idx="1">
-              <a:schemeClr val="accent1"/>
-            </a:lnRef>
-            <a:fillRef idx="3">
-              <a:schemeClr val="accent1"/>
-            </a:fillRef>
-            <a:effectRef idx="2">
-              <a:schemeClr val="accent1"/>
-            </a:effectRef>
-            <a:fontRef idx="minor">
-              <a:schemeClr val="lt1"/>
-            </a:fontRef>
-          </p:style>
-          <p:txBody>
-            <a:bodyPr rtlCol="0" anchor="ctr"/>
-            <a:lstStyle/>
-            <a:p>
-              <a:pPr algn="ctr"/>
-              <a:endParaRPr lang="en-US" sz="1500">
-                <a:solidFill>
-                  <a:schemeClr val="tx1"/>
-                </a:solidFill>
-              </a:endParaRPr>
-            </a:p>
-          </p:txBody>
-        </p:sp>
-        <p:sp>
-          <p:nvSpPr>
-            <p:cNvPr id="47" name="Ellipse 46"/>
-            <p:cNvSpPr/>
-            <p:nvPr/>
-          </p:nvSpPr>
-          <p:spPr>
-            <a:xfrm>
-              <a:off x="4644008" y="2924944"/>
-              <a:ext cx="216024" cy="216024"/>
-            </a:xfrm>
-            <a:prstGeom prst="ellipse">
-              <a:avLst/>
-            </a:prstGeom>
-            <a:solidFill>
-              <a:schemeClr val="tx1">
-                <a:lumMod val="50000"/>
-                <a:lumOff val="50000"/>
-              </a:schemeClr>
-            </a:solidFill>
-            <a:ln w="9525" cmpd="sng">
-              <a:solidFill>
-                <a:schemeClr val="tx1"/>
-              </a:solidFill>
-              <a:prstDash val="solid"/>
-            </a:ln>
-            <a:effectLst/>
-          </p:spPr>
-          <p:style>
-            <a:lnRef idx="1">
-              <a:schemeClr val="accent1"/>
-            </a:lnRef>
-            <a:fillRef idx="3">
-              <a:schemeClr val="accent1"/>
-            </a:fillRef>
-            <a:effectRef idx="2">
-              <a:schemeClr val="accent1"/>
-            </a:effectRef>
-            <a:fontRef idx="minor">
-              <a:schemeClr val="lt1"/>
-            </a:fontRef>
-          </p:style>
-          <p:txBody>
-            <a:bodyPr rtlCol="0" anchor="ctr"/>
-            <a:lstStyle/>
-            <a:p>
-              <a:pPr algn="ctr"/>
-              <a:endParaRPr lang="en-US" sz="1500">
-                <a:solidFill>
-                  <a:schemeClr val="tx1"/>
-                </a:solidFill>
-              </a:endParaRPr>
-            </a:p>
-          </p:txBody>
-        </p:sp>
-        <p:sp>
-          <p:nvSpPr>
-            <p:cNvPr id="48" name="Ellipse 47"/>
-            <p:cNvSpPr/>
-            <p:nvPr/>
-          </p:nvSpPr>
-          <p:spPr>
-            <a:xfrm>
-              <a:off x="4644008" y="2348880"/>
-              <a:ext cx="216024" cy="216024"/>
-            </a:xfrm>
-            <a:prstGeom prst="ellipse">
-              <a:avLst/>
-            </a:prstGeom>
-            <a:solidFill>
-              <a:schemeClr val="tx1">
-                <a:lumMod val="50000"/>
-                <a:lumOff val="50000"/>
-              </a:schemeClr>
-            </a:solidFill>
-            <a:ln w="9525" cmpd="sng">
-              <a:solidFill>
-                <a:schemeClr val="tx1"/>
-              </a:solidFill>
-              <a:prstDash val="solid"/>
-            </a:ln>
-            <a:effectLst/>
-          </p:spPr>
-          <p:style>
-            <a:lnRef idx="1">
-              <a:schemeClr val="accent1"/>
-            </a:lnRef>
-            <a:fillRef idx="3">
-              <a:schemeClr val="accent1"/>
-            </a:fillRef>
-            <a:effectRef idx="2">
-              <a:schemeClr val="accent1"/>
-            </a:effectRef>
-            <a:fontRef idx="minor">
-              <a:schemeClr val="lt1"/>
-            </a:fontRef>
-          </p:style>
-          <p:txBody>
-            <a:bodyPr rtlCol="0" anchor="ctr"/>
-            <a:lstStyle/>
-            <a:p>
-              <a:pPr algn="ctr"/>
-              <a:endParaRPr lang="en-US" sz="1500">
-                <a:solidFill>
-                  <a:schemeClr val="tx1"/>
-                </a:solidFill>
-              </a:endParaRPr>
-            </a:p>
-          </p:txBody>
-        </p:sp>
-        <p:cxnSp>
-          <p:nvCxnSpPr>
-            <p:cNvPr id="49" name="Connecteur droit 33"/>
-            <p:cNvCxnSpPr>
-              <a:stCxn id="45" idx="3"/>
-              <a:endCxn id="46" idx="1"/>
-            </p:cNvCxnSpPr>
-            <p:nvPr/>
-          </p:nvCxnSpPr>
-          <p:spPr>
-            <a:xfrm>
-              <a:off x="5251708" y="2533268"/>
-              <a:ext cx="0" cy="423312"/>
-            </a:xfrm>
-            <a:prstGeom prst="straightConnector1">
-              <a:avLst/>
-            </a:prstGeom>
-            <a:solidFill>
-              <a:schemeClr val="bg1"/>
-            </a:solidFill>
-            <a:ln w="9525" cmpd="sng">
-              <a:solidFill>
-                <a:schemeClr val="tx1"/>
-              </a:solidFill>
-              <a:prstDash val="solid"/>
-            </a:ln>
-            <a:effectLst/>
-          </p:spPr>
-          <p:style>
-            <a:lnRef idx="1">
-              <a:schemeClr val="accent1"/>
-            </a:lnRef>
-            <a:fillRef idx="3">
-              <a:schemeClr val="accent1"/>
-            </a:fillRef>
-            <a:effectRef idx="2">
-              <a:schemeClr val="accent1"/>
-            </a:effectRef>
-            <a:fontRef idx="minor">
-              <a:schemeClr val="lt1"/>
-            </a:fontRef>
-          </p:style>
-        </p:cxnSp>
-        <p:cxnSp>
-          <p:nvCxnSpPr>
-            <p:cNvPr id="50" name="Connecteur droit 33"/>
-            <p:cNvCxnSpPr>
-              <a:stCxn id="46" idx="1"/>
-              <a:endCxn id="47" idx="7"/>
-            </p:cNvCxnSpPr>
-            <p:nvPr/>
-          </p:nvCxnSpPr>
-          <p:spPr>
-            <a:xfrm flipH="1">
-              <a:off x="4828396" y="2956580"/>
-              <a:ext cx="423312" cy="0"/>
-            </a:xfrm>
-            <a:prstGeom prst="straightConnector1">
-              <a:avLst/>
-            </a:prstGeom>
-            <a:solidFill>
-              <a:schemeClr val="bg1"/>
-            </a:solidFill>
-            <a:ln w="9525" cmpd="sng">
-              <a:solidFill>
-                <a:schemeClr val="tx1"/>
-              </a:solidFill>
-              <a:prstDash val="solid"/>
-            </a:ln>
-            <a:effectLst/>
-          </p:spPr>
-          <p:style>
-            <a:lnRef idx="1">
-              <a:schemeClr val="accent1"/>
-            </a:lnRef>
-            <a:fillRef idx="3">
-              <a:schemeClr val="accent1"/>
-            </a:fillRef>
-            <a:effectRef idx="2">
-              <a:schemeClr val="accent1"/>
-            </a:effectRef>
-            <a:fontRef idx="minor">
-              <a:schemeClr val="lt1"/>
-            </a:fontRef>
-          </p:style>
-        </p:cxnSp>
-        <p:cxnSp>
-          <p:nvCxnSpPr>
-            <p:cNvPr id="52" name="Connecteur droit 33"/>
-            <p:cNvCxnSpPr>
-              <a:stCxn id="48" idx="5"/>
-              <a:endCxn id="45" idx="3"/>
-            </p:cNvCxnSpPr>
-            <p:nvPr/>
-          </p:nvCxnSpPr>
-          <p:spPr>
-            <a:xfrm>
-              <a:off x="4828396" y="2533268"/>
-              <a:ext cx="423312" cy="0"/>
-            </a:xfrm>
-            <a:prstGeom prst="straightConnector1">
-              <a:avLst/>
-            </a:prstGeom>
-            <a:solidFill>
-              <a:schemeClr val="bg1"/>
-            </a:solidFill>
-            <a:ln w="9525" cmpd="sng">
-              <a:solidFill>
-                <a:schemeClr val="tx1"/>
-              </a:solidFill>
-              <a:prstDash val="solid"/>
-            </a:ln>
-            <a:effectLst/>
-          </p:spPr>
-          <p:style>
-            <a:lnRef idx="1">
-              <a:schemeClr val="accent1"/>
-            </a:lnRef>
-            <a:fillRef idx="3">
-              <a:schemeClr val="accent1"/>
-            </a:fillRef>
-            <a:effectRef idx="2">
-              <a:schemeClr val="accent1"/>
-            </a:effectRef>
-            <a:fontRef idx="minor">
-              <a:schemeClr val="lt1"/>
-            </a:fontRef>
-          </p:style>
-        </p:cxnSp>
-        <p:cxnSp>
-          <p:nvCxnSpPr>
-            <p:cNvPr id="72" name="Connecteur droit 33"/>
-            <p:cNvCxnSpPr>
-              <a:stCxn id="47" idx="7"/>
-              <a:endCxn id="48" idx="5"/>
-            </p:cNvCxnSpPr>
-            <p:nvPr/>
-          </p:nvCxnSpPr>
-          <p:spPr>
-            <a:xfrm flipV="1">
-              <a:off x="4828396" y="2533268"/>
-              <a:ext cx="0" cy="423312"/>
-            </a:xfrm>
-            <a:prstGeom prst="straightConnector1">
-              <a:avLst/>
-            </a:prstGeom>
-            <a:solidFill>
-              <a:schemeClr val="bg1"/>
-            </a:solidFill>
-            <a:ln w="9525" cmpd="sng">
-              <a:solidFill>
-                <a:schemeClr val="tx1"/>
-              </a:solidFill>
-              <a:prstDash val="solid"/>
-            </a:ln>
-            <a:effectLst/>
-          </p:spPr>
-          <p:style>
-            <a:lnRef idx="1">
-              <a:schemeClr val="accent1"/>
-            </a:lnRef>
-            <a:fillRef idx="3">
-              <a:schemeClr val="accent1"/>
-            </a:fillRef>
-            <a:effectRef idx="2">
-              <a:schemeClr val="accent1"/>
-            </a:effectRef>
-            <a:fontRef idx="minor">
-              <a:schemeClr val="lt1"/>
-            </a:fontRef>
-          </p:style>
-        </p:cxnSp>
-        <p:sp>
-          <p:nvSpPr>
-            <p:cNvPr id="53" name="Rectangle 52"/>
-            <p:cNvSpPr/>
-            <p:nvPr/>
-          </p:nvSpPr>
-          <p:spPr>
-            <a:xfrm rot="5400000">
-              <a:off x="4804499" y="2508171"/>
-              <a:ext cx="46805" cy="48005"/>
-            </a:xfrm>
-            <a:prstGeom prst="rect">
-              <a:avLst/>
-            </a:prstGeom>
-            <a:solidFill>
-              <a:srgbClr val="3366FF"/>
-            </a:solidFill>
-            <a:ln>
-              <a:solidFill>
-                <a:srgbClr val="3366FF"/>
-              </a:solidFill>
-            </a:ln>
-            <a:effectLst/>
-          </p:spPr>
-          <p:style>
-            <a:lnRef idx="1">
-              <a:schemeClr val="accent1"/>
-            </a:lnRef>
-            <a:fillRef idx="3">
-              <a:schemeClr val="accent1"/>
-            </a:fillRef>
-            <a:effectRef idx="2">
-              <a:schemeClr val="accent1"/>
-            </a:effectRef>
-            <a:fontRef idx="minor">
-              <a:schemeClr val="lt1"/>
-            </a:fontRef>
-          </p:style>
-          <p:txBody>
-            <a:bodyPr rtlCol="0" anchor="ctr"/>
-            <a:lstStyle/>
-            <a:p>
-              <a:pPr algn="ctr"/>
-              <a:endParaRPr lang="en-US"/>
-            </a:p>
-          </p:txBody>
-        </p:sp>
-        <p:sp>
-          <p:nvSpPr>
-            <p:cNvPr id="95" name="Rectangle 94"/>
-            <p:cNvSpPr/>
-            <p:nvPr/>
-          </p:nvSpPr>
-          <p:spPr>
-            <a:xfrm rot="5400000">
-              <a:off x="5227022" y="2508171"/>
-              <a:ext cx="46805" cy="48005"/>
-            </a:xfrm>
-            <a:prstGeom prst="rect">
-              <a:avLst/>
-            </a:prstGeom>
-            <a:solidFill>
-              <a:srgbClr val="3366FF"/>
-            </a:solidFill>
-            <a:ln>
-              <a:solidFill>
-                <a:srgbClr val="3366FF"/>
-              </a:solidFill>
-            </a:ln>
-            <a:effectLst/>
-          </p:spPr>
-          <p:style>
-            <a:lnRef idx="1">
-              <a:schemeClr val="accent1"/>
-            </a:lnRef>
-            <a:fillRef idx="3">
-              <a:schemeClr val="accent1"/>
-            </a:fillRef>
-            <a:effectRef idx="2">
-              <a:schemeClr val="accent1"/>
-            </a:effectRef>
-            <a:fontRef idx="minor">
-              <a:schemeClr val="lt1"/>
-            </a:fontRef>
-          </p:style>
-          <p:txBody>
-            <a:bodyPr rtlCol="0" anchor="ctr"/>
-            <a:lstStyle/>
-            <a:p>
-              <a:pPr algn="ctr"/>
-              <a:endParaRPr lang="en-US"/>
-            </a:p>
-          </p:txBody>
-        </p:sp>
-        <p:sp>
-          <p:nvSpPr>
-            <p:cNvPr id="96" name="Rectangle 95"/>
-            <p:cNvSpPr/>
-            <p:nvPr/>
-          </p:nvSpPr>
-          <p:spPr>
-            <a:xfrm rot="5400000">
-              <a:off x="4810849" y="2933869"/>
-              <a:ext cx="46805" cy="48005"/>
-            </a:xfrm>
-            <a:prstGeom prst="rect">
-              <a:avLst/>
-            </a:prstGeom>
-            <a:solidFill>
-              <a:srgbClr val="3366FF"/>
-            </a:solidFill>
-            <a:ln>
-              <a:solidFill>
-                <a:srgbClr val="3366FF"/>
-              </a:solidFill>
-            </a:ln>
-            <a:effectLst/>
-          </p:spPr>
-          <p:style>
-            <a:lnRef idx="1">
-              <a:schemeClr val="accent1"/>
-            </a:lnRef>
-            <a:fillRef idx="3">
-              <a:schemeClr val="accent1"/>
-            </a:fillRef>
-            <a:effectRef idx="2">
-              <a:schemeClr val="accent1"/>
-            </a:effectRef>
-            <a:fontRef idx="minor">
-              <a:schemeClr val="lt1"/>
-            </a:fontRef>
-          </p:style>
-          <p:txBody>
-            <a:bodyPr rtlCol="0" anchor="ctr"/>
-            <a:lstStyle/>
-            <a:p>
-              <a:pPr algn="ctr"/>
-              <a:endParaRPr lang="en-US"/>
-            </a:p>
-          </p:txBody>
-        </p:sp>
-        <p:sp>
-          <p:nvSpPr>
-            <p:cNvPr id="97" name="Rectangle 96"/>
-            <p:cNvSpPr/>
-            <p:nvPr/>
-          </p:nvSpPr>
-          <p:spPr>
-            <a:xfrm rot="5400000">
-              <a:off x="5233372" y="2933869"/>
-              <a:ext cx="46805" cy="48005"/>
-            </a:xfrm>
-            <a:prstGeom prst="rect">
-              <a:avLst/>
-            </a:prstGeom>
-            <a:solidFill>
-              <a:srgbClr val="3366FF"/>
-            </a:solidFill>
-            <a:ln>
-              <a:solidFill>
-                <a:srgbClr val="3366FF"/>
-              </a:solidFill>
-            </a:ln>
-            <a:effectLst/>
-          </p:spPr>
-          <p:style>
-            <a:lnRef idx="1">
-              <a:schemeClr val="accent1"/>
-            </a:lnRef>
-            <a:fillRef idx="3">
-              <a:schemeClr val="accent1"/>
-            </a:fillRef>
-            <a:effectRef idx="2">
-              <a:schemeClr val="accent1"/>
-            </a:effectRef>
-            <a:fontRef idx="minor">
-              <a:schemeClr val="lt1"/>
-            </a:fontRef>
-          </p:style>
-          <p:txBody>
-            <a:bodyPr rtlCol="0" anchor="ctr"/>
-            <a:lstStyle/>
-            <a:p>
-              <a:pPr algn="ctr"/>
-              <a:endParaRPr lang="en-US"/>
-            </a:p>
-          </p:txBody>
-        </p:sp>
-      </p:grpSp>
-      <p:grpSp>
-        <p:nvGrpSpPr>
-          <p:cNvPr id="133" name="Grouper 132"/>
-          <p:cNvGrpSpPr/>
-          <p:nvPr/>
-        </p:nvGrpSpPr>
-        <p:grpSpPr>
-          <a:xfrm>
-            <a:off x="5436096" y="2348880"/>
-            <a:ext cx="1008112" cy="1008112"/>
-            <a:chOff x="4572000" y="3645024"/>
-            <a:chExt cx="1008112" cy="1008112"/>
-          </a:xfrm>
-        </p:grpSpPr>
-        <p:sp>
-          <p:nvSpPr>
-            <p:cNvPr id="98" name="Étoile à 5 branches 97"/>
-            <p:cNvSpPr/>
-            <p:nvPr/>
-          </p:nvSpPr>
-          <p:spPr>
-            <a:xfrm rot="10800000">
-              <a:off x="4932040" y="3645024"/>
-              <a:ext cx="288032" cy="288032"/>
-            </a:xfrm>
-            <a:prstGeom prst="star5">
-              <a:avLst/>
-            </a:prstGeom>
-            <a:solidFill>
-              <a:schemeClr val="bg1"/>
-            </a:solidFill>
-            <a:ln w="9525" cmpd="sng">
-              <a:solidFill>
-                <a:schemeClr val="tx1"/>
-              </a:solidFill>
-              <a:prstDash val="solid"/>
-            </a:ln>
-            <a:effectLst/>
-          </p:spPr>
-          <p:style>
-            <a:lnRef idx="1">
-              <a:schemeClr val="accent1"/>
-            </a:lnRef>
-            <a:fillRef idx="3">
-              <a:schemeClr val="accent1"/>
-            </a:fillRef>
-            <a:effectRef idx="2">
-              <a:schemeClr val="accent1"/>
-            </a:effectRef>
-            <a:fontRef idx="minor">
-              <a:schemeClr val="lt1"/>
-            </a:fontRef>
-          </p:style>
-          <p:txBody>
-            <a:bodyPr rtlCol="0" anchor="ctr"/>
-            <a:lstStyle/>
-            <a:p>
-              <a:pPr algn="ctr"/>
-              <a:endParaRPr lang="en-US" sz="1500">
-                <a:solidFill>
-                  <a:schemeClr val="tx1"/>
-                </a:solidFill>
-              </a:endParaRPr>
-            </a:p>
-          </p:txBody>
-        </p:sp>
-        <p:sp>
-          <p:nvSpPr>
-            <p:cNvPr id="99" name="Étoile à 5 branches 98"/>
-            <p:cNvSpPr/>
-            <p:nvPr/>
-          </p:nvSpPr>
-          <p:spPr>
-            <a:xfrm rot="5400000">
-              <a:off x="4572000" y="4005064"/>
-              <a:ext cx="288032" cy="288032"/>
-            </a:xfrm>
-            <a:prstGeom prst="star5">
-              <a:avLst/>
-            </a:prstGeom>
-            <a:solidFill>
-              <a:schemeClr val="bg1"/>
-            </a:solidFill>
-            <a:ln w="9525" cmpd="sng">
-              <a:solidFill>
-                <a:schemeClr val="tx1"/>
-              </a:solidFill>
-              <a:prstDash val="solid"/>
-            </a:ln>
-            <a:effectLst/>
-          </p:spPr>
-          <p:style>
-            <a:lnRef idx="1">
-              <a:schemeClr val="accent1"/>
-            </a:lnRef>
-            <a:fillRef idx="3">
-              <a:schemeClr val="accent1"/>
-            </a:fillRef>
-            <a:effectRef idx="2">
-              <a:schemeClr val="accent1"/>
-            </a:effectRef>
-            <a:fontRef idx="minor">
-              <a:schemeClr val="lt1"/>
-            </a:fontRef>
-          </p:style>
-          <p:txBody>
-            <a:bodyPr rtlCol="0" anchor="ctr"/>
-            <a:lstStyle/>
-            <a:p>
-              <a:pPr algn="ctr"/>
-              <a:endParaRPr lang="en-US" sz="1500">
-                <a:solidFill>
-                  <a:schemeClr val="tx1"/>
-                </a:solidFill>
-              </a:endParaRPr>
-            </a:p>
-          </p:txBody>
-        </p:sp>
-        <p:sp>
-          <p:nvSpPr>
-            <p:cNvPr id="100" name="Étoile à 5 branches 99"/>
-            <p:cNvSpPr/>
-            <p:nvPr/>
-          </p:nvSpPr>
-          <p:spPr>
-            <a:xfrm>
-              <a:off x="4932040" y="4365104"/>
-              <a:ext cx="288032" cy="288032"/>
-            </a:xfrm>
-            <a:prstGeom prst="star5">
-              <a:avLst/>
-            </a:prstGeom>
-            <a:solidFill>
-              <a:schemeClr val="bg1"/>
-            </a:solidFill>
-            <a:ln w="9525" cmpd="sng">
-              <a:solidFill>
-                <a:schemeClr val="tx1"/>
-              </a:solidFill>
-              <a:prstDash val="solid"/>
-            </a:ln>
-            <a:effectLst/>
-          </p:spPr>
-          <p:style>
-            <a:lnRef idx="1">
-              <a:schemeClr val="accent1"/>
-            </a:lnRef>
-            <a:fillRef idx="3">
-              <a:schemeClr val="accent1"/>
-            </a:fillRef>
-            <a:effectRef idx="2">
-              <a:schemeClr val="accent1"/>
-            </a:effectRef>
-            <a:fontRef idx="minor">
-              <a:schemeClr val="lt1"/>
-            </a:fontRef>
-          </p:style>
-          <p:txBody>
-            <a:bodyPr rtlCol="0" anchor="ctr"/>
-            <a:lstStyle/>
-            <a:p>
-              <a:pPr algn="ctr"/>
-              <a:endParaRPr lang="en-US" sz="1500">
-                <a:solidFill>
-                  <a:schemeClr val="tx1"/>
-                </a:solidFill>
-              </a:endParaRPr>
-            </a:p>
-          </p:txBody>
-        </p:sp>
-        <p:sp>
-          <p:nvSpPr>
-            <p:cNvPr id="101" name="Étoile à 5 branches 100"/>
-            <p:cNvSpPr/>
-            <p:nvPr/>
-          </p:nvSpPr>
-          <p:spPr>
-            <a:xfrm rot="16200000">
-              <a:off x="5292080" y="4005064"/>
-              <a:ext cx="288032" cy="288032"/>
-            </a:xfrm>
-            <a:prstGeom prst="star5">
-              <a:avLst/>
-            </a:prstGeom>
-            <a:solidFill>
-              <a:schemeClr val="bg1"/>
-            </a:solidFill>
-            <a:ln w="9525" cmpd="sng">
-              <a:solidFill>
-                <a:schemeClr val="tx1"/>
-              </a:solidFill>
-              <a:prstDash val="solid"/>
-            </a:ln>
-            <a:effectLst/>
-          </p:spPr>
-          <p:style>
-            <a:lnRef idx="1">
-              <a:schemeClr val="accent1"/>
-            </a:lnRef>
-            <a:fillRef idx="3">
-              <a:schemeClr val="accent1"/>
-            </a:fillRef>
-            <a:effectRef idx="2">
-              <a:schemeClr val="accent1"/>
-            </a:effectRef>
-            <a:fontRef idx="minor">
-              <a:schemeClr val="lt1"/>
-            </a:fontRef>
-          </p:style>
-          <p:txBody>
-            <a:bodyPr rtlCol="0" anchor="ctr"/>
-            <a:lstStyle/>
-            <a:p>
-              <a:pPr algn="ctr"/>
-              <a:endParaRPr lang="en-US" sz="1500">
-                <a:solidFill>
-                  <a:schemeClr val="tx1"/>
-                </a:solidFill>
-              </a:endParaRPr>
-            </a:p>
-          </p:txBody>
-        </p:sp>
-        <p:cxnSp>
-          <p:nvCxnSpPr>
-            <p:cNvPr id="102" name="Connecteur droit 33"/>
-            <p:cNvCxnSpPr>
-              <a:stCxn id="101" idx="0"/>
-              <a:endCxn id="98" idx="0"/>
-            </p:cNvCxnSpPr>
-            <p:nvPr/>
-          </p:nvCxnSpPr>
-          <p:spPr>
-            <a:xfrm flipH="1" flipV="1">
-              <a:off x="5076056" y="3933056"/>
-              <a:ext cx="216024" cy="216024"/>
-            </a:xfrm>
-            <a:prstGeom prst="straightConnector1">
-              <a:avLst/>
-            </a:prstGeom>
-            <a:solidFill>
-              <a:schemeClr val="bg1"/>
-            </a:solidFill>
-            <a:ln w="9525" cmpd="sng">
-              <a:solidFill>
-                <a:schemeClr val="tx1"/>
-              </a:solidFill>
-              <a:prstDash val="solid"/>
-            </a:ln>
-            <a:effectLst/>
-          </p:spPr>
-          <p:style>
-            <a:lnRef idx="1">
-              <a:schemeClr val="accent1"/>
-            </a:lnRef>
-            <a:fillRef idx="3">
-              <a:schemeClr val="accent1"/>
-            </a:fillRef>
-            <a:effectRef idx="2">
-              <a:schemeClr val="accent1"/>
-            </a:effectRef>
-            <a:fontRef idx="minor">
-              <a:schemeClr val="lt1"/>
-            </a:fontRef>
-          </p:style>
-        </p:cxnSp>
-        <p:cxnSp>
-          <p:nvCxnSpPr>
-            <p:cNvPr id="105" name="Connecteur droit 33"/>
-            <p:cNvCxnSpPr>
-              <a:stCxn id="100" idx="0"/>
-              <a:endCxn id="99" idx="0"/>
-            </p:cNvCxnSpPr>
-            <p:nvPr/>
-          </p:nvCxnSpPr>
-          <p:spPr>
-            <a:xfrm flipH="1" flipV="1">
-              <a:off x="4860032" y="4149080"/>
-              <a:ext cx="216024" cy="216024"/>
-            </a:xfrm>
-            <a:prstGeom prst="straightConnector1">
-              <a:avLst/>
-            </a:prstGeom>
-            <a:solidFill>
-              <a:schemeClr val="bg1"/>
-            </a:solidFill>
-            <a:ln w="9525" cmpd="sng">
-              <a:solidFill>
-                <a:schemeClr val="tx1"/>
-              </a:solidFill>
-              <a:prstDash val="solid"/>
-            </a:ln>
-            <a:effectLst/>
-          </p:spPr>
-          <p:style>
-            <a:lnRef idx="1">
-              <a:schemeClr val="accent1"/>
-            </a:lnRef>
-            <a:fillRef idx="3">
-              <a:schemeClr val="accent1"/>
-            </a:fillRef>
-            <a:effectRef idx="2">
-              <a:schemeClr val="accent1"/>
-            </a:effectRef>
-            <a:fontRef idx="minor">
-              <a:schemeClr val="lt1"/>
-            </a:fontRef>
-          </p:style>
-        </p:cxnSp>
-        <p:cxnSp>
-          <p:nvCxnSpPr>
-            <p:cNvPr id="109" name="Connecteur droit 33"/>
-            <p:cNvCxnSpPr>
-              <a:stCxn id="101" idx="0"/>
-              <a:endCxn id="100" idx="0"/>
-            </p:cNvCxnSpPr>
-            <p:nvPr/>
-          </p:nvCxnSpPr>
-          <p:spPr>
-            <a:xfrm flipH="1">
-              <a:off x="5076056" y="4149080"/>
-              <a:ext cx="216024" cy="216024"/>
-            </a:xfrm>
-            <a:prstGeom prst="straightConnector1">
-              <a:avLst/>
-            </a:prstGeom>
-            <a:solidFill>
-              <a:schemeClr val="bg1"/>
-            </a:solidFill>
-            <a:ln w="9525" cmpd="sng">
-              <a:solidFill>
-                <a:schemeClr val="tx1"/>
-              </a:solidFill>
-              <a:prstDash val="solid"/>
-            </a:ln>
-            <a:effectLst/>
-          </p:spPr>
-          <p:style>
-            <a:lnRef idx="1">
-              <a:schemeClr val="accent1"/>
-            </a:lnRef>
-            <a:fillRef idx="3">
-              <a:schemeClr val="accent1"/>
-            </a:fillRef>
-            <a:effectRef idx="2">
-              <a:schemeClr val="accent1"/>
-            </a:effectRef>
-            <a:fontRef idx="minor">
-              <a:schemeClr val="lt1"/>
-            </a:fontRef>
-          </p:style>
-        </p:cxnSp>
-        <p:cxnSp>
-          <p:nvCxnSpPr>
-            <p:cNvPr id="112" name="Connecteur droit 33"/>
-            <p:cNvCxnSpPr>
-              <a:stCxn id="98" idx="0"/>
-              <a:endCxn id="99" idx="0"/>
-            </p:cNvCxnSpPr>
-            <p:nvPr/>
-          </p:nvCxnSpPr>
-          <p:spPr>
-            <a:xfrm flipH="1">
-              <a:off x="4860032" y="3933056"/>
-              <a:ext cx="216024" cy="216024"/>
-            </a:xfrm>
-            <a:prstGeom prst="straightConnector1">
-              <a:avLst/>
-            </a:prstGeom>
-            <a:solidFill>
-              <a:schemeClr val="bg1"/>
-            </a:solidFill>
-            <a:ln w="9525" cmpd="sng">
-              <a:solidFill>
-                <a:schemeClr val="tx1"/>
-              </a:solidFill>
-              <a:prstDash val="solid"/>
-            </a:ln>
-            <a:effectLst/>
-          </p:spPr>
-          <p:style>
-            <a:lnRef idx="1">
-              <a:schemeClr val="accent1"/>
-            </a:lnRef>
-            <a:fillRef idx="3">
-              <a:schemeClr val="accent1"/>
-            </a:fillRef>
-            <a:effectRef idx="2">
-              <a:schemeClr val="accent1"/>
-            </a:effectRef>
-            <a:fontRef idx="minor">
-              <a:schemeClr val="lt1"/>
-            </a:fontRef>
-          </p:style>
-        </p:cxnSp>
-        <p:cxnSp>
-          <p:nvCxnSpPr>
-            <p:cNvPr id="121" name="Connecteur droit 33"/>
-            <p:cNvCxnSpPr>
-              <a:stCxn id="98" idx="0"/>
-              <a:endCxn id="100" idx="0"/>
-            </p:cNvCxnSpPr>
-            <p:nvPr/>
-          </p:nvCxnSpPr>
-          <p:spPr>
-            <a:xfrm>
-              <a:off x="5076056" y="3933056"/>
-              <a:ext cx="0" cy="432048"/>
-            </a:xfrm>
-            <a:prstGeom prst="straightConnector1">
-              <a:avLst/>
-            </a:prstGeom>
-            <a:solidFill>
-              <a:schemeClr val="bg1"/>
-            </a:solidFill>
-            <a:ln w="9525" cmpd="sng">
-              <a:solidFill>
-                <a:schemeClr val="tx1"/>
-              </a:solidFill>
-              <a:prstDash val="solid"/>
-            </a:ln>
-            <a:effectLst/>
-          </p:spPr>
-          <p:style>
-            <a:lnRef idx="1">
-              <a:schemeClr val="accent1"/>
-            </a:lnRef>
-            <a:fillRef idx="3">
-              <a:schemeClr val="accent1"/>
-            </a:fillRef>
-            <a:effectRef idx="2">
-              <a:schemeClr val="accent1"/>
-            </a:effectRef>
-            <a:fontRef idx="minor">
-              <a:schemeClr val="lt1"/>
-            </a:fontRef>
-          </p:style>
-        </p:cxnSp>
-        <p:cxnSp>
-          <p:nvCxnSpPr>
-            <p:cNvPr id="124" name="Connecteur droit 33"/>
-            <p:cNvCxnSpPr>
-              <a:stCxn id="101" idx="0"/>
-              <a:endCxn id="99" idx="0"/>
-            </p:cNvCxnSpPr>
-            <p:nvPr/>
-          </p:nvCxnSpPr>
-          <p:spPr>
-            <a:xfrm flipH="1">
-              <a:off x="4860032" y="4149080"/>
-              <a:ext cx="432048" cy="0"/>
-            </a:xfrm>
-            <a:prstGeom prst="straightConnector1">
-              <a:avLst/>
-            </a:prstGeom>
-            <a:solidFill>
-              <a:schemeClr val="bg1"/>
-            </a:solidFill>
-            <a:ln w="9525" cmpd="sng">
-              <a:solidFill>
-                <a:schemeClr val="tx1"/>
-              </a:solidFill>
-              <a:prstDash val="solid"/>
-            </a:ln>
-            <a:effectLst/>
-          </p:spPr>
-          <p:style>
-            <a:lnRef idx="1">
-              <a:schemeClr val="accent1"/>
-            </a:lnRef>
-            <a:fillRef idx="3">
-              <a:schemeClr val="accent1"/>
-            </a:fillRef>
-            <a:effectRef idx="2">
-              <a:schemeClr val="accent1"/>
-            </a:effectRef>
-            <a:fontRef idx="minor">
-              <a:schemeClr val="lt1"/>
-            </a:fontRef>
-          </p:style>
-        </p:cxnSp>
-        <p:sp>
-          <p:nvSpPr>
-            <p:cNvPr id="127" name="Rectangle 126"/>
-            <p:cNvSpPr/>
-            <p:nvPr/>
-          </p:nvSpPr>
-          <p:spPr>
-            <a:xfrm rot="5400000">
-              <a:off x="5054431" y="3913406"/>
-              <a:ext cx="46805" cy="48005"/>
-            </a:xfrm>
-            <a:prstGeom prst="rect">
-              <a:avLst/>
-            </a:prstGeom>
-            <a:solidFill>
-              <a:srgbClr val="3366FF"/>
-            </a:solidFill>
-            <a:ln>
-              <a:solidFill>
-                <a:srgbClr val="3366FF"/>
-              </a:solidFill>
-            </a:ln>
-            <a:effectLst/>
-          </p:spPr>
-          <p:style>
-            <a:lnRef idx="1">
-              <a:schemeClr val="accent1"/>
-            </a:lnRef>
-            <a:fillRef idx="3">
-              <a:schemeClr val="accent1"/>
-            </a:fillRef>
-            <a:effectRef idx="2">
-              <a:schemeClr val="accent1"/>
-            </a:effectRef>
-            <a:fontRef idx="minor">
-              <a:schemeClr val="lt1"/>
-            </a:fontRef>
-          </p:style>
-          <p:txBody>
-            <a:bodyPr rtlCol="0" anchor="ctr"/>
-            <a:lstStyle/>
-            <a:p>
-              <a:pPr algn="ctr"/>
-              <a:endParaRPr lang="en-US"/>
-            </a:p>
-          </p:txBody>
-        </p:sp>
-        <p:sp>
-          <p:nvSpPr>
-            <p:cNvPr id="128" name="Rectangle 127"/>
-            <p:cNvSpPr/>
-            <p:nvPr/>
-          </p:nvSpPr>
-          <p:spPr>
-            <a:xfrm rot="5400000">
-              <a:off x="5051256" y="4329579"/>
-              <a:ext cx="46805" cy="48005"/>
-            </a:xfrm>
-            <a:prstGeom prst="rect">
-              <a:avLst/>
-            </a:prstGeom>
-            <a:solidFill>
-              <a:srgbClr val="3366FF"/>
-            </a:solidFill>
-            <a:ln>
-              <a:solidFill>
-                <a:srgbClr val="3366FF"/>
-              </a:solidFill>
-            </a:ln>
-            <a:effectLst/>
-          </p:spPr>
-          <p:style>
-            <a:lnRef idx="1">
-              <a:schemeClr val="accent1"/>
-            </a:lnRef>
-            <a:fillRef idx="3">
-              <a:schemeClr val="accent1"/>
-            </a:fillRef>
-            <a:effectRef idx="2">
-              <a:schemeClr val="accent1"/>
-            </a:effectRef>
-            <a:fontRef idx="minor">
-              <a:schemeClr val="lt1"/>
-            </a:fontRef>
-          </p:style>
-          <p:txBody>
-            <a:bodyPr rtlCol="0" anchor="ctr"/>
-            <a:lstStyle/>
-            <a:p>
-              <a:pPr algn="ctr"/>
-              <a:endParaRPr lang="en-US"/>
-            </a:p>
-          </p:txBody>
-        </p:sp>
-        <p:sp>
-          <p:nvSpPr>
-            <p:cNvPr id="129" name="Rectangle 128"/>
-            <p:cNvSpPr/>
-            <p:nvPr/>
-          </p:nvSpPr>
-          <p:spPr>
-            <a:xfrm rot="5400000">
-              <a:off x="5261947" y="4120922"/>
-              <a:ext cx="46805" cy="48005"/>
-            </a:xfrm>
-            <a:prstGeom prst="rect">
-              <a:avLst/>
-            </a:prstGeom>
-            <a:solidFill>
-              <a:srgbClr val="3366FF"/>
-            </a:solidFill>
-            <a:ln>
-              <a:solidFill>
-                <a:srgbClr val="3366FF"/>
-              </a:solidFill>
-            </a:ln>
-            <a:effectLst/>
-          </p:spPr>
-          <p:style>
-            <a:lnRef idx="1">
-              <a:schemeClr val="accent1"/>
-            </a:lnRef>
-            <a:fillRef idx="3">
-              <a:schemeClr val="accent1"/>
-            </a:fillRef>
-            <a:effectRef idx="2">
-              <a:schemeClr val="accent1"/>
-            </a:effectRef>
-            <a:fontRef idx="minor">
-              <a:schemeClr val="lt1"/>
-            </a:fontRef>
-          </p:style>
-          <p:txBody>
-            <a:bodyPr rtlCol="0" anchor="ctr"/>
-            <a:lstStyle/>
-            <a:p>
-              <a:pPr algn="ctr"/>
-              <a:endParaRPr lang="en-US"/>
-            </a:p>
-          </p:txBody>
-        </p:sp>
-        <p:sp>
-          <p:nvSpPr>
-            <p:cNvPr id="130" name="Rectangle 129"/>
-            <p:cNvSpPr/>
-            <p:nvPr/>
-          </p:nvSpPr>
-          <p:spPr>
-            <a:xfrm rot="5400000">
-              <a:off x="4847932" y="4126255"/>
-              <a:ext cx="46805" cy="48005"/>
-            </a:xfrm>
-            <a:prstGeom prst="rect">
-              <a:avLst/>
-            </a:prstGeom>
-            <a:solidFill>
-              <a:srgbClr val="3366FF"/>
-            </a:solidFill>
-            <a:ln>
-              <a:solidFill>
-                <a:srgbClr val="3366FF"/>
-              </a:solidFill>
-            </a:ln>
-            <a:effectLst/>
-          </p:spPr>
-          <p:style>
-            <a:lnRef idx="1">
-              <a:schemeClr val="accent1"/>
-            </a:lnRef>
-            <a:fillRef idx="3">
-              <a:schemeClr val="accent1"/>
-            </a:fillRef>
-            <a:effectRef idx="2">
-              <a:schemeClr val="accent1"/>
-            </a:effectRef>
-            <a:fontRef idx="minor">
-              <a:schemeClr val="lt1"/>
-            </a:fontRef>
-          </p:style>
-          <p:txBody>
-            <a:bodyPr rtlCol="0" anchor="ctr"/>
-            <a:lstStyle/>
-            <a:p>
-              <a:pPr algn="ctr"/>
-              <a:endParaRPr lang="en-US"/>
-            </a:p>
-          </p:txBody>
-        </p:sp>
-      </p:grpSp>
-      <p:grpSp>
-        <p:nvGrpSpPr>
-          <p:cNvPr id="140" name="Grouper 139"/>
-          <p:cNvGrpSpPr/>
-          <p:nvPr/>
-        </p:nvGrpSpPr>
-        <p:grpSpPr>
-          <a:xfrm>
-            <a:off x="6732240" y="2494057"/>
-            <a:ext cx="241804" cy="216024"/>
-            <a:chOff x="4283968" y="3645024"/>
-            <a:chExt cx="241804" cy="216024"/>
-          </a:xfrm>
-        </p:grpSpPr>
-        <p:sp>
-          <p:nvSpPr>
-            <p:cNvPr id="135" name="Ellipse 134"/>
-            <p:cNvSpPr/>
-            <p:nvPr/>
-          </p:nvSpPr>
-          <p:spPr>
-            <a:xfrm>
-              <a:off x="4283968" y="3645024"/>
-              <a:ext cx="216024" cy="216024"/>
-            </a:xfrm>
-            <a:prstGeom prst="ellipse">
-              <a:avLst/>
-            </a:prstGeom>
-            <a:solidFill>
-              <a:schemeClr val="tx1">
-                <a:lumMod val="50000"/>
-                <a:lumOff val="50000"/>
-              </a:schemeClr>
-            </a:solidFill>
-            <a:ln w="9525" cmpd="sng">
-              <a:solidFill>
-                <a:schemeClr val="tx1"/>
-              </a:solidFill>
-              <a:prstDash val="solid"/>
-            </a:ln>
-            <a:effectLst/>
-          </p:spPr>
-          <p:style>
-            <a:lnRef idx="1">
-              <a:schemeClr val="accent1"/>
-            </a:lnRef>
-            <a:fillRef idx="3">
-              <a:schemeClr val="accent1"/>
-            </a:fillRef>
-            <a:effectRef idx="2">
-              <a:schemeClr val="accent1"/>
-            </a:effectRef>
-            <a:fontRef idx="minor">
-              <a:schemeClr val="lt1"/>
-            </a:fontRef>
-          </p:style>
-          <p:txBody>
-            <a:bodyPr rtlCol="0" anchor="ctr"/>
-            <a:lstStyle/>
-            <a:p>
-              <a:pPr algn="ctr"/>
-              <a:endParaRPr lang="en-US" sz="1500">
-                <a:solidFill>
-                  <a:schemeClr val="tx1"/>
-                </a:solidFill>
-              </a:endParaRPr>
-            </a:p>
-          </p:txBody>
-        </p:sp>
-        <p:sp>
-          <p:nvSpPr>
-            <p:cNvPr id="136" name="Rectangle 135"/>
-            <p:cNvSpPr/>
-            <p:nvPr/>
-          </p:nvSpPr>
-          <p:spPr>
-            <a:xfrm rot="5400000">
-              <a:off x="4478367" y="3729034"/>
-              <a:ext cx="46805" cy="48005"/>
-            </a:xfrm>
-            <a:prstGeom prst="rect">
-              <a:avLst/>
-            </a:prstGeom>
-            <a:solidFill>
-              <a:srgbClr val="3366FF"/>
-            </a:solidFill>
-            <a:ln>
-              <a:solidFill>
-                <a:srgbClr val="3366FF"/>
-              </a:solidFill>
-            </a:ln>
-            <a:effectLst/>
-          </p:spPr>
-          <p:style>
-            <a:lnRef idx="1">
-              <a:schemeClr val="accent1"/>
-            </a:lnRef>
-            <a:fillRef idx="3">
-              <a:schemeClr val="accent1"/>
-            </a:fillRef>
-            <a:effectRef idx="2">
-              <a:schemeClr val="accent1"/>
-            </a:effectRef>
-            <a:fontRef idx="minor">
-              <a:schemeClr val="lt1"/>
-            </a:fontRef>
-          </p:style>
-          <p:txBody>
-            <a:bodyPr rtlCol="0" anchor="ctr"/>
-            <a:lstStyle/>
-            <a:p>
-              <a:pPr algn="ctr"/>
-              <a:endParaRPr lang="en-US"/>
-            </a:p>
-          </p:txBody>
-        </p:sp>
-      </p:grpSp>
-      <p:sp>
-        <p:nvSpPr>
-          <p:cNvPr id="141" name="ZoneTexte 140"/>
-          <p:cNvSpPr txBox="1"/>
-          <p:nvPr/>
-        </p:nvSpPr>
-        <p:spPr>
-          <a:xfrm>
-            <a:off x="7015969" y="2445864"/>
-            <a:ext cx="527477" cy="261610"/>
-          </a:xfrm>
-          <a:prstGeom prst="rect">
-            <a:avLst/>
-          </a:prstGeom>
-          <a:noFill/>
-        </p:spPr>
-        <p:txBody>
-          <a:bodyPr wrap="none" rtlCol="0" anchor="ctr" anchorCtr="0">
-            <a:spAutoFit/>
-          </a:bodyPr>
-          <a:lstStyle/>
-          <a:p>
-            <a:pPr algn="r"/>
-            <a:r>
-              <a:rPr lang="en-US" sz="1100" dirty="0"/>
-              <a:t>clique</a:t>
-            </a:r>
-          </a:p>
-        </p:txBody>
-      </p:sp>
-      <p:grpSp>
-        <p:nvGrpSpPr>
-          <p:cNvPr id="139" name="Grouper 138"/>
-          <p:cNvGrpSpPr/>
-          <p:nvPr/>
-        </p:nvGrpSpPr>
-        <p:grpSpPr>
-          <a:xfrm>
-            <a:off x="6709126" y="2784753"/>
-            <a:ext cx="288032" cy="307082"/>
-            <a:chOff x="4644008" y="3553966"/>
-            <a:chExt cx="288032" cy="307082"/>
-          </a:xfrm>
-        </p:grpSpPr>
-        <p:sp>
-          <p:nvSpPr>
-            <p:cNvPr id="137" name="Étoile à 5 branches 136"/>
-            <p:cNvSpPr/>
-            <p:nvPr/>
-          </p:nvSpPr>
-          <p:spPr>
-            <a:xfrm>
-              <a:off x="4644008" y="3573016"/>
-              <a:ext cx="288032" cy="288032"/>
-            </a:xfrm>
-            <a:prstGeom prst="star5">
-              <a:avLst/>
-            </a:prstGeom>
-            <a:solidFill>
-              <a:schemeClr val="bg1"/>
-            </a:solidFill>
-            <a:ln w="9525" cmpd="sng">
-              <a:solidFill>
-                <a:schemeClr val="tx1"/>
-              </a:solidFill>
-              <a:prstDash val="solid"/>
-            </a:ln>
-            <a:effectLst/>
-          </p:spPr>
-          <p:style>
-            <a:lnRef idx="1">
-              <a:schemeClr val="accent1"/>
-            </a:lnRef>
-            <a:fillRef idx="3">
-              <a:schemeClr val="accent1"/>
-            </a:fillRef>
-            <a:effectRef idx="2">
-              <a:schemeClr val="accent1"/>
-            </a:effectRef>
-            <a:fontRef idx="minor">
-              <a:schemeClr val="lt1"/>
-            </a:fontRef>
-          </p:style>
-          <p:txBody>
-            <a:bodyPr rtlCol="0" anchor="ctr"/>
-            <a:lstStyle/>
-            <a:p>
-              <a:pPr algn="ctr"/>
-              <a:endParaRPr lang="en-US" sz="1500">
-                <a:solidFill>
-                  <a:schemeClr val="tx1"/>
-                </a:solidFill>
-              </a:endParaRPr>
-            </a:p>
-          </p:txBody>
-        </p:sp>
-        <p:sp>
-          <p:nvSpPr>
-            <p:cNvPr id="138" name="Rectangle 137"/>
-            <p:cNvSpPr/>
-            <p:nvPr/>
-          </p:nvSpPr>
-          <p:spPr>
-            <a:xfrm rot="5400000">
-              <a:off x="4764622" y="3553366"/>
-              <a:ext cx="46805" cy="48005"/>
-            </a:xfrm>
-            <a:prstGeom prst="rect">
-              <a:avLst/>
-            </a:prstGeom>
-            <a:solidFill>
-              <a:srgbClr val="3366FF"/>
-            </a:solidFill>
-            <a:ln>
-              <a:solidFill>
-                <a:srgbClr val="3366FF"/>
-              </a:solidFill>
-            </a:ln>
-            <a:effectLst/>
-          </p:spPr>
-          <p:style>
-            <a:lnRef idx="1">
-              <a:schemeClr val="accent1"/>
-            </a:lnRef>
-            <a:fillRef idx="3">
-              <a:schemeClr val="accent1"/>
-            </a:fillRef>
-            <a:effectRef idx="2">
-              <a:schemeClr val="accent1"/>
-            </a:effectRef>
-            <a:fontRef idx="minor">
-              <a:schemeClr val="lt1"/>
-            </a:fontRef>
-          </p:style>
-          <p:txBody>
-            <a:bodyPr rtlCol="0" anchor="ctr"/>
-            <a:lstStyle/>
-            <a:p>
-              <a:pPr algn="ctr"/>
-              <a:endParaRPr lang="en-US"/>
-            </a:p>
-          </p:txBody>
-        </p:sp>
-      </p:grpSp>
-      <p:sp>
-        <p:nvSpPr>
-          <p:cNvPr id="142" name="ZoneTexte 141"/>
-          <p:cNvSpPr txBox="1"/>
-          <p:nvPr/>
-        </p:nvSpPr>
-        <p:spPr>
-          <a:xfrm>
-            <a:off x="7015969" y="2782089"/>
-            <a:ext cx="403839" cy="261610"/>
-          </a:xfrm>
-          <a:prstGeom prst="rect">
-            <a:avLst/>
-          </a:prstGeom>
-          <a:noFill/>
-        </p:spPr>
-        <p:txBody>
-          <a:bodyPr wrap="none" rtlCol="0" anchor="ctr" anchorCtr="0">
-            <a:spAutoFit/>
-          </a:bodyPr>
-          <a:lstStyle/>
-          <a:p>
-            <a:pPr algn="r"/>
-            <a:r>
-              <a:rPr lang="en-US" sz="1100" dirty="0"/>
-              <a:t>star</a:t>
-            </a:r>
-          </a:p>
-        </p:txBody>
-      </p:sp>
-      <p:sp>
-        <p:nvSpPr>
-          <p:cNvPr id="143" name="Rectangle 142"/>
-          <p:cNvSpPr/>
-          <p:nvPr/>
-        </p:nvSpPr>
-        <p:spPr>
-          <a:xfrm rot="5400000">
-            <a:off x="6829740" y="3202324"/>
-            <a:ext cx="46805" cy="48005"/>
-          </a:xfrm>
-          <a:prstGeom prst="rect">
-            <a:avLst/>
-          </a:prstGeom>
-          <a:solidFill>
-            <a:srgbClr val="3366FF"/>
-          </a:solidFill>
-          <a:ln>
-            <a:solidFill>
-              <a:srgbClr val="3366FF"/>
-            </a:solidFill>
-          </a:ln>
-          <a:effectLst/>
-        </p:spPr>
-        <p:style>
-          <a:lnRef idx="1">
-            <a:schemeClr val="accent1"/>
-          </a:lnRef>
-          <a:fillRef idx="3">
-            <a:schemeClr val="accent1"/>
-          </a:fillRef>
-          <a:effectRef idx="2">
-            <a:schemeClr val="accent1"/>
-          </a:effectRef>
-          <a:fontRef idx="minor">
-            <a:schemeClr val="lt1"/>
-          </a:fontRef>
-        </p:style>
-        <p:txBody>
-          <a:bodyPr rtlCol="0" anchor="ctr"/>
-          <a:lstStyle/>
-          <a:p>
-            <a:pPr algn="ctr"/>
-            <a:endParaRPr lang="en-US"/>
-          </a:p>
-        </p:txBody>
-      </p:sp>
-      <p:sp>
-        <p:nvSpPr>
-          <p:cNvPr id="144" name="ZoneTexte 143"/>
-          <p:cNvSpPr txBox="1"/>
-          <p:nvPr/>
-        </p:nvSpPr>
-        <p:spPr>
-          <a:xfrm>
-            <a:off x="7015969" y="3070121"/>
-            <a:ext cx="429600" cy="261610"/>
-          </a:xfrm>
-          <a:prstGeom prst="rect">
-            <a:avLst/>
-          </a:prstGeom>
-          <a:noFill/>
-        </p:spPr>
-        <p:txBody>
-          <a:bodyPr wrap="none" rtlCol="0" anchor="ctr" anchorCtr="0">
-            <a:spAutoFit/>
-          </a:bodyPr>
-          <a:lstStyle/>
-          <a:p>
-            <a:pPr algn="r"/>
-            <a:r>
-              <a:rPr lang="en-US" sz="1100" dirty="0"/>
-              <a:t>port</a:t>
-            </a:r>
-          </a:p>
-        </p:txBody>
-      </p:sp>
-      <p:cxnSp>
-        <p:nvCxnSpPr>
-          <p:cNvPr id="145" name="Connecteur droit 33"/>
-          <p:cNvCxnSpPr/>
-          <p:nvPr/>
-        </p:nvCxnSpPr>
-        <p:spPr>
-          <a:xfrm flipH="1">
-            <a:off x="6745130" y="3598996"/>
-            <a:ext cx="216024" cy="0"/>
-          </a:xfrm>
-          <a:prstGeom prst="straightConnector1">
-            <a:avLst/>
-          </a:prstGeom>
-          <a:solidFill>
-            <a:schemeClr val="bg1"/>
-          </a:solidFill>
-          <a:ln w="9525" cmpd="sng">
-            <a:solidFill>
-              <a:schemeClr val="tx1"/>
-            </a:solidFill>
-            <a:prstDash val="solid"/>
-          </a:ln>
-          <a:effectLst/>
-        </p:spPr>
-        <p:style>
-          <a:lnRef idx="1">
-            <a:schemeClr val="accent1"/>
-          </a:lnRef>
-          <a:fillRef idx="3">
-            <a:schemeClr val="accent1"/>
-          </a:fillRef>
-          <a:effectRef idx="2">
-            <a:schemeClr val="accent1"/>
-          </a:effectRef>
-          <a:fontRef idx="minor">
-            <a:schemeClr val="lt1"/>
-          </a:fontRef>
-        </p:style>
-      </p:cxnSp>
-      <p:sp>
-        <p:nvSpPr>
-          <p:cNvPr id="147" name="ZoneTexte 146"/>
-          <p:cNvSpPr txBox="1"/>
-          <p:nvPr/>
-        </p:nvSpPr>
-        <p:spPr>
-          <a:xfrm>
-            <a:off x="7015969" y="3358153"/>
-            <a:ext cx="845285" cy="430887"/>
-          </a:xfrm>
-          <a:prstGeom prst="rect">
-            <a:avLst/>
-          </a:prstGeom>
-          <a:noFill/>
-        </p:spPr>
-        <p:txBody>
-          <a:bodyPr wrap="none" rtlCol="0" anchor="ctr" anchorCtr="0">
-            <a:spAutoFit/>
-          </a:bodyPr>
-          <a:lstStyle/>
-          <a:p>
-            <a:r>
-              <a:rPr lang="en-US" sz="1100" dirty="0"/>
-              <a:t>Inter-shape </a:t>
-            </a:r>
-            <a:br>
-              <a:rPr lang="en-US" sz="1100" dirty="0"/>
-            </a:br>
-            <a:r>
-              <a:rPr lang="en-US" sz="1100" dirty="0"/>
-              <a:t>binding</a:t>
-            </a:r>
-          </a:p>
-        </p:txBody>
-      </p:sp>
-      <p:sp>
-        <p:nvSpPr>
-          <p:cNvPr id="148" name="ZoneTexte 147"/>
-          <p:cNvSpPr txBox="1"/>
-          <p:nvPr/>
-        </p:nvSpPr>
-        <p:spPr>
-          <a:xfrm>
-            <a:off x="3862663" y="3440033"/>
-            <a:ext cx="355461" cy="276999"/>
-          </a:xfrm>
-          <a:prstGeom prst="rect">
-            <a:avLst/>
-          </a:prstGeom>
-          <a:noFill/>
-        </p:spPr>
-        <p:txBody>
-          <a:bodyPr wrap="none" rtlCol="0">
-            <a:spAutoFit/>
-          </a:bodyPr>
-          <a:lstStyle/>
-          <a:p>
-            <a:r>
-              <a:rPr lang="en-US" sz="1200" dirty="0">
-                <a:latin typeface="Times"/>
-                <a:cs typeface="Times"/>
-              </a:rPr>
-              <a:t>(a)</a:t>
-            </a:r>
-          </a:p>
-        </p:txBody>
-      </p:sp>
-      <p:sp>
-        <p:nvSpPr>
-          <p:cNvPr id="149" name="ZoneTexte 148"/>
-          <p:cNvSpPr txBox="1"/>
-          <p:nvPr/>
-        </p:nvSpPr>
-        <p:spPr>
-          <a:xfrm>
-            <a:off x="4793470" y="3440033"/>
-            <a:ext cx="364102" cy="276999"/>
-          </a:xfrm>
-          <a:prstGeom prst="rect">
-            <a:avLst/>
-          </a:prstGeom>
-          <a:noFill/>
-        </p:spPr>
-        <p:txBody>
-          <a:bodyPr wrap="none" rtlCol="0">
-            <a:spAutoFit/>
-          </a:bodyPr>
-          <a:lstStyle/>
-          <a:p>
-            <a:r>
-              <a:rPr lang="en-US" sz="1200" dirty="0">
-                <a:latin typeface="Times"/>
-                <a:cs typeface="Times"/>
-              </a:rPr>
-              <a:t>(b)</a:t>
-            </a:r>
-          </a:p>
-        </p:txBody>
-      </p:sp>
-      <p:sp>
-        <p:nvSpPr>
-          <p:cNvPr id="151" name="ZoneTexte 150"/>
-          <p:cNvSpPr txBox="1"/>
-          <p:nvPr/>
-        </p:nvSpPr>
-        <p:spPr>
-          <a:xfrm>
-            <a:off x="5769538" y="3440033"/>
-            <a:ext cx="355461" cy="276999"/>
-          </a:xfrm>
-          <a:prstGeom prst="rect">
-            <a:avLst/>
-          </a:prstGeom>
-          <a:noFill/>
-        </p:spPr>
-        <p:txBody>
-          <a:bodyPr wrap="none" rtlCol="0">
-            <a:spAutoFit/>
-          </a:bodyPr>
-          <a:lstStyle/>
-          <a:p>
-            <a:r>
-              <a:rPr lang="en-US" sz="1200" dirty="0">
-                <a:latin typeface="Times"/>
-                <a:cs typeface="Times"/>
-              </a:rPr>
-              <a:t>(c)</a:t>
-            </a:r>
-          </a:p>
-        </p:txBody>
-      </p:sp>
-      <p:sp>
-        <p:nvSpPr>
-          <p:cNvPr id="157" name="ZoneTexte 156"/>
-          <p:cNvSpPr txBox="1"/>
-          <p:nvPr/>
-        </p:nvSpPr>
-        <p:spPr>
-          <a:xfrm>
-            <a:off x="6444208" y="2132856"/>
-            <a:ext cx="641735" cy="261610"/>
-          </a:xfrm>
-          <a:prstGeom prst="rect">
-            <a:avLst/>
-          </a:prstGeom>
-          <a:noFill/>
-        </p:spPr>
-        <p:txBody>
-          <a:bodyPr wrap="none" rtlCol="0" anchor="ctr" anchorCtr="0">
-            <a:spAutoFit/>
-          </a:bodyPr>
-          <a:lstStyle/>
-          <a:p>
-            <a:pPr algn="r"/>
-            <a:r>
-              <a:rPr lang="en-US" sz="1100" i="1" dirty="0"/>
-              <a:t>Legend</a:t>
-            </a:r>
-            <a:r>
-              <a:rPr lang="en-US" sz="1100" dirty="0"/>
-              <a:t>:</a:t>
-            </a:r>
-          </a:p>
-        </p:txBody>
-      </p:sp>
-    </p:spTree>
-    <p:extLst>
-      <p:ext uri="{BB962C8B-B14F-4D97-AF65-F5344CB8AC3E}">
-        <p14:creationId xmlns:p14="http://schemas.microsoft.com/office/powerpoint/2010/main" val="869864849"/>
-      </p:ext>
-    </p:extLst>
-  </p:cSld>
-  <p:clrMapOvr>
-    <a:masterClrMapping/>
-  </p:clrMapOvr>
-</p:sld>
-</file>
-
-<file path=ppt/slides/slide8.xml><?xml version="1.0" encoding="utf-8"?>
-<p:sld xmlns:a="http://schemas.openxmlformats.org/drawingml/2006/main" xmlns:r="http://schemas.openxmlformats.org/officeDocument/2006/relationships" xmlns:p="http://schemas.openxmlformats.org/presentationml/2006/main">
-  <p:cSld>
-    <p:spTree>
-      <p:nvGrpSpPr>
-        <p:cNvPr id="1" name=""/>
-        <p:cNvGrpSpPr/>
-        <p:nvPr/>
-      </p:nvGrpSpPr>
-      <p:grpSpPr>
-        <a:xfrm>
-          <a:off x="0" y="0"/>
-          <a:ext cx="0" cy="0"/>
-          <a:chOff x="0" y="0"/>
-          <a:chExt cx="0" cy="0"/>
-        </a:xfrm>
-      </p:grpSpPr>
-      <p:grpSp>
-        <p:nvGrpSpPr>
-          <p:cNvPr id="38" name="Grouper 37"/>
-          <p:cNvGrpSpPr>
-            <a:grpSpLocks noChangeAspect="1"/>
-          </p:cNvGrpSpPr>
-          <p:nvPr/>
-        </p:nvGrpSpPr>
-        <p:grpSpPr>
-          <a:xfrm>
-            <a:off x="4067944" y="3573016"/>
-            <a:ext cx="1728192" cy="1485285"/>
-            <a:chOff x="3458644" y="3002327"/>
-            <a:chExt cx="1813773" cy="1558836"/>
-          </a:xfrm>
-        </p:grpSpPr>
-        <p:cxnSp>
-          <p:nvCxnSpPr>
-            <p:cNvPr id="30" name="Connecteur droit 29"/>
-            <p:cNvCxnSpPr>
-              <a:stCxn id="23" idx="0"/>
-              <a:endCxn id="19" idx="4"/>
-            </p:cNvCxnSpPr>
-            <p:nvPr/>
-          </p:nvCxnSpPr>
-          <p:spPr>
-            <a:xfrm flipV="1">
-              <a:off x="4035430" y="4454560"/>
-              <a:ext cx="660202" cy="7643"/>
-            </a:xfrm>
-            <a:prstGeom prst="line">
-              <a:avLst/>
-            </a:prstGeom>
-            <a:solidFill>
-              <a:schemeClr val="bg1"/>
-            </a:solidFill>
-            <a:ln w="12700" cmpd="sng">
-              <a:solidFill>
-                <a:schemeClr val="tx1"/>
-              </a:solidFill>
-              <a:prstDash val="solid"/>
-            </a:ln>
-            <a:effectLst/>
-          </p:spPr>
-          <p:style>
-            <a:lnRef idx="1">
-              <a:schemeClr val="accent1"/>
-            </a:lnRef>
-            <a:fillRef idx="3">
-              <a:schemeClr val="accent1"/>
-            </a:fillRef>
-            <a:effectRef idx="2">
-              <a:schemeClr val="accent1"/>
-            </a:effectRef>
-            <a:fontRef idx="minor">
-              <a:schemeClr val="lt1"/>
-            </a:fontRef>
-          </p:style>
-        </p:cxnSp>
-        <p:cxnSp>
-          <p:nvCxnSpPr>
-            <p:cNvPr id="29" name="Connecteur droit 28"/>
-            <p:cNvCxnSpPr>
-              <a:stCxn id="23" idx="4"/>
-              <a:endCxn id="3" idx="4"/>
-            </p:cNvCxnSpPr>
-            <p:nvPr/>
-          </p:nvCxnSpPr>
-          <p:spPr>
-            <a:xfrm flipV="1">
-              <a:off x="3557606" y="3340203"/>
-              <a:ext cx="451124" cy="644175"/>
-            </a:xfrm>
-            <a:prstGeom prst="line">
-              <a:avLst/>
-            </a:prstGeom>
-            <a:solidFill>
-              <a:schemeClr val="bg1"/>
-            </a:solidFill>
-            <a:ln w="12700" cmpd="sng">
-              <a:solidFill>
-                <a:schemeClr val="tx1"/>
-              </a:solidFill>
-              <a:prstDash val="solid"/>
-            </a:ln>
-            <a:effectLst/>
-          </p:spPr>
-          <p:style>
-            <a:lnRef idx="1">
-              <a:schemeClr val="accent1"/>
-            </a:lnRef>
-            <a:fillRef idx="3">
-              <a:schemeClr val="accent1"/>
-            </a:fillRef>
-            <a:effectRef idx="2">
-              <a:schemeClr val="accent1"/>
-            </a:effectRef>
-            <a:fontRef idx="minor">
-              <a:schemeClr val="lt1"/>
-            </a:fontRef>
-          </p:style>
-        </p:cxnSp>
-        <p:cxnSp>
-          <p:nvCxnSpPr>
-            <p:cNvPr id="27" name="Connecteur droit 26"/>
-            <p:cNvCxnSpPr>
-              <a:stCxn id="3" idx="0"/>
-              <a:endCxn id="19" idx="0"/>
-            </p:cNvCxnSpPr>
-            <p:nvPr/>
-          </p:nvCxnSpPr>
-          <p:spPr>
-            <a:xfrm>
-              <a:off x="4684476" y="3340203"/>
-              <a:ext cx="488980" cy="636532"/>
-            </a:xfrm>
-            <a:prstGeom prst="line">
-              <a:avLst/>
-            </a:prstGeom>
-            <a:solidFill>
-              <a:schemeClr val="bg1"/>
-            </a:solidFill>
-            <a:ln w="12700" cmpd="sng">
-              <a:solidFill>
-                <a:schemeClr val="tx1"/>
-              </a:solidFill>
-              <a:prstDash val="solid"/>
-            </a:ln>
-            <a:effectLst/>
-          </p:spPr>
-          <p:style>
-            <a:lnRef idx="1">
-              <a:schemeClr val="accent1"/>
-            </a:lnRef>
-            <a:fillRef idx="3">
-              <a:schemeClr val="accent1"/>
-            </a:fillRef>
-            <a:effectRef idx="2">
-              <a:schemeClr val="accent1"/>
-            </a:effectRef>
-            <a:fontRef idx="minor">
-              <a:schemeClr val="lt1"/>
-            </a:fontRef>
-          </p:style>
-        </p:cxnSp>
-        <p:sp>
-          <p:nvSpPr>
-            <p:cNvPr id="3" name="Ellipse 2"/>
-            <p:cNvSpPr/>
-            <p:nvPr/>
-          </p:nvSpPr>
-          <p:spPr>
-            <a:xfrm rot="5400000">
-              <a:off x="4008728" y="3002329"/>
-              <a:ext cx="675749" cy="675746"/>
-            </a:xfrm>
-            <a:prstGeom prst="ellipse">
-              <a:avLst/>
-            </a:prstGeom>
-            <a:solidFill>
-              <a:schemeClr val="bg1"/>
-            </a:solidFill>
-            <a:ln w="12700" cmpd="sng">
-              <a:solidFill>
-                <a:schemeClr val="tx1"/>
-              </a:solidFill>
-              <a:prstDash val="solid"/>
-            </a:ln>
-            <a:effectLst/>
-          </p:spPr>
-          <p:style>
-            <a:lnRef idx="1">
-              <a:schemeClr val="accent1"/>
-            </a:lnRef>
-            <a:fillRef idx="3">
-              <a:schemeClr val="accent1"/>
-            </a:fillRef>
-            <a:effectRef idx="2">
-              <a:schemeClr val="accent1"/>
-            </a:effectRef>
-            <a:fontRef idx="minor">
-              <a:schemeClr val="lt1"/>
-            </a:fontRef>
-          </p:style>
-          <p:txBody>
-            <a:bodyPr rtlCol="0" anchor="ctr"/>
-            <a:lstStyle/>
-            <a:p>
-              <a:pPr algn="ctr"/>
-              <a:endParaRPr lang="en-US" sz="1500" dirty="0">
-                <a:solidFill>
-                  <a:schemeClr val="tx1"/>
-                </a:solidFill>
-              </a:endParaRPr>
-            </a:p>
-          </p:txBody>
-        </p:sp>
-        <p:sp>
-          <p:nvSpPr>
-            <p:cNvPr id="4" name="Rectangle 3"/>
-            <p:cNvSpPr/>
-            <p:nvPr/>
-          </p:nvSpPr>
-          <p:spPr>
-            <a:xfrm rot="5400000">
-              <a:off x="4640127" y="3302662"/>
-              <a:ext cx="73205" cy="75082"/>
-            </a:xfrm>
-            <a:prstGeom prst="rect">
-              <a:avLst/>
-            </a:prstGeom>
-            <a:solidFill>
-              <a:srgbClr val="3366FF"/>
-            </a:solidFill>
-            <a:ln w="12700" cmpd="sng">
-              <a:solidFill>
-                <a:srgbClr val="3366FF"/>
-              </a:solidFill>
-            </a:ln>
-            <a:effectLst/>
-          </p:spPr>
-          <p:style>
-            <a:lnRef idx="1">
-              <a:schemeClr val="accent1"/>
-            </a:lnRef>
-            <a:fillRef idx="3">
-              <a:schemeClr val="accent1"/>
-            </a:fillRef>
-            <a:effectRef idx="2">
-              <a:schemeClr val="accent1"/>
-            </a:effectRef>
-            <a:fontRef idx="minor">
-              <a:schemeClr val="lt1"/>
-            </a:fontRef>
-          </p:style>
-          <p:txBody>
-            <a:bodyPr rtlCol="0" anchor="ctr"/>
-            <a:lstStyle/>
-            <a:p>
-              <a:pPr algn="ctr"/>
-              <a:endParaRPr lang="en-US"/>
-            </a:p>
-          </p:txBody>
-        </p:sp>
-        <p:sp>
-          <p:nvSpPr>
-            <p:cNvPr id="5" name="Rectangle 4"/>
-            <p:cNvSpPr/>
-            <p:nvPr/>
-          </p:nvSpPr>
-          <p:spPr>
-            <a:xfrm rot="5400000">
-              <a:off x="3969354" y="3302661"/>
-              <a:ext cx="73205" cy="75084"/>
-            </a:xfrm>
-            <a:prstGeom prst="rect">
-              <a:avLst/>
-            </a:prstGeom>
-            <a:solidFill>
-              <a:srgbClr val="3366FF"/>
-            </a:solidFill>
-            <a:ln w="12700" cmpd="sng">
-              <a:solidFill>
-                <a:srgbClr val="3366FF"/>
-              </a:solidFill>
-            </a:ln>
-            <a:effectLst/>
-          </p:spPr>
-          <p:style>
-            <a:lnRef idx="1">
-              <a:schemeClr val="accent1"/>
-            </a:lnRef>
-            <a:fillRef idx="3">
-              <a:schemeClr val="accent1"/>
-            </a:fillRef>
-            <a:effectRef idx="2">
-              <a:schemeClr val="accent1"/>
-            </a:effectRef>
-            <a:fontRef idx="minor">
-              <a:schemeClr val="lt1"/>
-            </a:fontRef>
-          </p:style>
-          <p:txBody>
-            <a:bodyPr rtlCol="0" anchor="ctr"/>
-            <a:lstStyle/>
-            <a:p>
-              <a:pPr algn="ctr"/>
-              <a:endParaRPr lang="en-US"/>
-            </a:p>
-          </p:txBody>
-        </p:sp>
-        <p:sp>
-          <p:nvSpPr>
-            <p:cNvPr id="19" name="Ellipse 18"/>
-            <p:cNvSpPr/>
-            <p:nvPr/>
-          </p:nvSpPr>
-          <p:spPr>
-            <a:xfrm rot="2700000">
-              <a:off x="4596669" y="3877774"/>
-              <a:ext cx="675749" cy="675746"/>
-            </a:xfrm>
-            <a:prstGeom prst="ellipse">
-              <a:avLst/>
-            </a:prstGeom>
-            <a:solidFill>
-              <a:schemeClr val="bg1"/>
-            </a:solidFill>
-            <a:ln w="12700" cmpd="sng">
-              <a:solidFill>
-                <a:schemeClr val="tx1"/>
-              </a:solidFill>
-              <a:prstDash val="solid"/>
-            </a:ln>
-            <a:effectLst/>
-          </p:spPr>
-          <p:style>
-            <a:lnRef idx="1">
-              <a:schemeClr val="accent1"/>
-            </a:lnRef>
-            <a:fillRef idx="3">
-              <a:schemeClr val="accent1"/>
-            </a:fillRef>
-            <a:effectRef idx="2">
-              <a:schemeClr val="accent1"/>
-            </a:effectRef>
-            <a:fontRef idx="minor">
-              <a:schemeClr val="lt1"/>
-            </a:fontRef>
-          </p:style>
-          <p:txBody>
-            <a:bodyPr rtlCol="0" anchor="ctr"/>
-            <a:lstStyle/>
-            <a:p>
-              <a:pPr algn="ctr"/>
-              <a:endParaRPr lang="en-US" sz="1500" dirty="0">
-                <a:solidFill>
-                  <a:schemeClr val="tx1"/>
-                </a:solidFill>
-              </a:endParaRPr>
-            </a:p>
-          </p:txBody>
-        </p:sp>
-        <p:sp>
-          <p:nvSpPr>
-            <p:cNvPr id="20" name="Rectangle 19"/>
-            <p:cNvSpPr/>
-            <p:nvPr/>
-          </p:nvSpPr>
-          <p:spPr>
-            <a:xfrm rot="2700000">
-              <a:off x="5131376" y="3944671"/>
-              <a:ext cx="73205" cy="75082"/>
-            </a:xfrm>
-            <a:prstGeom prst="rect">
-              <a:avLst/>
-            </a:prstGeom>
-            <a:solidFill>
-              <a:srgbClr val="3366FF"/>
-            </a:solidFill>
-            <a:ln w="12700" cmpd="sng">
-              <a:solidFill>
-                <a:srgbClr val="3366FF"/>
-              </a:solidFill>
-            </a:ln>
-            <a:effectLst/>
-          </p:spPr>
-          <p:style>
-            <a:lnRef idx="1">
-              <a:schemeClr val="accent1"/>
-            </a:lnRef>
-            <a:fillRef idx="3">
-              <a:schemeClr val="accent1"/>
-            </a:fillRef>
-            <a:effectRef idx="2">
-              <a:schemeClr val="accent1"/>
-            </a:effectRef>
-            <a:fontRef idx="minor">
-              <a:schemeClr val="lt1"/>
-            </a:fontRef>
-          </p:style>
-          <p:txBody>
-            <a:bodyPr rtlCol="0" anchor="ctr"/>
-            <a:lstStyle/>
-            <a:p>
-              <a:pPr algn="ctr"/>
-              <a:endParaRPr lang="en-US"/>
-            </a:p>
-          </p:txBody>
-        </p:sp>
-        <p:sp>
-          <p:nvSpPr>
-            <p:cNvPr id="21" name="Rectangle 20"/>
-            <p:cNvSpPr/>
-            <p:nvPr/>
-          </p:nvSpPr>
-          <p:spPr>
-            <a:xfrm rot="2700000">
-              <a:off x="4657068" y="4418977"/>
-              <a:ext cx="73205" cy="75084"/>
-            </a:xfrm>
-            <a:prstGeom prst="rect">
-              <a:avLst/>
-            </a:prstGeom>
-            <a:solidFill>
-              <a:srgbClr val="3366FF"/>
-            </a:solidFill>
-            <a:ln w="12700" cmpd="sng">
-              <a:solidFill>
-                <a:srgbClr val="3366FF"/>
-              </a:solidFill>
-            </a:ln>
-            <a:effectLst/>
-          </p:spPr>
-          <p:style>
-            <a:lnRef idx="1">
-              <a:schemeClr val="accent1"/>
-            </a:lnRef>
-            <a:fillRef idx="3">
-              <a:schemeClr val="accent1"/>
-            </a:fillRef>
-            <a:effectRef idx="2">
-              <a:schemeClr val="accent1"/>
-            </a:effectRef>
-            <a:fontRef idx="minor">
-              <a:schemeClr val="lt1"/>
-            </a:fontRef>
-          </p:style>
-          <p:txBody>
-            <a:bodyPr rtlCol="0" anchor="ctr"/>
-            <a:lstStyle/>
-            <a:p>
-              <a:pPr algn="ctr"/>
-              <a:endParaRPr lang="en-US"/>
-            </a:p>
-          </p:txBody>
-        </p:sp>
-        <p:sp>
-          <p:nvSpPr>
-            <p:cNvPr id="23" name="Ellipse 22"/>
-            <p:cNvSpPr/>
-            <p:nvPr/>
-          </p:nvSpPr>
-          <p:spPr>
-            <a:xfrm rot="8100000">
-              <a:off x="3458644" y="3885417"/>
-              <a:ext cx="675749" cy="675746"/>
-            </a:xfrm>
-            <a:prstGeom prst="ellipse">
-              <a:avLst/>
-            </a:prstGeom>
-            <a:solidFill>
-              <a:schemeClr val="bg1"/>
-            </a:solidFill>
-            <a:ln w="12700" cmpd="sng">
-              <a:solidFill>
-                <a:schemeClr val="tx1"/>
-              </a:solidFill>
-              <a:prstDash val="solid"/>
-            </a:ln>
-            <a:effectLst/>
-          </p:spPr>
-          <p:style>
-            <a:lnRef idx="1">
-              <a:schemeClr val="accent1"/>
-            </a:lnRef>
-            <a:fillRef idx="3">
-              <a:schemeClr val="accent1"/>
-            </a:fillRef>
-            <a:effectRef idx="2">
-              <a:schemeClr val="accent1"/>
-            </a:effectRef>
-            <a:fontRef idx="minor">
-              <a:schemeClr val="lt1"/>
-            </a:fontRef>
-          </p:style>
-          <p:txBody>
-            <a:bodyPr rtlCol="0" anchor="ctr"/>
-            <a:lstStyle/>
-            <a:p>
-              <a:pPr algn="ctr"/>
-              <a:endParaRPr lang="en-US" sz="1500" dirty="0">
-                <a:solidFill>
-                  <a:schemeClr val="tx1"/>
-                </a:solidFill>
-              </a:endParaRPr>
-            </a:p>
-          </p:txBody>
-        </p:sp>
-        <p:sp>
-          <p:nvSpPr>
-            <p:cNvPr id="24" name="Rectangle 23"/>
-            <p:cNvSpPr/>
-            <p:nvPr/>
-          </p:nvSpPr>
-          <p:spPr>
-            <a:xfrm rot="8100000">
-              <a:off x="3993350" y="4419185"/>
-              <a:ext cx="73205" cy="75082"/>
-            </a:xfrm>
-            <a:prstGeom prst="rect">
-              <a:avLst/>
-            </a:prstGeom>
-            <a:solidFill>
-              <a:srgbClr val="3366FF"/>
-            </a:solidFill>
-            <a:ln w="12700" cmpd="sng">
-              <a:solidFill>
-                <a:srgbClr val="3366FF"/>
-              </a:solidFill>
-            </a:ln>
-            <a:effectLst/>
-          </p:spPr>
-          <p:style>
-            <a:lnRef idx="1">
-              <a:schemeClr val="accent1"/>
-            </a:lnRef>
-            <a:fillRef idx="3">
-              <a:schemeClr val="accent1"/>
-            </a:fillRef>
-            <a:effectRef idx="2">
-              <a:schemeClr val="accent1"/>
-            </a:effectRef>
-            <a:fontRef idx="minor">
-              <a:schemeClr val="lt1"/>
-            </a:fontRef>
-          </p:style>
-          <p:txBody>
-            <a:bodyPr rtlCol="0" anchor="ctr"/>
-            <a:lstStyle/>
-            <a:p>
-              <a:pPr algn="ctr"/>
-              <a:endParaRPr lang="en-US"/>
-            </a:p>
-          </p:txBody>
-        </p:sp>
-        <p:sp>
-          <p:nvSpPr>
-            <p:cNvPr id="25" name="Rectangle 24"/>
-            <p:cNvSpPr/>
-            <p:nvPr/>
-          </p:nvSpPr>
-          <p:spPr>
-            <a:xfrm rot="8100000">
-              <a:off x="3519043" y="3944876"/>
-              <a:ext cx="73205" cy="75084"/>
-            </a:xfrm>
-            <a:prstGeom prst="rect">
-              <a:avLst/>
-            </a:prstGeom>
-            <a:solidFill>
-              <a:srgbClr val="3366FF"/>
-            </a:solidFill>
-            <a:ln w="12700" cmpd="sng">
-              <a:solidFill>
-                <a:srgbClr val="3366FF"/>
-              </a:solidFill>
-            </a:ln>
-            <a:effectLst/>
-          </p:spPr>
-          <p:style>
-            <a:lnRef idx="1">
-              <a:schemeClr val="accent1"/>
-            </a:lnRef>
-            <a:fillRef idx="3">
-              <a:schemeClr val="accent1"/>
-            </a:fillRef>
-            <a:effectRef idx="2">
-              <a:schemeClr val="accent1"/>
-            </a:effectRef>
-            <a:fontRef idx="minor">
-              <a:schemeClr val="lt1"/>
-            </a:fontRef>
-          </p:style>
-          <p:txBody>
-            <a:bodyPr rtlCol="0" anchor="ctr"/>
-            <a:lstStyle/>
-            <a:p>
-              <a:pPr algn="ctr"/>
-              <a:endParaRPr lang="en-US"/>
-            </a:p>
-          </p:txBody>
-        </p:sp>
-      </p:grpSp>
-      <p:sp>
-        <p:nvSpPr>
-          <p:cNvPr id="17" name="Ellipse 30">
-            <a:extLst>
-              <a:ext uri="{FF2B5EF4-FFF2-40B4-BE49-F238E27FC236}">
-                <a16:creationId xmlns:a16="http://schemas.microsoft.com/office/drawing/2014/main" id="{EFBBA983-6AAB-694D-A4F7-112ECFE701A7}"/>
-              </a:ext>
-            </a:extLst>
-          </p:cNvPr>
-          <p:cNvSpPr/>
-          <p:nvPr/>
-        </p:nvSpPr>
-        <p:spPr>
-          <a:xfrm rot="5400000">
-            <a:off x="5635857" y="1412779"/>
-            <a:ext cx="709799" cy="709794"/>
-          </a:xfrm>
-          <a:prstGeom prst="ellipse">
-            <a:avLst/>
-          </a:prstGeom>
-          <a:solidFill>
-            <a:schemeClr val="bg1"/>
-          </a:solidFill>
-          <a:ln w="9525" cmpd="sng">
-            <a:solidFill>
-              <a:schemeClr val="tx1"/>
-            </a:solidFill>
-            <a:prstDash val="solid"/>
-          </a:ln>
-          <a:effectLst/>
-        </p:spPr>
-        <p:style>
-          <a:lnRef idx="1">
-            <a:schemeClr val="accent1"/>
-          </a:lnRef>
-          <a:fillRef idx="3">
-            <a:schemeClr val="accent1"/>
-          </a:fillRef>
-          <a:effectRef idx="2">
-            <a:schemeClr val="accent1"/>
-          </a:effectRef>
-          <a:fontRef idx="minor">
-            <a:schemeClr val="lt1"/>
-          </a:fontRef>
-        </p:style>
-        <p:txBody>
-          <a:bodyPr rtlCol="0" anchor="ctr"/>
-          <a:lstStyle/>
-          <a:p>
-            <a:pPr algn="ctr"/>
-            <a:endParaRPr lang="en-US" sz="1500">
-              <a:solidFill>
-                <a:schemeClr val="tx1"/>
-              </a:solidFill>
-            </a:endParaRPr>
-          </a:p>
-        </p:txBody>
-      </p:sp>
-      <p:sp>
-        <p:nvSpPr>
-          <p:cNvPr id="18" name="Ellipse 31">
-            <a:extLst>
-              <a:ext uri="{FF2B5EF4-FFF2-40B4-BE49-F238E27FC236}">
-                <a16:creationId xmlns:a16="http://schemas.microsoft.com/office/drawing/2014/main" id="{21D31A1A-FF3D-894D-969B-C4445D3DC045}"/>
-              </a:ext>
-            </a:extLst>
-          </p:cNvPr>
-          <p:cNvSpPr/>
-          <p:nvPr/>
-        </p:nvSpPr>
-        <p:spPr>
-          <a:xfrm rot="5400000">
-            <a:off x="5635857" y="2359166"/>
-            <a:ext cx="709794" cy="709794"/>
-          </a:xfrm>
-          <a:prstGeom prst="ellipse">
-            <a:avLst/>
-          </a:prstGeom>
-          <a:solidFill>
-            <a:schemeClr val="bg1"/>
-          </a:solidFill>
-          <a:ln w="9525" cmpd="sng">
-            <a:solidFill>
-              <a:schemeClr val="tx1"/>
-            </a:solidFill>
-            <a:prstDash val="solid"/>
-          </a:ln>
-          <a:effectLst/>
-        </p:spPr>
-        <p:style>
-          <a:lnRef idx="1">
-            <a:schemeClr val="accent1"/>
-          </a:lnRef>
-          <a:fillRef idx="3">
-            <a:schemeClr val="accent1"/>
-          </a:fillRef>
-          <a:effectRef idx="2">
-            <a:schemeClr val="accent1"/>
-          </a:effectRef>
-          <a:fontRef idx="minor">
-            <a:schemeClr val="lt1"/>
-          </a:fontRef>
-        </p:style>
-        <p:txBody>
-          <a:bodyPr rtlCol="0" anchor="ctr"/>
-          <a:lstStyle/>
-          <a:p>
-            <a:pPr algn="ctr"/>
-            <a:endParaRPr lang="en-US" sz="1500">
-              <a:solidFill>
-                <a:schemeClr val="tx1"/>
-              </a:solidFill>
-            </a:endParaRPr>
-          </a:p>
-        </p:txBody>
-      </p:sp>
-      <p:cxnSp>
-        <p:nvCxnSpPr>
-          <p:cNvPr id="22" name="Connecteur droit 33">
-            <a:extLst>
-              <a:ext uri="{FF2B5EF4-FFF2-40B4-BE49-F238E27FC236}">
-                <a16:creationId xmlns:a16="http://schemas.microsoft.com/office/drawing/2014/main" id="{E22ADDAE-1F1B-4246-8340-197E8423F901}"/>
-              </a:ext>
-            </a:extLst>
-          </p:cNvPr>
-          <p:cNvCxnSpPr>
-            <a:cxnSpLocks/>
-            <a:stCxn id="17" idx="0"/>
-            <a:endCxn id="18" idx="0"/>
-          </p:cNvCxnSpPr>
-          <p:nvPr/>
-        </p:nvCxnSpPr>
-        <p:spPr>
-          <a:xfrm flipH="1">
-            <a:off x="6345652" y="1767675"/>
-            <a:ext cx="2" cy="946389"/>
-          </a:xfrm>
-          <a:prstGeom prst="curvedConnector3">
-            <a:avLst>
-              <a:gd name="adj1" fmla="val -22860100000"/>
-            </a:avLst>
-          </a:prstGeom>
-          <a:solidFill>
-            <a:schemeClr val="bg1"/>
-          </a:solidFill>
-          <a:ln w="9525" cmpd="sng">
-            <a:solidFill>
-              <a:schemeClr val="tx1"/>
-            </a:solidFill>
-            <a:prstDash val="solid"/>
-          </a:ln>
-          <a:effectLst/>
-        </p:spPr>
-        <p:style>
-          <a:lnRef idx="1">
-            <a:schemeClr val="accent1"/>
-          </a:lnRef>
-          <a:fillRef idx="3">
-            <a:schemeClr val="accent1"/>
-          </a:fillRef>
-          <a:effectRef idx="2">
-            <a:schemeClr val="accent1"/>
-          </a:effectRef>
-          <a:fontRef idx="minor">
-            <a:schemeClr val="lt1"/>
-          </a:fontRef>
-        </p:style>
-      </p:cxnSp>
-      <p:cxnSp>
-        <p:nvCxnSpPr>
-          <p:cNvPr id="26" name="Connecteur droit 33">
-            <a:extLst>
-              <a:ext uri="{FF2B5EF4-FFF2-40B4-BE49-F238E27FC236}">
-                <a16:creationId xmlns:a16="http://schemas.microsoft.com/office/drawing/2014/main" id="{92E60F5C-3095-644D-8568-0CB4DCFF695D}"/>
-              </a:ext>
-            </a:extLst>
-          </p:cNvPr>
-          <p:cNvCxnSpPr>
-            <a:cxnSpLocks/>
-            <a:stCxn id="17" idx="4"/>
-            <a:endCxn id="18" idx="4"/>
-          </p:cNvCxnSpPr>
-          <p:nvPr/>
-        </p:nvCxnSpPr>
-        <p:spPr>
-          <a:xfrm rot="10800000" flipV="1">
-            <a:off x="5635860" y="1767674"/>
-            <a:ext cx="2" cy="946389"/>
-          </a:xfrm>
-          <a:prstGeom prst="curvedConnector3">
-            <a:avLst>
-              <a:gd name="adj1" fmla="val 22860100000"/>
-            </a:avLst>
-          </a:prstGeom>
-          <a:solidFill>
-            <a:schemeClr val="bg1"/>
-          </a:solidFill>
-          <a:ln w="9525" cmpd="sng">
-            <a:solidFill>
-              <a:schemeClr val="tx1"/>
-            </a:solidFill>
-            <a:prstDash val="solid"/>
-          </a:ln>
-          <a:effectLst/>
-        </p:spPr>
-        <p:style>
-          <a:lnRef idx="1">
-            <a:schemeClr val="accent1"/>
-          </a:lnRef>
-          <a:fillRef idx="3">
-            <a:schemeClr val="accent1"/>
-          </a:fillRef>
-          <a:effectRef idx="2">
-            <a:schemeClr val="accent1"/>
-          </a:effectRef>
-          <a:fontRef idx="minor">
-            <a:schemeClr val="lt1"/>
-          </a:fontRef>
-        </p:style>
-      </p:cxnSp>
-      <p:sp>
-        <p:nvSpPr>
-          <p:cNvPr id="28" name="Rectangle 27">
-            <a:extLst>
-              <a:ext uri="{FF2B5EF4-FFF2-40B4-BE49-F238E27FC236}">
-                <a16:creationId xmlns:a16="http://schemas.microsoft.com/office/drawing/2014/main" id="{A4484CF5-9D7D-F549-ADE5-AF797A2D6380}"/>
-              </a:ext>
-            </a:extLst>
-          </p:cNvPr>
-          <p:cNvSpPr/>
-          <p:nvPr/>
-        </p:nvSpPr>
-        <p:spPr>
-          <a:xfrm rot="5400000">
-            <a:off x="6299070" y="1714534"/>
-            <a:ext cx="76894" cy="78865"/>
-          </a:xfrm>
-          <a:prstGeom prst="rect">
-            <a:avLst/>
-          </a:prstGeom>
-          <a:solidFill>
-            <a:srgbClr val="3366FF"/>
-          </a:solidFill>
-          <a:ln>
-            <a:solidFill>
-              <a:srgbClr val="3366FF"/>
-            </a:solidFill>
-          </a:ln>
-          <a:effectLst/>
-        </p:spPr>
-        <p:style>
-          <a:lnRef idx="1">
-            <a:schemeClr val="accent1"/>
-          </a:lnRef>
-          <a:fillRef idx="3">
-            <a:schemeClr val="accent1"/>
-          </a:fillRef>
-          <a:effectRef idx="2">
-            <a:schemeClr val="accent1"/>
-          </a:effectRef>
-          <a:fontRef idx="minor">
-            <a:schemeClr val="lt1"/>
-          </a:fontRef>
-        </p:style>
-        <p:txBody>
-          <a:bodyPr rtlCol="0" anchor="ctr"/>
-          <a:lstStyle/>
-          <a:p>
-            <a:pPr algn="ctr"/>
-            <a:endParaRPr lang="en-US"/>
-          </a:p>
-        </p:txBody>
-      </p:sp>
-      <p:sp>
-        <p:nvSpPr>
-          <p:cNvPr id="31" name="Rectangle 30">
-            <a:extLst>
-              <a:ext uri="{FF2B5EF4-FFF2-40B4-BE49-F238E27FC236}">
-                <a16:creationId xmlns:a16="http://schemas.microsoft.com/office/drawing/2014/main" id="{0AA86495-79EE-584F-99FF-747F5736EF7B}"/>
-              </a:ext>
-            </a:extLst>
-          </p:cNvPr>
-          <p:cNvSpPr/>
-          <p:nvPr/>
-        </p:nvSpPr>
-        <p:spPr>
-          <a:xfrm rot="5400000">
-            <a:off x="5594501" y="1714532"/>
-            <a:ext cx="76894" cy="78867"/>
-          </a:xfrm>
-          <a:prstGeom prst="rect">
-            <a:avLst/>
-          </a:prstGeom>
-          <a:solidFill>
-            <a:srgbClr val="3366FF"/>
-          </a:solidFill>
-          <a:ln>
-            <a:solidFill>
-              <a:srgbClr val="3366FF"/>
-            </a:solidFill>
-          </a:ln>
-          <a:effectLst/>
-        </p:spPr>
-        <p:style>
-          <a:lnRef idx="1">
-            <a:schemeClr val="accent1"/>
-          </a:lnRef>
-          <a:fillRef idx="3">
-            <a:schemeClr val="accent1"/>
-          </a:fillRef>
-          <a:effectRef idx="2">
-            <a:schemeClr val="accent1"/>
-          </a:effectRef>
-          <a:fontRef idx="minor">
-            <a:schemeClr val="lt1"/>
-          </a:fontRef>
-        </p:style>
-        <p:txBody>
-          <a:bodyPr rtlCol="0" anchor="ctr"/>
-          <a:lstStyle/>
-          <a:p>
-            <a:pPr algn="ctr"/>
-            <a:endParaRPr lang="en-US"/>
-          </a:p>
-        </p:txBody>
-      </p:sp>
-      <p:sp>
-        <p:nvSpPr>
-          <p:cNvPr id="32" name="Rectangle 31">
-            <a:extLst>
-              <a:ext uri="{FF2B5EF4-FFF2-40B4-BE49-F238E27FC236}">
-                <a16:creationId xmlns:a16="http://schemas.microsoft.com/office/drawing/2014/main" id="{407B4C81-1617-B54F-98F8-9C0ABBC3E467}"/>
-              </a:ext>
-            </a:extLst>
-          </p:cNvPr>
-          <p:cNvSpPr/>
-          <p:nvPr/>
-        </p:nvSpPr>
-        <p:spPr>
-          <a:xfrm rot="5400000">
-            <a:off x="6306650" y="2684102"/>
-            <a:ext cx="76894" cy="78865"/>
-          </a:xfrm>
-          <a:prstGeom prst="rect">
-            <a:avLst/>
-          </a:prstGeom>
-          <a:solidFill>
-            <a:srgbClr val="3366FF"/>
-          </a:solidFill>
-          <a:ln>
-            <a:solidFill>
-              <a:srgbClr val="3366FF"/>
-            </a:solidFill>
-          </a:ln>
-          <a:effectLst/>
-        </p:spPr>
-        <p:style>
-          <a:lnRef idx="1">
-            <a:schemeClr val="accent1"/>
-          </a:lnRef>
-          <a:fillRef idx="3">
-            <a:schemeClr val="accent1"/>
-          </a:fillRef>
-          <a:effectRef idx="2">
-            <a:schemeClr val="accent1"/>
-          </a:effectRef>
-          <a:fontRef idx="minor">
-            <a:schemeClr val="lt1"/>
-          </a:fontRef>
-        </p:style>
-        <p:txBody>
-          <a:bodyPr rtlCol="0" anchor="ctr"/>
-          <a:lstStyle/>
-          <a:p>
-            <a:pPr algn="ctr"/>
-            <a:endParaRPr lang="en-US"/>
-          </a:p>
-        </p:txBody>
-      </p:sp>
-      <p:sp>
-        <p:nvSpPr>
-          <p:cNvPr id="33" name="Rectangle 32">
-            <a:extLst>
-              <a:ext uri="{FF2B5EF4-FFF2-40B4-BE49-F238E27FC236}">
-                <a16:creationId xmlns:a16="http://schemas.microsoft.com/office/drawing/2014/main" id="{4C03D9EC-3997-934F-98E8-D57DE7916E39}"/>
-              </a:ext>
-            </a:extLst>
-          </p:cNvPr>
-          <p:cNvSpPr/>
-          <p:nvPr/>
-        </p:nvSpPr>
-        <p:spPr>
-          <a:xfrm rot="5400000">
-            <a:off x="5602081" y="2684100"/>
-            <a:ext cx="76894" cy="78867"/>
-          </a:xfrm>
-          <a:prstGeom prst="rect">
-            <a:avLst/>
-          </a:prstGeom>
-          <a:solidFill>
-            <a:srgbClr val="3366FF"/>
-          </a:solidFill>
-          <a:ln>
-            <a:solidFill>
-              <a:srgbClr val="3366FF"/>
-            </a:solidFill>
-          </a:ln>
-          <a:effectLst/>
-        </p:spPr>
-        <p:style>
-          <a:lnRef idx="1">
-            <a:schemeClr val="accent1"/>
-          </a:lnRef>
-          <a:fillRef idx="3">
-            <a:schemeClr val="accent1"/>
-          </a:fillRef>
-          <a:effectRef idx="2">
-            <a:schemeClr val="accent1"/>
-          </a:effectRef>
-          <a:fontRef idx="minor">
-            <a:schemeClr val="lt1"/>
-          </a:fontRef>
-        </p:style>
-        <p:txBody>
-          <a:bodyPr rtlCol="0" anchor="ctr"/>
-          <a:lstStyle/>
-          <a:p>
-            <a:pPr algn="ctr"/>
-            <a:endParaRPr lang="en-US"/>
-          </a:p>
-        </p:txBody>
-      </p:sp>
-      <p:cxnSp>
-        <p:nvCxnSpPr>
-          <p:cNvPr id="34" name="Connecteur droit 26">
-            <a:extLst>
-              <a:ext uri="{FF2B5EF4-FFF2-40B4-BE49-F238E27FC236}">
-                <a16:creationId xmlns:a16="http://schemas.microsoft.com/office/drawing/2014/main" id="{8817C557-498C-DC40-BBF0-D6BD497A908B}"/>
-              </a:ext>
-            </a:extLst>
-          </p:cNvPr>
-          <p:cNvCxnSpPr>
-            <a:cxnSpLocks/>
-            <a:stCxn id="17" idx="6"/>
-            <a:endCxn id="18" idx="2"/>
-          </p:cNvCxnSpPr>
-          <p:nvPr/>
-        </p:nvCxnSpPr>
-        <p:spPr>
-          <a:xfrm flipH="1">
-            <a:off x="5990754" y="2122576"/>
-            <a:ext cx="3" cy="236590"/>
-          </a:xfrm>
-          <a:prstGeom prst="line">
-            <a:avLst/>
-          </a:prstGeom>
-          <a:solidFill>
-            <a:schemeClr val="bg1"/>
-          </a:solidFill>
-          <a:ln w="12700" cmpd="sng">
-            <a:solidFill>
-              <a:schemeClr val="tx1"/>
-            </a:solidFill>
-            <a:prstDash val="solid"/>
-          </a:ln>
-          <a:effectLst/>
-        </p:spPr>
-        <p:style>
-          <a:lnRef idx="1">
-            <a:schemeClr val="accent1"/>
-          </a:lnRef>
-          <a:fillRef idx="3">
-            <a:schemeClr val="accent1"/>
-          </a:fillRef>
-          <a:effectRef idx="2">
-            <a:schemeClr val="accent1"/>
-          </a:effectRef>
-          <a:fontRef idx="minor">
-            <a:schemeClr val="lt1"/>
-          </a:fontRef>
-        </p:style>
-      </p:cxnSp>
-      <p:sp>
-        <p:nvSpPr>
-          <p:cNvPr id="35" name="Rectangle 34">
-            <a:extLst>
-              <a:ext uri="{FF2B5EF4-FFF2-40B4-BE49-F238E27FC236}">
-                <a16:creationId xmlns:a16="http://schemas.microsoft.com/office/drawing/2014/main" id="{410BF40C-A9CC-964E-A2F0-C274317FCCE0}"/>
-              </a:ext>
-            </a:extLst>
-          </p:cNvPr>
-          <p:cNvSpPr/>
-          <p:nvPr/>
-        </p:nvSpPr>
-        <p:spPr>
-          <a:xfrm rot="5400000">
-            <a:off x="5955881" y="2086806"/>
-            <a:ext cx="69751" cy="71539"/>
-          </a:xfrm>
-          <a:prstGeom prst="rect">
-            <a:avLst/>
-          </a:prstGeom>
-          <a:solidFill>
-            <a:srgbClr val="3366FF"/>
-          </a:solidFill>
-          <a:ln w="12700" cmpd="sng">
-            <a:solidFill>
-              <a:srgbClr val="3366FF"/>
-            </a:solidFill>
-          </a:ln>
-          <a:effectLst/>
-        </p:spPr>
-        <p:style>
-          <a:lnRef idx="1">
-            <a:schemeClr val="accent1"/>
-          </a:lnRef>
-          <a:fillRef idx="3">
-            <a:schemeClr val="accent1"/>
-          </a:fillRef>
-          <a:effectRef idx="2">
-            <a:schemeClr val="accent1"/>
-          </a:effectRef>
-          <a:fontRef idx="minor">
-            <a:schemeClr val="lt1"/>
-          </a:fontRef>
-        </p:style>
-        <p:txBody>
-          <a:bodyPr rtlCol="0" anchor="ctr"/>
-          <a:lstStyle/>
-          <a:p>
-            <a:pPr algn="ctr"/>
-            <a:endParaRPr lang="en-US"/>
-          </a:p>
-        </p:txBody>
-      </p:sp>
-      <p:sp>
-        <p:nvSpPr>
-          <p:cNvPr id="36" name="Rectangle 35">
-            <a:extLst>
-              <a:ext uri="{FF2B5EF4-FFF2-40B4-BE49-F238E27FC236}">
-                <a16:creationId xmlns:a16="http://schemas.microsoft.com/office/drawing/2014/main" id="{D75AED67-EBDC-1E42-9705-0E2061EA6B0E}"/>
-              </a:ext>
-            </a:extLst>
-          </p:cNvPr>
-          <p:cNvSpPr/>
-          <p:nvPr/>
-        </p:nvSpPr>
-        <p:spPr>
-          <a:xfrm rot="5400000">
-            <a:off x="5959492" y="2323397"/>
-            <a:ext cx="69751" cy="71539"/>
-          </a:xfrm>
-          <a:prstGeom prst="rect">
-            <a:avLst/>
-          </a:prstGeom>
-          <a:solidFill>
-            <a:srgbClr val="3366FF"/>
-          </a:solidFill>
-          <a:ln w="12700" cmpd="sng">
-            <a:solidFill>
-              <a:srgbClr val="3366FF"/>
-            </a:solidFill>
-          </a:ln>
-          <a:effectLst/>
-        </p:spPr>
-        <p:style>
-          <a:lnRef idx="1">
-            <a:schemeClr val="accent1"/>
-          </a:lnRef>
-          <a:fillRef idx="3">
-            <a:schemeClr val="accent1"/>
-          </a:fillRef>
-          <a:effectRef idx="2">
-            <a:schemeClr val="accent1"/>
-          </a:effectRef>
-          <a:fontRef idx="minor">
-            <a:schemeClr val="lt1"/>
-          </a:fontRef>
-        </p:style>
-        <p:txBody>
-          <a:bodyPr rtlCol="0" anchor="ctr"/>
-          <a:lstStyle/>
-          <a:p>
-            <a:pPr algn="ctr"/>
-            <a:endParaRPr lang="en-US"/>
-          </a:p>
-        </p:txBody>
-      </p:sp>
-    </p:spTree>
-    <p:extLst>
-      <p:ext uri="{BB962C8B-B14F-4D97-AF65-F5344CB8AC3E}">
-        <p14:creationId xmlns:p14="http://schemas.microsoft.com/office/powerpoint/2010/main" val="1584804928"/>
       </p:ext>
     </p:extLst>
   </p:cSld>

--- a/paper/figures/OverviewSPORES.pptx
+++ b/paper/figures/OverviewSPORES.pptx
@@ -302,7 +302,7 @@
           <a:p>
             <a:fld id="{756D4E82-7815-AC48-AE87-A78DE185AB60}" type="datetimeFigureOut">
               <a:rPr lang="fr-FR" smtClean="0"/>
-              <a:t>07/08/2018</a:t>
+              <a:t>08/08/2018</a:t>
             </a:fld>
             <a:endParaRPr lang="en-US"/>
           </a:p>
@@ -470,7 +470,7 @@
           <a:p>
             <a:fld id="{756D4E82-7815-AC48-AE87-A78DE185AB60}" type="datetimeFigureOut">
               <a:rPr lang="fr-FR" smtClean="0"/>
-              <a:t>07/08/2018</a:t>
+              <a:t>08/08/2018</a:t>
             </a:fld>
             <a:endParaRPr lang="en-US"/>
           </a:p>
@@ -648,7 +648,7 @@
           <a:p>
             <a:fld id="{756D4E82-7815-AC48-AE87-A78DE185AB60}" type="datetimeFigureOut">
               <a:rPr lang="fr-FR" smtClean="0"/>
-              <a:t>07/08/2018</a:t>
+              <a:t>08/08/2018</a:t>
             </a:fld>
             <a:endParaRPr lang="en-US"/>
           </a:p>
@@ -816,7 +816,7 @@
           <a:p>
             <a:fld id="{756D4E82-7815-AC48-AE87-A78DE185AB60}" type="datetimeFigureOut">
               <a:rPr lang="fr-FR" smtClean="0"/>
-              <a:t>07/08/2018</a:t>
+              <a:t>08/08/2018</a:t>
             </a:fld>
             <a:endParaRPr lang="en-US"/>
           </a:p>
@@ -1061,7 +1061,7 @@
           <a:p>
             <a:fld id="{756D4E82-7815-AC48-AE87-A78DE185AB60}" type="datetimeFigureOut">
               <a:rPr lang="fr-FR" smtClean="0"/>
-              <a:t>07/08/2018</a:t>
+              <a:t>08/08/2018</a:t>
             </a:fld>
             <a:endParaRPr lang="en-US"/>
           </a:p>
@@ -1346,7 +1346,7 @@
           <a:p>
             <a:fld id="{756D4E82-7815-AC48-AE87-A78DE185AB60}" type="datetimeFigureOut">
               <a:rPr lang="fr-FR" smtClean="0"/>
-              <a:t>07/08/2018</a:t>
+              <a:t>08/08/2018</a:t>
             </a:fld>
             <a:endParaRPr lang="en-US"/>
           </a:p>
@@ -1765,7 +1765,7 @@
           <a:p>
             <a:fld id="{756D4E82-7815-AC48-AE87-A78DE185AB60}" type="datetimeFigureOut">
               <a:rPr lang="fr-FR" smtClean="0"/>
-              <a:t>07/08/2018</a:t>
+              <a:t>08/08/2018</a:t>
             </a:fld>
             <a:endParaRPr lang="en-US"/>
           </a:p>
@@ -1882,7 +1882,7 @@
           <a:p>
             <a:fld id="{756D4E82-7815-AC48-AE87-A78DE185AB60}" type="datetimeFigureOut">
               <a:rPr lang="fr-FR" smtClean="0"/>
-              <a:t>07/08/2018</a:t>
+              <a:t>08/08/2018</a:t>
             </a:fld>
             <a:endParaRPr lang="en-US"/>
           </a:p>
@@ -1977,7 +1977,7 @@
           <a:p>
             <a:fld id="{756D4E82-7815-AC48-AE87-A78DE185AB60}" type="datetimeFigureOut">
               <a:rPr lang="fr-FR" smtClean="0"/>
-              <a:t>07/08/2018</a:t>
+              <a:t>08/08/2018</a:t>
             </a:fld>
             <a:endParaRPr lang="en-US"/>
           </a:p>
@@ -2252,7 +2252,7 @@
           <a:p>
             <a:fld id="{756D4E82-7815-AC48-AE87-A78DE185AB60}" type="datetimeFigureOut">
               <a:rPr lang="fr-FR" smtClean="0"/>
-              <a:t>07/08/2018</a:t>
+              <a:t>08/08/2018</a:t>
             </a:fld>
             <a:endParaRPr lang="en-US"/>
           </a:p>
@@ -2504,7 +2504,7 @@
           <a:p>
             <a:fld id="{756D4E82-7815-AC48-AE87-A78DE185AB60}" type="datetimeFigureOut">
               <a:rPr lang="fr-FR" smtClean="0"/>
-              <a:t>07/08/2018</a:t>
+              <a:t>08/08/2018</a:t>
             </a:fld>
             <a:endParaRPr lang="en-US"/>
           </a:p>
@@ -2715,7 +2715,7 @@
           <a:p>
             <a:fld id="{756D4E82-7815-AC48-AE87-A78DE185AB60}" type="datetimeFigureOut">
               <a:rPr lang="fr-FR" smtClean="0"/>
-              <a:t>07/08/2018</a:t>
+              <a:t>08/08/2018</a:t>
             </a:fld>
             <a:endParaRPr lang="en-US"/>
           </a:p>
@@ -3092,14 +3092,76 @@
       </p:grpSpPr>
       <p:sp>
         <p:nvSpPr>
-          <p:cNvPr id="4" name="Rectangle 3"/>
+          <p:cNvPr id="6" name="Arc 5">
+            <a:extLst>
+              <a:ext uri="{FF2B5EF4-FFF2-40B4-BE49-F238E27FC236}">
+                <a16:creationId xmlns:a16="http://schemas.microsoft.com/office/drawing/2014/main" id="{5C0F5E40-9155-9945-92B5-6337DC86E540}"/>
+              </a:ext>
+            </a:extLst>
+          </p:cNvPr>
           <p:cNvSpPr/>
           <p:nvPr/>
         </p:nvSpPr>
         <p:spPr>
+          <a:xfrm rot="5400000" flipV="1">
+            <a:off x="2159732" y="4557841"/>
+            <a:ext cx="1296144" cy="1224136"/>
+          </a:xfrm>
+          <a:prstGeom prst="arc">
+            <a:avLst>
+              <a:gd name="adj1" fmla="val 10794271"/>
+              <a:gd name="adj2" fmla="val 21100438"/>
+            </a:avLst>
+          </a:prstGeom>
+          <a:noFill/>
+          <a:ln w="19050" cmpd="sng">
+            <a:solidFill>
+              <a:schemeClr val="tx1"/>
+            </a:solidFill>
+            <a:headEnd type="none" w="med" len="med"/>
+            <a:tailEnd type="triangle" w="lg" len="lg"/>
+          </a:ln>
+          <a:effectLst/>
+        </p:spPr>
+        <p:style>
+          <a:lnRef idx="1">
+            <a:schemeClr val="accent1"/>
+          </a:lnRef>
+          <a:fillRef idx="3">
+            <a:schemeClr val="accent1"/>
+          </a:fillRef>
+          <a:effectRef idx="2">
+            <a:schemeClr val="accent1"/>
+          </a:effectRef>
+          <a:fontRef idx="minor">
+            <a:schemeClr val="lt1"/>
+          </a:fontRef>
+        </p:style>
+        <p:txBody>
+          <a:bodyPr rtlCol="0" anchor="ctr"/>
+          <a:lstStyle/>
+          <a:p>
+            <a:pPr algn="ctr"/>
+            <a:endParaRPr lang="en-US" sz="1500"/>
+          </a:p>
+        </p:txBody>
+      </p:sp>
+      <p:sp>
+        <p:nvSpPr>
+          <p:cNvPr id="90" name="Rectangle 89">
+            <a:extLst>
+              <a:ext uri="{FF2B5EF4-FFF2-40B4-BE49-F238E27FC236}">
+                <a16:creationId xmlns:a16="http://schemas.microsoft.com/office/drawing/2014/main" id="{1DB8C921-C910-CA4D-8CE3-1A5FFFE3A780}"/>
+              </a:ext>
+            </a:extLst>
+          </p:cNvPr>
+          <p:cNvSpPr/>
+          <p:nvPr/>
+        </p:nvSpPr>
+        <p:spPr>
           <a:xfrm>
-            <a:off x="2809637" y="4869160"/>
-            <a:ext cx="3888432" cy="864096"/>
+            <a:off x="2699587" y="2501339"/>
+            <a:ext cx="3998482" cy="2582996"/>
           </a:xfrm>
           <a:prstGeom prst="rect">
             <a:avLst/>
@@ -3133,6 +3195,95 @@
           <a:lstStyle/>
           <a:p>
             <a:pPr algn="ctr"/>
+            <a:endParaRPr lang="en-US" sz="1500" dirty="0">
+              <a:solidFill>
+                <a:schemeClr val="tx1"/>
+              </a:solidFill>
+            </a:endParaRPr>
+          </a:p>
+        </p:txBody>
+      </p:sp>
+      <p:sp>
+        <p:nvSpPr>
+          <p:cNvPr id="95" name="TextBox 94">
+            <a:extLst>
+              <a:ext uri="{FF2B5EF4-FFF2-40B4-BE49-F238E27FC236}">
+                <a16:creationId xmlns:a16="http://schemas.microsoft.com/office/drawing/2014/main" id="{CBC51769-2C7A-6644-AAF9-2B702CF1E61C}"/>
+              </a:ext>
+            </a:extLst>
+          </p:cNvPr>
+          <p:cNvSpPr txBox="1"/>
+          <p:nvPr/>
+        </p:nvSpPr>
+        <p:spPr>
+          <a:xfrm>
+            <a:off x="1782938" y="5054493"/>
+            <a:ext cx="863891" cy="246221"/>
+          </a:xfrm>
+          <a:prstGeom prst="rect">
+            <a:avLst/>
+          </a:prstGeom>
+          <a:solidFill>
+            <a:schemeClr val="bg1"/>
+          </a:solidFill>
+        </p:spPr>
+        <p:txBody>
+          <a:bodyPr wrap="none" lIns="0" tIns="0" rIns="0" bIns="0" rtlCol="0">
+            <a:spAutoFit/>
+          </a:bodyPr>
+          <a:lstStyle/>
+          <a:p>
+            <a:pPr algn="ctr"/>
+            <a:r>
+              <a:rPr lang="en-US" sz="1600" i="1" dirty="0"/>
+              <a:t>configures</a:t>
+            </a:r>
+          </a:p>
+        </p:txBody>
+      </p:sp>
+      <p:sp>
+        <p:nvSpPr>
+          <p:cNvPr id="4" name="Rectangle 3"/>
+          <p:cNvSpPr/>
+          <p:nvPr/>
+        </p:nvSpPr>
+        <p:spPr>
+          <a:xfrm>
+            <a:off x="2699587" y="5228351"/>
+            <a:ext cx="3998482" cy="864096"/>
+          </a:xfrm>
+          <a:prstGeom prst="rect">
+            <a:avLst/>
+          </a:prstGeom>
+          <a:solidFill>
+            <a:schemeClr val="bg1"/>
+          </a:solidFill>
+          <a:ln w="28575" cmpd="sng">
+            <a:solidFill>
+              <a:srgbClr val="C00000"/>
+            </a:solidFill>
+          </a:ln>
+          <a:effectLst/>
+        </p:spPr>
+        <p:style>
+          <a:lnRef idx="1">
+            <a:schemeClr val="accent1"/>
+          </a:lnRef>
+          <a:fillRef idx="3">
+            <a:schemeClr val="accent1"/>
+          </a:fillRef>
+          <a:effectRef idx="2">
+            <a:schemeClr val="accent1"/>
+          </a:effectRef>
+          <a:fontRef idx="minor">
+            <a:schemeClr val="lt1"/>
+          </a:fontRef>
+        </p:style>
+        <p:txBody>
+          <a:bodyPr rtlCol="0" anchor="ctr"/>
+          <a:lstStyle/>
+          <a:p>
+            <a:pPr algn="ctr"/>
             <a:r>
               <a:rPr lang="en-US" sz="2400" b="1" dirty="0" err="1">
                 <a:solidFill>
@@ -3154,7 +3305,7 @@
                   <a:srgbClr val="C00000"/>
                 </a:solidFill>
               </a:rPr>
-              <a:t>(set-based onion routing)</a:t>
+              <a:t>(set-based onion routing header format)</a:t>
             </a:r>
           </a:p>
         </p:txBody>
@@ -3167,7 +3318,7 @@
         </p:nvSpPr>
         <p:spPr>
           <a:xfrm>
-            <a:off x="2953653" y="4009758"/>
+            <a:off x="2915816" y="4368949"/>
             <a:ext cx="3600400" cy="504056"/>
           </a:xfrm>
           <a:prstGeom prst="rect">
@@ -3221,7 +3372,7 @@
         </p:nvSpPr>
         <p:spPr>
           <a:xfrm>
-            <a:off x="3025661" y="3334554"/>
+            <a:off x="2987824" y="3693745"/>
             <a:ext cx="2383456" cy="504056"/>
           </a:xfrm>
           <a:prstGeom prst="rect">
@@ -3366,7 +3517,7 @@
         </p:nvSpPr>
         <p:spPr>
           <a:xfrm>
-            <a:off x="3025661" y="2636912"/>
+            <a:off x="2987824" y="2996103"/>
             <a:ext cx="2383456" cy="504056"/>
           </a:xfrm>
           <a:prstGeom prst="rect">
@@ -3414,61 +3565,6 @@
       </p:sp>
       <p:sp>
         <p:nvSpPr>
-          <p:cNvPr id="90" name="Rectangle 89">
-            <a:extLst>
-              <a:ext uri="{FF2B5EF4-FFF2-40B4-BE49-F238E27FC236}">
-                <a16:creationId xmlns:a16="http://schemas.microsoft.com/office/drawing/2014/main" id="{1DB8C921-C910-CA4D-8CE3-1A5FFFE3A780}"/>
-              </a:ext>
-            </a:extLst>
-          </p:cNvPr>
-          <p:cNvSpPr/>
-          <p:nvPr/>
-        </p:nvSpPr>
-        <p:spPr>
-          <a:xfrm>
-            <a:off x="2809637" y="2142148"/>
-            <a:ext cx="3888432" cy="2582996"/>
-          </a:xfrm>
-          <a:prstGeom prst="rect">
-            <a:avLst/>
-          </a:prstGeom>
-          <a:noFill/>
-          <a:ln w="28575" cmpd="sng">
-            <a:solidFill>
-              <a:srgbClr val="C00000"/>
-            </a:solidFill>
-          </a:ln>
-          <a:effectLst/>
-        </p:spPr>
-        <p:style>
-          <a:lnRef idx="1">
-            <a:schemeClr val="accent1"/>
-          </a:lnRef>
-          <a:fillRef idx="3">
-            <a:schemeClr val="accent1"/>
-          </a:fillRef>
-          <a:effectRef idx="2">
-            <a:schemeClr val="accent1"/>
-          </a:effectRef>
-          <a:fontRef idx="minor">
-            <a:schemeClr val="lt1"/>
-          </a:fontRef>
-        </p:style>
-        <p:txBody>
-          <a:bodyPr rtlCol="0" anchor="ctr"/>
-          <a:lstStyle/>
-          <a:p>
-            <a:pPr algn="ctr"/>
-            <a:endParaRPr lang="en-US" sz="1500" dirty="0">
-              <a:solidFill>
-                <a:schemeClr val="tx1"/>
-              </a:solidFill>
-            </a:endParaRPr>
-          </a:p>
-        </p:txBody>
-      </p:sp>
-      <p:sp>
-        <p:nvSpPr>
           <p:cNvPr id="5" name="TextBox 4">
             <a:extLst>
               <a:ext uri="{FF2B5EF4-FFF2-40B4-BE49-F238E27FC236}">
@@ -3481,8 +3577,8 @@
         </p:nvSpPr>
         <p:spPr>
           <a:xfrm>
-            <a:off x="4000160" y="1671191"/>
-            <a:ext cx="979755" cy="461665"/>
+            <a:off x="2968175" y="1671191"/>
+            <a:ext cx="4647812" cy="738664"/>
           </a:xfrm>
           <a:prstGeom prst="rect">
             <a:avLst/>
@@ -3495,6 +3591,7 @@
           </a:bodyPr>
           <a:lstStyle/>
           <a:p>
+            <a:pPr algn="ctr"/>
             <a:r>
               <a:rPr lang="en-US" sz="2400" b="1" dirty="0">
                 <a:solidFill>
@@ -3519,62 +3616,26 @@
               </a:rPr>
               <a:t>OR</a:t>
             </a:r>
-          </a:p>
-        </p:txBody>
-      </p:sp>
-      <p:sp>
-        <p:nvSpPr>
-          <p:cNvPr id="6" name="Arc 5">
-            <a:extLst>
-              <a:ext uri="{FF2B5EF4-FFF2-40B4-BE49-F238E27FC236}">
-                <a16:creationId xmlns:a16="http://schemas.microsoft.com/office/drawing/2014/main" id="{5C0F5E40-9155-9945-92B5-6337DC86E540}"/>
-              </a:ext>
-            </a:extLst>
-          </p:cNvPr>
-          <p:cNvSpPr/>
-          <p:nvPr/>
-        </p:nvSpPr>
-        <p:spPr>
-          <a:xfrm rot="5400000" flipV="1">
-            <a:off x="2159732" y="4198650"/>
-            <a:ext cx="1296144" cy="1224136"/>
-          </a:xfrm>
-          <a:prstGeom prst="arc">
-            <a:avLst>
-              <a:gd name="adj1" fmla="val 10794271"/>
-              <a:gd name="adj2" fmla="val 0"/>
-            </a:avLst>
-          </a:prstGeom>
-          <a:noFill/>
-          <a:ln w="19050" cmpd="sng">
-            <a:solidFill>
-              <a:schemeClr val="tx1"/>
-            </a:solidFill>
-            <a:headEnd type="none" w="med" len="med"/>
-            <a:tailEnd type="triangle" w="lg" len="lg"/>
-          </a:ln>
-          <a:effectLst/>
-        </p:spPr>
-        <p:style>
-          <a:lnRef idx="1">
-            <a:schemeClr val="accent1"/>
-          </a:lnRef>
-          <a:fillRef idx="3">
-            <a:schemeClr val="accent1"/>
-          </a:fillRef>
-          <a:effectRef idx="2">
-            <a:schemeClr val="accent1"/>
-          </a:effectRef>
-          <a:fontRef idx="minor">
-            <a:schemeClr val="lt1"/>
-          </a:fontRef>
-        </p:style>
-        <p:txBody>
-          <a:bodyPr rtlCol="0" anchor="ctr"/>
-          <a:lstStyle/>
-          <a:p>
-            <a:pPr algn="ctr"/>
-            <a:endParaRPr lang="en-US" sz="1500"/>
+            <a:br>
+              <a:rPr lang="en-US" sz="2400" b="1" dirty="0">
+                <a:solidFill>
+                  <a:srgbClr val="0070C0"/>
+                </a:solidFill>
+              </a:rPr>
+            </a:br>
+            <a:r>
+              <a:rPr lang="en-US" dirty="0">
+                <a:solidFill>
+                  <a:srgbClr val="0070C0"/>
+                </a:solidFill>
+              </a:rPr>
+              <a:t>(stateless predictive probabilistic onion routing)</a:t>
+            </a:r>
+            <a:endParaRPr lang="en-US" sz="2400" dirty="0">
+              <a:solidFill>
+                <a:srgbClr val="0070C0"/>
+              </a:solidFill>
+            </a:endParaRPr>
           </a:p>
         </p:txBody>
       </p:sp>
@@ -3591,13 +3652,13 @@
           <p:nvPr/>
         </p:nvSpPr>
         <p:spPr>
-          <a:xfrm rot="6493587" flipV="1">
-            <a:off x="2298359" y="134700"/>
+          <a:xfrm rot="5982178" flipV="1">
+            <a:off x="2269687" y="-87194"/>
             <a:ext cx="1947505" cy="3838304"/>
           </a:xfrm>
           <a:prstGeom prst="arc">
             <a:avLst>
-              <a:gd name="adj1" fmla="val 12538423"/>
+              <a:gd name="adj1" fmla="val 10932108"/>
               <a:gd name="adj2" fmla="val 17595619"/>
             </a:avLst>
           </a:prstGeom>
@@ -3649,7 +3710,7 @@
         <p:spPr>
           <a:xfrm>
             <a:off x="1691680" y="1628800"/>
-            <a:ext cx="7200800" cy="4392488"/>
+            <a:ext cx="7200800" cy="4680520"/>
           </a:xfrm>
           <a:prstGeom prst="rect">
             <a:avLst/>
@@ -3703,7 +3764,7 @@
         </p:nvSpPr>
         <p:spPr>
           <a:xfrm>
-            <a:off x="3507363" y="2175247"/>
+            <a:off x="3507363" y="2534438"/>
             <a:ext cx="2114681" cy="461665"/>
           </a:xfrm>
           <a:prstGeom prst="rect">
@@ -3767,44 +3828,6 @@
       </p:sp>
       <p:sp>
         <p:nvSpPr>
-          <p:cNvPr id="95" name="TextBox 94">
-            <a:extLst>
-              <a:ext uri="{FF2B5EF4-FFF2-40B4-BE49-F238E27FC236}">
-                <a16:creationId xmlns:a16="http://schemas.microsoft.com/office/drawing/2014/main" id="{CBC51769-2C7A-6644-AAF9-2B702CF1E61C}"/>
-              </a:ext>
-            </a:extLst>
-          </p:cNvPr>
-          <p:cNvSpPr txBox="1"/>
-          <p:nvPr/>
-        </p:nvSpPr>
-        <p:spPr>
-          <a:xfrm>
-            <a:off x="1835696" y="4695302"/>
-            <a:ext cx="863891" cy="246221"/>
-          </a:xfrm>
-          <a:prstGeom prst="rect">
-            <a:avLst/>
-          </a:prstGeom>
-          <a:solidFill>
-            <a:schemeClr val="bg1"/>
-          </a:solidFill>
-        </p:spPr>
-        <p:txBody>
-          <a:bodyPr wrap="none" lIns="0" tIns="0" rIns="0" bIns="0" rtlCol="0">
-            <a:spAutoFit/>
-          </a:bodyPr>
-          <a:lstStyle/>
-          <a:p>
-            <a:pPr algn="ctr"/>
-            <a:r>
-              <a:rPr lang="en-US" sz="1600" i="1" dirty="0"/>
-              <a:t>configures</a:t>
-            </a:r>
-          </a:p>
-        </p:txBody>
-      </p:sp>
-      <p:sp>
-        <p:nvSpPr>
           <p:cNvPr id="91" name="Rectangle 90">
             <a:extLst>
               <a:ext uri="{FF2B5EF4-FFF2-40B4-BE49-F238E27FC236}">
@@ -3817,7 +3840,7 @@
         </p:nvSpPr>
         <p:spPr>
           <a:xfrm>
-            <a:off x="2809638" y="602662"/>
+            <a:off x="3347864" y="602662"/>
             <a:ext cx="3888432" cy="864096"/>
           </a:xfrm>
           <a:prstGeom prst="rect">
@@ -3877,7 +3900,7 @@
         </p:nvSpPr>
         <p:spPr>
           <a:xfrm>
-            <a:off x="5581945" y="3334554"/>
+            <a:off x="5544108" y="3693745"/>
             <a:ext cx="907292" cy="504056"/>
           </a:xfrm>
           <a:prstGeom prst="rect">
@@ -3954,7 +3977,7 @@
         </p:nvCxnSpPr>
         <p:spPr>
           <a:xfrm>
-            <a:off x="4217389" y="3140968"/>
+            <a:off x="4179552" y="3500159"/>
             <a:ext cx="0" cy="193586"/>
           </a:xfrm>
           <a:prstGeom prst="straightConnector1">
@@ -4002,7 +4025,7 @@
         </p:nvCxnSpPr>
         <p:spPr>
           <a:xfrm>
-            <a:off x="4217389" y="3838610"/>
+            <a:off x="4179552" y="4197801"/>
             <a:ext cx="0" cy="171148"/>
           </a:xfrm>
           <a:prstGeom prst="straightConnector1">
@@ -4049,7 +4072,7 @@
         </p:nvCxnSpPr>
         <p:spPr>
           <a:xfrm>
-            <a:off x="6049997" y="3838610"/>
+            <a:off x="6012160" y="4197801"/>
             <a:ext cx="0" cy="171148"/>
           </a:xfrm>
           <a:prstGeom prst="straightConnector1">
@@ -4094,7 +4117,7 @@
         </p:nvSpPr>
         <p:spPr>
           <a:xfrm>
-            <a:off x="6858210" y="5154423"/>
+            <a:off x="6858210" y="5513614"/>
             <a:ext cx="1810888" cy="413666"/>
           </a:xfrm>
           <a:custGeom>
@@ -4369,7 +4392,7 @@
         </p:nvGrpSpPr>
         <p:grpSpPr>
           <a:xfrm>
-            <a:off x="7005790" y="4926983"/>
+            <a:off x="7005790" y="5286174"/>
             <a:ext cx="360040" cy="807122"/>
             <a:chOff x="7311868" y="4926983"/>
             <a:chExt cx="360040" cy="807122"/>
@@ -4629,7 +4652,7 @@
         </p:nvGrpSpPr>
         <p:grpSpPr>
           <a:xfrm>
-            <a:off x="7551275" y="4926983"/>
+            <a:off x="7551275" y="5286174"/>
             <a:ext cx="360040" cy="807122"/>
             <a:chOff x="7857353" y="4926983"/>
             <a:chExt cx="360040" cy="807122"/>
@@ -4889,7 +4912,7 @@
         </p:nvGrpSpPr>
         <p:grpSpPr>
           <a:xfrm>
-            <a:off x="8096760" y="4926134"/>
+            <a:off x="8096760" y="5285325"/>
             <a:ext cx="360040" cy="807122"/>
             <a:chOff x="8402838" y="4926134"/>
             <a:chExt cx="360040" cy="807122"/>
@@ -5149,7 +5172,7 @@
         </p:nvSpPr>
         <p:spPr>
           <a:xfrm>
-            <a:off x="7005790" y="3925714"/>
+            <a:off x="7005790" y="4284905"/>
             <a:ext cx="360040" cy="807122"/>
           </a:xfrm>
           <a:prstGeom prst="ellipse">
@@ -5215,7 +5238,7 @@
         </p:nvSpPr>
         <p:spPr>
           <a:xfrm>
-            <a:off x="7113802" y="4011907"/>
+            <a:off x="7113802" y="4371098"/>
             <a:ext cx="144016" cy="141247"/>
           </a:xfrm>
           <a:prstGeom prst="ellipse">
@@ -5278,7 +5301,7 @@
         </p:nvSpPr>
         <p:spPr>
           <a:xfrm>
-            <a:off x="7111941" y="4507715"/>
+            <a:off x="7111941" y="4866906"/>
             <a:ext cx="144016" cy="141247"/>
           </a:xfrm>
           <a:prstGeom prst="ellipse">
@@ -5341,7 +5364,7 @@
         </p:nvSpPr>
         <p:spPr>
           <a:xfrm rot="5400000">
-            <a:off x="7128106" y="4242484"/>
+            <a:off x="7128106" y="4601675"/>
             <a:ext cx="192360" cy="184666"/>
           </a:xfrm>
           <a:prstGeom prst="rect">
@@ -5380,7 +5403,7 @@
         </p:nvSpPr>
         <p:spPr>
           <a:xfrm>
-            <a:off x="7551275" y="3925714"/>
+            <a:off x="7551275" y="4284905"/>
             <a:ext cx="360040" cy="807122"/>
           </a:xfrm>
           <a:prstGeom prst="ellipse">
@@ -5446,7 +5469,7 @@
         </p:nvSpPr>
         <p:spPr>
           <a:xfrm>
-            <a:off x="7659287" y="4011907"/>
+            <a:off x="7659287" y="4371098"/>
             <a:ext cx="144016" cy="141247"/>
           </a:xfrm>
           <a:prstGeom prst="ellipse">
@@ -5509,7 +5532,7 @@
         </p:nvSpPr>
         <p:spPr>
           <a:xfrm>
-            <a:off x="7657426" y="4507715"/>
+            <a:off x="7657426" y="4866906"/>
             <a:ext cx="144016" cy="141247"/>
           </a:xfrm>
           <a:prstGeom prst="ellipse">
@@ -5572,7 +5595,7 @@
         </p:nvSpPr>
         <p:spPr>
           <a:xfrm rot="5400000">
-            <a:off x="7673591" y="4242484"/>
+            <a:off x="7673591" y="4601675"/>
             <a:ext cx="192360" cy="184666"/>
           </a:xfrm>
           <a:prstGeom prst="rect">
@@ -5611,7 +5634,7 @@
         </p:nvSpPr>
         <p:spPr>
           <a:xfrm>
-            <a:off x="8096760" y="3924865"/>
+            <a:off x="8096760" y="4284056"/>
             <a:ext cx="360040" cy="807122"/>
           </a:xfrm>
           <a:prstGeom prst="ellipse">
@@ -5677,7 +5700,7 @@
         </p:nvSpPr>
         <p:spPr>
           <a:xfrm>
-            <a:off x="8204772" y="4011058"/>
+            <a:off x="8204772" y="4370249"/>
             <a:ext cx="144016" cy="141247"/>
           </a:xfrm>
           <a:prstGeom prst="ellipse">
@@ -5740,7 +5763,7 @@
         </p:nvSpPr>
         <p:spPr>
           <a:xfrm>
-            <a:off x="8202911" y="4506866"/>
+            <a:off x="8202911" y="4866057"/>
             <a:ext cx="144016" cy="141247"/>
           </a:xfrm>
           <a:prstGeom prst="ellipse">
@@ -5803,7 +5826,7 @@
         </p:nvSpPr>
         <p:spPr>
           <a:xfrm rot="5400000">
-            <a:off x="8219076" y="4241635"/>
+            <a:off x="8219076" y="4600826"/>
             <a:ext cx="192360" cy="184666"/>
           </a:xfrm>
           <a:prstGeom prst="rect">
@@ -5842,7 +5865,7 @@
         </p:nvGrpSpPr>
         <p:grpSpPr>
           <a:xfrm>
-            <a:off x="7506282" y="2492896"/>
+            <a:off x="7506282" y="2852087"/>
             <a:ext cx="594110" cy="542557"/>
             <a:chOff x="7164285" y="2492896"/>
             <a:chExt cx="594110" cy="542557"/>
@@ -6199,7 +6222,7 @@
         </p:nvSpPr>
         <p:spPr>
           <a:xfrm>
-            <a:off x="6853610" y="3176700"/>
+            <a:off x="6853610" y="3535891"/>
             <a:ext cx="594110" cy="542557"/>
           </a:xfrm>
           <a:prstGeom prst="cloud">
@@ -6265,7 +6288,7 @@
         </p:nvSpPr>
         <p:spPr>
           <a:xfrm>
-            <a:off x="6894164" y="3245131"/>
+            <a:off x="6894164" y="3604322"/>
             <a:ext cx="499297" cy="405037"/>
           </a:xfrm>
           <a:prstGeom prst="ellipse">
@@ -6328,7 +6351,7 @@
         </p:nvSpPr>
         <p:spPr>
           <a:xfrm>
-            <a:off x="6950148" y="3377025"/>
+            <a:off x="6950148" y="3736216"/>
             <a:ext cx="144016" cy="141247"/>
           </a:xfrm>
           <a:prstGeom prst="ellipse">
@@ -6391,7 +6414,7 @@
         </p:nvSpPr>
         <p:spPr>
           <a:xfrm>
-            <a:off x="7141645" y="3267524"/>
+            <a:off x="7141645" y="3626715"/>
             <a:ext cx="144016" cy="141247"/>
           </a:xfrm>
           <a:prstGeom prst="ellipse">
@@ -6454,7 +6477,7 @@
         </p:nvSpPr>
         <p:spPr>
           <a:xfrm>
-            <a:off x="7141160" y="3458846"/>
+            <a:off x="7141160" y="3818037"/>
             <a:ext cx="144016" cy="141247"/>
           </a:xfrm>
           <a:prstGeom prst="ellipse">
@@ -6517,7 +6540,7 @@
         </p:nvSpPr>
         <p:spPr>
           <a:xfrm>
-            <a:off x="7506282" y="3170394"/>
+            <a:off x="7506282" y="3529585"/>
             <a:ext cx="594110" cy="542557"/>
           </a:xfrm>
           <a:prstGeom prst="cloud">
@@ -6583,7 +6606,7 @@
         </p:nvSpPr>
         <p:spPr>
           <a:xfrm>
-            <a:off x="7546836" y="3238825"/>
+            <a:off x="7546836" y="3598016"/>
             <a:ext cx="499297" cy="405037"/>
           </a:xfrm>
           <a:prstGeom prst="ellipse">
@@ -6646,7 +6669,7 @@
         </p:nvSpPr>
         <p:spPr>
           <a:xfrm>
-            <a:off x="7794317" y="3261218"/>
+            <a:off x="7794317" y="3620409"/>
             <a:ext cx="144016" cy="141247"/>
           </a:xfrm>
           <a:prstGeom prst="ellipse">
@@ -6709,7 +6732,7 @@
         </p:nvSpPr>
         <p:spPr>
           <a:xfrm>
-            <a:off x="7793832" y="3452540"/>
+            <a:off x="7793832" y="3811731"/>
             <a:ext cx="144016" cy="141247"/>
           </a:xfrm>
           <a:prstGeom prst="ellipse">
@@ -6772,7 +6795,7 @@
         </p:nvSpPr>
         <p:spPr>
           <a:xfrm>
-            <a:off x="8154354" y="3164088"/>
+            <a:off x="8154354" y="3523279"/>
             <a:ext cx="594110" cy="542557"/>
           </a:xfrm>
           <a:prstGeom prst="cloud">
@@ -6838,7 +6861,7 @@
         </p:nvSpPr>
         <p:spPr>
           <a:xfrm>
-            <a:off x="8194908" y="3232519"/>
+            <a:off x="8194908" y="3591710"/>
             <a:ext cx="499297" cy="405037"/>
           </a:xfrm>
           <a:prstGeom prst="ellipse">
@@ -6901,7 +6924,7 @@
         </p:nvSpPr>
         <p:spPr>
           <a:xfrm>
-            <a:off x="8250892" y="3364413"/>
+            <a:off x="8250892" y="3723604"/>
             <a:ext cx="144016" cy="141247"/>
           </a:xfrm>
           <a:prstGeom prst="ellipse">
@@ -6964,7 +6987,7 @@
         </p:nvSpPr>
         <p:spPr>
           <a:xfrm>
-            <a:off x="8442389" y="3254912"/>
+            <a:off x="8442389" y="3614103"/>
             <a:ext cx="144016" cy="141247"/>
           </a:xfrm>
           <a:prstGeom prst="ellipse">
@@ -7027,7 +7050,7 @@
         </p:nvSpPr>
         <p:spPr>
           <a:xfrm>
-            <a:off x="8441904" y="3446234"/>
+            <a:off x="8441904" y="3805425"/>
             <a:ext cx="144016" cy="141247"/>
           </a:xfrm>
           <a:prstGeom prst="ellipse">
@@ -7094,7 +7117,7 @@
         </p:nvCxnSpPr>
         <p:spPr>
           <a:xfrm>
-            <a:off x="7285661" y="3338148"/>
+            <a:off x="7285661" y="3697339"/>
             <a:ext cx="338250" cy="53256"/>
           </a:xfrm>
           <a:prstGeom prst="line">
@@ -7144,7 +7167,7 @@
         </p:nvCxnSpPr>
         <p:spPr>
           <a:xfrm flipV="1">
-            <a:off x="7285176" y="3381780"/>
+            <a:off x="7285176" y="3740971"/>
             <a:ext cx="530232" cy="147690"/>
           </a:xfrm>
           <a:prstGeom prst="line">
@@ -7194,7 +7217,7 @@
         </p:nvCxnSpPr>
         <p:spPr>
           <a:xfrm flipV="1">
-            <a:off x="7937848" y="3435037"/>
+            <a:off x="7937848" y="3794228"/>
             <a:ext cx="313044" cy="88127"/>
           </a:xfrm>
           <a:prstGeom prst="line">
@@ -7244,7 +7267,7 @@
         </p:nvCxnSpPr>
         <p:spPr>
           <a:xfrm>
-            <a:off x="7938333" y="3331842"/>
+            <a:off x="7938333" y="3691033"/>
             <a:ext cx="333650" cy="53256"/>
           </a:xfrm>
           <a:prstGeom prst="line">
@@ -7290,7 +7313,7 @@
         </p:nvSpPr>
         <p:spPr>
           <a:xfrm>
-            <a:off x="7602820" y="3370719"/>
+            <a:off x="7602820" y="3729910"/>
             <a:ext cx="144016" cy="141247"/>
           </a:xfrm>
           <a:prstGeom prst="ellipse">
@@ -7357,7 +7380,7 @@
         </p:nvCxnSpPr>
         <p:spPr>
           <a:xfrm flipH="1">
-            <a:off x="7073073" y="3338148"/>
+            <a:off x="7073073" y="3697339"/>
             <a:ext cx="68572" cy="59562"/>
           </a:xfrm>
           <a:prstGeom prst="line">
@@ -7407,7 +7430,7 @@
         </p:nvCxnSpPr>
         <p:spPr>
           <a:xfrm flipH="1">
-            <a:off x="8513912" y="3396159"/>
+            <a:off x="8513912" y="3755350"/>
             <a:ext cx="485" cy="50075"/>
           </a:xfrm>
           <a:prstGeom prst="line">
@@ -7457,7 +7480,7 @@
         </p:nvCxnSpPr>
         <p:spPr>
           <a:xfrm flipV="1">
-            <a:off x="7917242" y="3275597"/>
+            <a:off x="7917242" y="3634788"/>
             <a:ext cx="546238" cy="6306"/>
           </a:xfrm>
           <a:prstGeom prst="line">
@@ -7507,7 +7530,7 @@
         </p:nvCxnSpPr>
         <p:spPr>
           <a:xfrm flipH="1">
-            <a:off x="7725745" y="2654344"/>
+            <a:off x="7725745" y="3013535"/>
             <a:ext cx="68572" cy="59562"/>
           </a:xfrm>
           <a:prstGeom prst="line">
@@ -7557,7 +7580,7 @@
         </p:nvCxnSpPr>
         <p:spPr>
           <a:xfrm flipH="1" flipV="1">
-            <a:off x="7725745" y="2813783"/>
+            <a:off x="7725745" y="3172974"/>
             <a:ext cx="68087" cy="31883"/>
           </a:xfrm>
           <a:prstGeom prst="line">
@@ -7607,7 +7630,7 @@
         </p:nvCxnSpPr>
         <p:spPr>
           <a:xfrm flipV="1">
-            <a:off x="7865840" y="2724967"/>
+            <a:off x="7865840" y="3084158"/>
             <a:ext cx="485" cy="50075"/>
           </a:xfrm>
           <a:prstGeom prst="line">
@@ -7653,7 +7676,7 @@
         </p:nvSpPr>
         <p:spPr bwMode="auto">
           <a:xfrm>
-            <a:off x="6156176" y="5085184"/>
+            <a:off x="6156176" y="5300359"/>
             <a:ext cx="381000" cy="381000"/>
           </a:xfrm>
           <a:prstGeom prst="ellipse">
@@ -7716,7 +7739,7 @@
         </p:nvSpPr>
         <p:spPr bwMode="auto">
           <a:xfrm>
-            <a:off x="6156176" y="2273343"/>
+            <a:off x="6156176" y="2632534"/>
             <a:ext cx="381000" cy="381000"/>
           </a:xfrm>
           <a:prstGeom prst="ellipse">
@@ -7800,7 +7823,7 @@
         </p:nvSpPr>
         <p:spPr bwMode="auto">
           <a:xfrm>
-            <a:off x="6156176" y="839684"/>
+            <a:off x="6711280" y="839684"/>
             <a:ext cx="381000" cy="381000"/>
           </a:xfrm>
           <a:prstGeom prst="ellipse">

--- a/paper/figures/OverviewSPORES.pptx
+++ b/paper/figures/OverviewSPORES.pptx
@@ -3425,8 +3425,8 @@
         </p:nvSpPr>
         <p:spPr>
           <a:xfrm flipH="1">
-            <a:off x="854530" y="602662"/>
-            <a:ext cx="498821" cy="5418626"/>
+            <a:off x="854529" y="602662"/>
+            <a:ext cx="498821" cy="5706658"/>
           </a:xfrm>
           <a:prstGeom prst="rightBrace">
             <a:avLst>
@@ -3473,7 +3473,7 @@
         </p:nvSpPr>
         <p:spPr>
           <a:xfrm rot="16200000">
-            <a:off x="-94292" y="3025115"/>
+            <a:off x="-94292" y="3155196"/>
             <a:ext cx="1526103" cy="461665"/>
           </a:xfrm>
           <a:prstGeom prst="rect">
